--- a/React발표자료.pptx
+++ b/React발표자료.pptx
@@ -16,9 +16,9 @@
     <p:sldId id="268" r:id="rId7"/>
     <p:sldId id="269" r:id="rId8"/>
     <p:sldId id="277" r:id="rId9"/>
-    <p:sldId id="284" r:id="rId10"/>
-    <p:sldId id="272" r:id="rId11"/>
-    <p:sldId id="273" r:id="rId12"/>
+    <p:sldId id="286" r:id="rId10"/>
+    <p:sldId id="273" r:id="rId11"/>
+    <p:sldId id="284" r:id="rId12"/>
     <p:sldId id="274" r:id="rId13"/>
     <p:sldId id="279" r:id="rId14"/>
     <p:sldId id="278" r:id="rId15"/>
@@ -3915,26 +3915,24 @@
           </a:bodyPr>
           <a:lstStyle/>
           <a:p>
-            <a:pPr marL="228600" indent="-228600">
+            <a:pPr>
               <a:lnSpc>
                 <a:spcPct val="150000"/>
               </a:lnSpc>
-              <a:buFont typeface="+mj-lt"/>
-              <a:buAutoNum type="arabicPeriod"/>
             </a:pPr>
             <a:r>
               <a:rPr lang="en-US" altLang="ko-KR" sz="1050" b="1" dirty="0"/>
-              <a:t>MVC</a:t>
-            </a:r>
-          </a:p>
-        </p:txBody>
-      </p:sp>
-      <p:sp>
-        <p:nvSpPr>
-          <p:cNvPr id="12" name="사각형: 둥근 모서리 11">
+              <a:t>2.    Flux</a:t>
+            </a:r>
+          </a:p>
+        </p:txBody>
+      </p:sp>
+      <p:sp>
+        <p:nvSpPr>
+          <p:cNvPr id="65" name="사각형: 둥근 모서리 64">
             <a:extLst>
               <a:ext uri="{FF2B5EF4-FFF2-40B4-BE49-F238E27FC236}">
-                <a16:creationId xmlns:a16="http://schemas.microsoft.com/office/drawing/2014/main" id="{0679DE22-F3DA-404C-8F5C-1602E2B956F9}"/>
+                <a16:creationId xmlns:a16="http://schemas.microsoft.com/office/drawing/2014/main" id="{26F4FBFA-D07F-4DA9-84DB-62A224FCCDEB}"/>
               </a:ext>
             </a:extLst>
           </p:cNvPr>
@@ -3943,7 +3941,7 @@
         </p:nvSpPr>
         <p:spPr>
           <a:xfrm>
-            <a:off x="2843868" y="4977188"/>
+            <a:off x="2843868" y="2787659"/>
             <a:ext cx="1277224" cy="603175"/>
           </a:xfrm>
           <a:prstGeom prst="roundRect">
@@ -3993,10 +3991,10 @@
       </p:sp>
       <p:sp>
         <p:nvSpPr>
-          <p:cNvPr id="15" name="TextBox 14">
+          <p:cNvPr id="66" name="TextBox 65">
             <a:extLst>
               <a:ext uri="{FF2B5EF4-FFF2-40B4-BE49-F238E27FC236}">
-                <a16:creationId xmlns:a16="http://schemas.microsoft.com/office/drawing/2014/main" id="{18BACA16-B2B2-4DD9-A393-5C71C2E1878C}"/>
+                <a16:creationId xmlns:a16="http://schemas.microsoft.com/office/drawing/2014/main" id="{8037D70D-1AA1-4031-B3A9-301F7F7662AC}"/>
               </a:ext>
             </a:extLst>
           </p:cNvPr>
@@ -4005,7 +4003,7 @@
         </p:nvSpPr>
         <p:spPr>
           <a:xfrm>
-            <a:off x="2843868" y="5153812"/>
+            <a:off x="2843868" y="2964283"/>
             <a:ext cx="1270932" cy="248002"/>
           </a:xfrm>
           <a:prstGeom prst="rect">
@@ -4022,7 +4020,7 @@
             <a:pPr algn="ctr"/>
             <a:r>
               <a:rPr lang="en-US" altLang="ko-KR" sz="1350" b="1" dirty="0"/>
-              <a:t>Controller</a:t>
+              <a:t>Dispatcher</a:t>
             </a:r>
             <a:endParaRPr lang="ko-KR" altLang="en-US" sz="1350" b="1" dirty="0"/>
           </a:p>
@@ -4030,10 +4028,10 @@
       </p:sp>
       <p:sp>
         <p:nvSpPr>
-          <p:cNvPr id="17" name="사각형: 둥근 모서리 16">
+          <p:cNvPr id="67" name="사각형: 둥근 모서리 66">
             <a:extLst>
               <a:ext uri="{FF2B5EF4-FFF2-40B4-BE49-F238E27FC236}">
-                <a16:creationId xmlns:a16="http://schemas.microsoft.com/office/drawing/2014/main" id="{E8448F55-D0FB-4186-9D58-37CBB6823219}"/>
+                <a16:creationId xmlns:a16="http://schemas.microsoft.com/office/drawing/2014/main" id="{8AF480FF-C498-4CC3-A7CD-A4D3E5655EBF}"/>
               </a:ext>
             </a:extLst>
           </p:cNvPr>
@@ -4042,7 +4040,7 @@
         </p:nvSpPr>
         <p:spPr>
           <a:xfrm>
-            <a:off x="4719855" y="3586712"/>
+            <a:off x="4719855" y="2787659"/>
             <a:ext cx="1277224" cy="603175"/>
           </a:xfrm>
           <a:prstGeom prst="roundRect">
@@ -4091,10 +4089,10 @@
       </p:sp>
       <p:sp>
         <p:nvSpPr>
-          <p:cNvPr id="18" name="TextBox 17">
+          <p:cNvPr id="68" name="TextBox 67">
             <a:extLst>
               <a:ext uri="{FF2B5EF4-FFF2-40B4-BE49-F238E27FC236}">
-                <a16:creationId xmlns:a16="http://schemas.microsoft.com/office/drawing/2014/main" id="{48DCA8FA-9A37-4D0D-9BC7-80AE1CD5C663}"/>
+                <a16:creationId xmlns:a16="http://schemas.microsoft.com/office/drawing/2014/main" id="{938285D8-03EE-4B2C-A87F-B324AE36DE9D}"/>
               </a:ext>
             </a:extLst>
           </p:cNvPr>
@@ -4103,7 +4101,7 @@
         </p:nvSpPr>
         <p:spPr>
           <a:xfrm>
-            <a:off x="4719856" y="3763336"/>
+            <a:off x="4719856" y="2964283"/>
             <a:ext cx="1270932" cy="248002"/>
           </a:xfrm>
           <a:prstGeom prst="rect">
@@ -4120,7 +4118,7 @@
             <a:pPr algn="ctr"/>
             <a:r>
               <a:rPr lang="en-US" altLang="ko-KR" sz="1350" b="1" dirty="0"/>
-              <a:t>Model</a:t>
+              <a:t>Store</a:t>
             </a:r>
             <a:endParaRPr lang="ko-KR" altLang="en-US" sz="1350" b="1" dirty="0"/>
           </a:p>
@@ -4128,10 +4126,10 @@
       </p:sp>
       <p:sp>
         <p:nvSpPr>
-          <p:cNvPr id="19" name="사각형: 둥근 모서리 18">
+          <p:cNvPr id="69" name="사각형: 둥근 모서리 68">
             <a:extLst>
               <a:ext uri="{FF2B5EF4-FFF2-40B4-BE49-F238E27FC236}">
-                <a16:creationId xmlns:a16="http://schemas.microsoft.com/office/drawing/2014/main" id="{6E6062AE-0F10-41E6-95DA-8BB8FD59C30F}"/>
+                <a16:creationId xmlns:a16="http://schemas.microsoft.com/office/drawing/2014/main" id="{152935DE-9FEE-4AF6-B193-295E57459E1C}"/>
               </a:ext>
             </a:extLst>
           </p:cNvPr>
@@ -4140,7 +4138,7 @@
         </p:nvSpPr>
         <p:spPr>
           <a:xfrm>
-            <a:off x="6595843" y="3586712"/>
+            <a:off x="6595843" y="2787659"/>
             <a:ext cx="1277224" cy="603175"/>
           </a:xfrm>
           <a:prstGeom prst="roundRect">
@@ -4187,10 +4185,10 @@
       </p:sp>
       <p:sp>
         <p:nvSpPr>
-          <p:cNvPr id="22" name="TextBox 21">
+          <p:cNvPr id="70" name="TextBox 69">
             <a:extLst>
               <a:ext uri="{FF2B5EF4-FFF2-40B4-BE49-F238E27FC236}">
-                <a16:creationId xmlns:a16="http://schemas.microsoft.com/office/drawing/2014/main" id="{D35D9D9F-2F91-47F1-B03A-FCBB788ADDF2}"/>
+                <a16:creationId xmlns:a16="http://schemas.microsoft.com/office/drawing/2014/main" id="{229AB790-CCAE-4C1D-B33C-4F3BCF421596}"/>
               </a:ext>
             </a:extLst>
           </p:cNvPr>
@@ -4199,7 +4197,7 @@
         </p:nvSpPr>
         <p:spPr>
           <a:xfrm>
-            <a:off x="6595844" y="3763336"/>
+            <a:off x="6595844" y="2964283"/>
             <a:ext cx="1270932" cy="248002"/>
           </a:xfrm>
           <a:prstGeom prst="rect">
@@ -4224,10 +4222,10 @@
       </p:sp>
       <p:sp>
         <p:nvSpPr>
-          <p:cNvPr id="23" name="사각형: 둥근 모서리 22">
+          <p:cNvPr id="71" name="사각형: 둥근 모서리 70">
             <a:extLst>
               <a:ext uri="{FF2B5EF4-FFF2-40B4-BE49-F238E27FC236}">
-                <a16:creationId xmlns:a16="http://schemas.microsoft.com/office/drawing/2014/main" id="{9D0D81FD-45A3-4D8F-85A6-CB96C5FA5B04}"/>
+                <a16:creationId xmlns:a16="http://schemas.microsoft.com/office/drawing/2014/main" id="{143CA9BA-A1BE-4223-A423-EB40E83B124F}"/>
               </a:ext>
             </a:extLst>
           </p:cNvPr>
@@ -4236,7 +4234,7 @@
         </p:nvSpPr>
         <p:spPr>
           <a:xfrm>
-            <a:off x="967880" y="4977188"/>
+            <a:off x="967880" y="2787659"/>
             <a:ext cx="1277224" cy="603175"/>
           </a:xfrm>
           <a:prstGeom prst="roundRect">
@@ -4286,10 +4284,10 @@
       </p:sp>
       <p:sp>
         <p:nvSpPr>
-          <p:cNvPr id="24" name="TextBox 23">
+          <p:cNvPr id="83" name="TextBox 82">
             <a:extLst>
               <a:ext uri="{FF2B5EF4-FFF2-40B4-BE49-F238E27FC236}">
-                <a16:creationId xmlns:a16="http://schemas.microsoft.com/office/drawing/2014/main" id="{8120EFB5-70C8-41B9-8A69-15E03DA90E40}"/>
+                <a16:creationId xmlns:a16="http://schemas.microsoft.com/office/drawing/2014/main" id="{1A5B98DC-1912-4C2D-8DB1-5321926E1D98}"/>
               </a:ext>
             </a:extLst>
           </p:cNvPr>
@@ -4298,7 +4296,7 @@
         </p:nvSpPr>
         <p:spPr>
           <a:xfrm>
-            <a:off x="967880" y="5153812"/>
+            <a:off x="967880" y="2964283"/>
             <a:ext cx="1270932" cy="248002"/>
           </a:xfrm>
           <a:prstGeom prst="rect">
@@ -4323,22 +4321,22 @@
       </p:sp>
       <p:cxnSp>
         <p:nvCxnSpPr>
-          <p:cNvPr id="25" name="직선 화살표 연결선 24">
+          <p:cNvPr id="84" name="직선 화살표 연결선 83">
             <a:extLst>
               <a:ext uri="{FF2B5EF4-FFF2-40B4-BE49-F238E27FC236}">
-                <a16:creationId xmlns:a16="http://schemas.microsoft.com/office/drawing/2014/main" id="{6FE4ECC0-02CA-4922-9326-5C0ED37B117A}"/>
+                <a16:creationId xmlns:a16="http://schemas.microsoft.com/office/drawing/2014/main" id="{47488903-4A1C-4084-A61D-FB1634E406A1}"/>
               </a:ext>
             </a:extLst>
           </p:cNvPr>
           <p:cNvCxnSpPr>
-            <a:stCxn id="23" idx="3"/>
-            <a:endCxn id="12" idx="1"/>
+            <a:stCxn id="71" idx="3"/>
+            <a:endCxn id="65" idx="1"/>
           </p:cNvCxnSpPr>
           <p:nvPr/>
         </p:nvCxnSpPr>
         <p:spPr>
           <a:xfrm>
-            <a:off x="2245104" y="5278776"/>
+            <a:off x="2245104" y="3089247"/>
             <a:ext cx="598764" cy="0"/>
           </a:xfrm>
           <a:prstGeom prst="straightConnector1">
@@ -4368,24 +4366,23 @@
       </p:cxnSp>
       <p:cxnSp>
         <p:nvCxnSpPr>
-          <p:cNvPr id="26" name="직선 화살표 연결선 25">
+          <p:cNvPr id="85" name="직선 화살표 연결선 84">
             <a:extLst>
               <a:ext uri="{FF2B5EF4-FFF2-40B4-BE49-F238E27FC236}">
-                <a16:creationId xmlns:a16="http://schemas.microsoft.com/office/drawing/2014/main" id="{5FF53DA8-518B-4F3E-B8C0-17951C9DF93D}"/>
+                <a16:creationId xmlns:a16="http://schemas.microsoft.com/office/drawing/2014/main" id="{2F9362F7-7B2C-40D4-979A-8DAAFB7D0372}"/>
               </a:ext>
             </a:extLst>
           </p:cNvPr>
           <p:cNvCxnSpPr>
-            <a:cxnSpLocks/>
-            <a:stCxn id="12" idx="3"/>
-            <a:endCxn id="17" idx="1"/>
+            <a:stCxn id="65" idx="3"/>
+            <a:endCxn id="67" idx="1"/>
           </p:cNvCxnSpPr>
           <p:nvPr/>
         </p:nvCxnSpPr>
         <p:spPr>
-          <a:xfrm flipV="1">
-            <a:off x="4121092" y="3888300"/>
-            <a:ext cx="598763" cy="1390476"/>
+          <a:xfrm>
+            <a:off x="4121092" y="3089247"/>
+            <a:ext cx="598763" cy="0"/>
           </a:xfrm>
           <a:prstGeom prst="straightConnector1">
             <a:avLst/>
@@ -4414,22 +4411,22 @@
       </p:cxnSp>
       <p:cxnSp>
         <p:nvCxnSpPr>
-          <p:cNvPr id="27" name="직선 화살표 연결선 26">
+          <p:cNvPr id="86" name="직선 화살표 연결선 85">
             <a:extLst>
               <a:ext uri="{FF2B5EF4-FFF2-40B4-BE49-F238E27FC236}">
-                <a16:creationId xmlns:a16="http://schemas.microsoft.com/office/drawing/2014/main" id="{2D836E9D-719B-4BDE-8D0F-B4B5941450DE}"/>
+                <a16:creationId xmlns:a16="http://schemas.microsoft.com/office/drawing/2014/main" id="{F99AAD53-CAC9-4D6A-96AE-A392577D765F}"/>
               </a:ext>
             </a:extLst>
           </p:cNvPr>
           <p:cNvCxnSpPr>
-            <a:stCxn id="17" idx="3"/>
-            <a:endCxn id="19" idx="1"/>
+            <a:stCxn id="67" idx="3"/>
+            <a:endCxn id="69" idx="1"/>
           </p:cNvCxnSpPr>
           <p:nvPr/>
         </p:nvCxnSpPr>
         <p:spPr>
           <a:xfrm>
-            <a:off x="5997079" y="3888300"/>
+            <a:off x="5997079" y="3089247"/>
             <a:ext cx="598764" cy="0"/>
           </a:xfrm>
           <a:prstGeom prst="straightConnector1">
@@ -4459,10 +4456,10 @@
       </p:cxnSp>
       <p:sp>
         <p:nvSpPr>
-          <p:cNvPr id="28" name="사각형: 둥근 모서리 27">
+          <p:cNvPr id="87" name="사각형: 둥근 모서리 86">
             <a:extLst>
               <a:ext uri="{FF2B5EF4-FFF2-40B4-BE49-F238E27FC236}">
-                <a16:creationId xmlns:a16="http://schemas.microsoft.com/office/drawing/2014/main" id="{7530E4D8-60BD-4719-8016-5959D9F05B55}"/>
+                <a16:creationId xmlns:a16="http://schemas.microsoft.com/office/drawing/2014/main" id="{781389EA-6519-4EEB-A117-0B83F5DE5619}"/>
               </a:ext>
             </a:extLst>
           </p:cNvPr>
@@ -4471,15 +4468,16 @@
         </p:nvSpPr>
         <p:spPr>
           <a:xfrm>
-            <a:off x="4733487" y="4109975"/>
+            <a:off x="2843868" y="5270803"/>
             <a:ext cx="1277224" cy="603175"/>
           </a:xfrm>
           <a:prstGeom prst="roundRect">
             <a:avLst/>
           </a:prstGeom>
           <a:solidFill>
-            <a:schemeClr val="accent3">
-              <a:lumMod val="50000"/>
+            <a:schemeClr val="accent2">
+              <a:lumMod val="60000"/>
+              <a:lumOff val="40000"/>
             </a:schemeClr>
           </a:solidFill>
           <a:ln>
@@ -4520,10 +4518,10 @@
       </p:sp>
       <p:sp>
         <p:nvSpPr>
-          <p:cNvPr id="29" name="TextBox 28">
+          <p:cNvPr id="88" name="TextBox 87">
             <a:extLst>
               <a:ext uri="{FF2B5EF4-FFF2-40B4-BE49-F238E27FC236}">
-                <a16:creationId xmlns:a16="http://schemas.microsoft.com/office/drawing/2014/main" id="{7D173A3A-6066-4647-97CA-8585860104BF}"/>
+                <a16:creationId xmlns:a16="http://schemas.microsoft.com/office/drawing/2014/main" id="{4EEFE1C3-F7E9-4AC2-A22B-55EB7BB6E84B}"/>
               </a:ext>
             </a:extLst>
           </p:cNvPr>
@@ -4532,7 +4530,7 @@
         </p:nvSpPr>
         <p:spPr>
           <a:xfrm>
-            <a:off x="4733488" y="4286599"/>
+            <a:off x="2843868" y="5447427"/>
             <a:ext cx="1270932" cy="248002"/>
           </a:xfrm>
           <a:prstGeom prst="rect">
@@ -4549,7 +4547,7 @@
             <a:pPr algn="ctr"/>
             <a:r>
               <a:rPr lang="en-US" altLang="ko-KR" sz="1350" b="1" dirty="0"/>
-              <a:t>Model</a:t>
+              <a:t>Dispatcher</a:t>
             </a:r>
             <a:endParaRPr lang="ko-KR" altLang="en-US" sz="1350" b="1" dirty="0"/>
           </a:p>
@@ -4557,10 +4555,10 @@
       </p:sp>
       <p:sp>
         <p:nvSpPr>
-          <p:cNvPr id="30" name="사각형: 둥근 모서리 29">
+          <p:cNvPr id="89" name="사각형: 둥근 모서리 88">
             <a:extLst>
               <a:ext uri="{FF2B5EF4-FFF2-40B4-BE49-F238E27FC236}">
-                <a16:creationId xmlns:a16="http://schemas.microsoft.com/office/drawing/2014/main" id="{BE5BED02-34C0-4CB5-85F5-7007395DB7E7}"/>
+                <a16:creationId xmlns:a16="http://schemas.microsoft.com/office/drawing/2014/main" id="{126BA733-05BE-463C-A4C5-10DDF8D032B2}"/>
               </a:ext>
             </a:extLst>
           </p:cNvPr>
@@ -4569,14 +4567,16 @@
         </p:nvSpPr>
         <p:spPr>
           <a:xfrm>
-            <a:off x="6609475" y="4109975"/>
+            <a:off x="4719855" y="5270803"/>
             <a:ext cx="1277224" cy="603175"/>
           </a:xfrm>
           <a:prstGeom prst="roundRect">
             <a:avLst/>
           </a:prstGeom>
           <a:solidFill>
-            <a:schemeClr val="accent6"/>
+            <a:schemeClr val="accent3">
+              <a:lumMod val="50000"/>
+            </a:schemeClr>
           </a:solidFill>
           <a:ln>
             <a:solidFill>
@@ -4616,10 +4616,10 @@
       </p:sp>
       <p:sp>
         <p:nvSpPr>
-          <p:cNvPr id="31" name="TextBox 30">
+          <p:cNvPr id="90" name="TextBox 89">
             <a:extLst>
               <a:ext uri="{FF2B5EF4-FFF2-40B4-BE49-F238E27FC236}">
-                <a16:creationId xmlns:a16="http://schemas.microsoft.com/office/drawing/2014/main" id="{118E4FB4-FD2C-489F-B13D-A23249E87D88}"/>
+                <a16:creationId xmlns:a16="http://schemas.microsoft.com/office/drawing/2014/main" id="{2623B9FA-0841-4A0E-A6A9-2B7D37426F98}"/>
               </a:ext>
             </a:extLst>
           </p:cNvPr>
@@ -4628,7 +4628,7 @@
         </p:nvSpPr>
         <p:spPr>
           <a:xfrm>
-            <a:off x="6609476" y="4286599"/>
+            <a:off x="4719856" y="5447427"/>
             <a:ext cx="1270932" cy="248002"/>
           </a:xfrm>
           <a:prstGeom prst="rect">
@@ -4645,63 +4645,18 @@
             <a:pPr algn="ctr"/>
             <a:r>
               <a:rPr lang="en-US" altLang="ko-KR" sz="1350" b="1" dirty="0"/>
-              <a:t>View</a:t>
+              <a:t>Store</a:t>
             </a:r>
             <a:endParaRPr lang="ko-KR" altLang="en-US" sz="1350" b="1" dirty="0"/>
           </a:p>
         </p:txBody>
       </p:sp>
-      <p:cxnSp>
-        <p:nvCxnSpPr>
-          <p:cNvPr id="32" name="직선 화살표 연결선 31">
+      <p:sp>
+        <p:nvSpPr>
+          <p:cNvPr id="91" name="사각형: 둥근 모서리 90">
             <a:extLst>
               <a:ext uri="{FF2B5EF4-FFF2-40B4-BE49-F238E27FC236}">
-                <a16:creationId xmlns:a16="http://schemas.microsoft.com/office/drawing/2014/main" id="{13FC0BEF-55E2-43AA-9126-B2941D614F83}"/>
-              </a:ext>
-            </a:extLst>
-          </p:cNvPr>
-          <p:cNvCxnSpPr>
-            <a:stCxn id="28" idx="3"/>
-            <a:endCxn id="30" idx="1"/>
-          </p:cNvCxnSpPr>
-          <p:nvPr/>
-        </p:nvCxnSpPr>
-        <p:spPr>
-          <a:xfrm>
-            <a:off x="6010711" y="4411563"/>
-            <a:ext cx="598764" cy="0"/>
-          </a:xfrm>
-          <a:prstGeom prst="straightConnector1">
-            <a:avLst/>
-          </a:prstGeom>
-          <a:ln>
-            <a:solidFill>
-              <a:schemeClr val="accent4"/>
-            </a:solidFill>
-            <a:tailEnd type="triangle"/>
-          </a:ln>
-        </p:spPr>
-        <p:style>
-          <a:lnRef idx="1">
-            <a:schemeClr val="accent1"/>
-          </a:lnRef>
-          <a:fillRef idx="0">
-            <a:schemeClr val="accent1"/>
-          </a:fillRef>
-          <a:effectRef idx="0">
-            <a:schemeClr val="accent1"/>
-          </a:effectRef>
-          <a:fontRef idx="minor">
-            <a:schemeClr val="tx1"/>
-          </a:fontRef>
-        </p:style>
-      </p:cxnSp>
-      <p:sp>
-        <p:nvSpPr>
-          <p:cNvPr id="33" name="사각형: 둥근 모서리 32">
-            <a:extLst>
-              <a:ext uri="{FF2B5EF4-FFF2-40B4-BE49-F238E27FC236}">
-                <a16:creationId xmlns:a16="http://schemas.microsoft.com/office/drawing/2014/main" id="{CC23B898-2DEC-49ED-A574-02392532B970}"/>
+                <a16:creationId xmlns:a16="http://schemas.microsoft.com/office/drawing/2014/main" id="{A74AF6BA-F879-4CEF-9B7D-E5A36088DF50}"/>
               </a:ext>
             </a:extLst>
           </p:cNvPr>
@@ -4710,16 +4665,14 @@
         </p:nvSpPr>
         <p:spPr>
           <a:xfrm>
-            <a:off x="4734536" y="4633239"/>
+            <a:off x="6595843" y="5270803"/>
             <a:ext cx="1277224" cy="603175"/>
           </a:xfrm>
           <a:prstGeom prst="roundRect">
             <a:avLst/>
           </a:prstGeom>
           <a:solidFill>
-            <a:schemeClr val="accent3">
-              <a:lumMod val="50000"/>
-            </a:schemeClr>
+            <a:schemeClr val="accent6"/>
           </a:solidFill>
           <a:ln>
             <a:solidFill>
@@ -4759,10 +4712,10 @@
       </p:sp>
       <p:sp>
         <p:nvSpPr>
-          <p:cNvPr id="34" name="TextBox 33">
+          <p:cNvPr id="92" name="TextBox 91">
             <a:extLst>
               <a:ext uri="{FF2B5EF4-FFF2-40B4-BE49-F238E27FC236}">
-                <a16:creationId xmlns:a16="http://schemas.microsoft.com/office/drawing/2014/main" id="{F5293049-AA49-4555-B997-26831052FD2D}"/>
+                <a16:creationId xmlns:a16="http://schemas.microsoft.com/office/drawing/2014/main" id="{A4D827F8-9C96-4BC3-B65D-00BC9BD2F070}"/>
               </a:ext>
             </a:extLst>
           </p:cNvPr>
@@ -4771,7 +4724,7 @@
         </p:nvSpPr>
         <p:spPr>
           <a:xfrm>
-            <a:off x="4734536" y="4809863"/>
+            <a:off x="6595844" y="5447427"/>
             <a:ext cx="1270932" cy="248002"/>
           </a:xfrm>
           <a:prstGeom prst="rect">
@@ -4788,7 +4741,7 @@
             <a:pPr algn="ctr"/>
             <a:r>
               <a:rPr lang="en-US" altLang="ko-KR" sz="1350" b="1" dirty="0"/>
-              <a:t>Model</a:t>
+              <a:t>View</a:t>
             </a:r>
             <a:endParaRPr lang="ko-KR" altLang="en-US" sz="1350" b="1" dirty="0"/>
           </a:p>
@@ -4796,10 +4749,10 @@
       </p:sp>
       <p:sp>
         <p:nvSpPr>
-          <p:cNvPr id="35" name="사각형: 둥근 모서리 34">
+          <p:cNvPr id="93" name="사각형: 둥근 모서리 92">
             <a:extLst>
               <a:ext uri="{FF2B5EF4-FFF2-40B4-BE49-F238E27FC236}">
-                <a16:creationId xmlns:a16="http://schemas.microsoft.com/office/drawing/2014/main" id="{CA60C633-F743-4214-974E-83B1400BDB83}"/>
+                <a16:creationId xmlns:a16="http://schemas.microsoft.com/office/drawing/2014/main" id="{3073F6BE-C4F2-4ADD-94E6-1AEBDEB3B65E}"/>
               </a:ext>
             </a:extLst>
           </p:cNvPr>
@@ -4808,14 +4761,17 @@
         </p:nvSpPr>
         <p:spPr>
           <a:xfrm>
-            <a:off x="6610524" y="4633239"/>
+            <a:off x="967880" y="5270803"/>
             <a:ext cx="1277224" cy="603175"/>
           </a:xfrm>
           <a:prstGeom prst="roundRect">
             <a:avLst/>
           </a:prstGeom>
           <a:solidFill>
-            <a:schemeClr val="accent6"/>
+            <a:schemeClr val="accent5">
+              <a:lumMod val="60000"/>
+              <a:lumOff val="40000"/>
+            </a:schemeClr>
           </a:solidFill>
           <a:ln>
             <a:solidFill>
@@ -4855,10 +4811,10 @@
       </p:sp>
       <p:sp>
         <p:nvSpPr>
-          <p:cNvPr id="36" name="TextBox 35">
+          <p:cNvPr id="94" name="TextBox 93">
             <a:extLst>
               <a:ext uri="{FF2B5EF4-FFF2-40B4-BE49-F238E27FC236}">
-                <a16:creationId xmlns:a16="http://schemas.microsoft.com/office/drawing/2014/main" id="{30146B45-63F8-4CC1-9E4B-AC72BCBDE7AF}"/>
+                <a16:creationId xmlns:a16="http://schemas.microsoft.com/office/drawing/2014/main" id="{3E955303-B5A1-4A49-8025-D43F20F24412}"/>
               </a:ext>
             </a:extLst>
           </p:cNvPr>
@@ -4867,7 +4823,7 @@
         </p:nvSpPr>
         <p:spPr>
           <a:xfrm>
-            <a:off x="6610524" y="4809863"/>
+            <a:off x="967880" y="5447427"/>
             <a:ext cx="1270932" cy="248002"/>
           </a:xfrm>
           <a:prstGeom prst="rect">
@@ -4884,7 +4840,7 @@
             <a:pPr algn="ctr"/>
             <a:r>
               <a:rPr lang="en-US" altLang="ko-KR" sz="1350" b="1" dirty="0"/>
-              <a:t>View</a:t>
+              <a:t>Action</a:t>
             </a:r>
             <a:endParaRPr lang="ko-KR" altLang="en-US" sz="1350" b="1" dirty="0"/>
           </a:p>
@@ -4892,739 +4848,22 @@
       </p:sp>
       <p:cxnSp>
         <p:nvCxnSpPr>
-          <p:cNvPr id="37" name="직선 화살표 연결선 36">
+          <p:cNvPr id="95" name="직선 화살표 연결선 94">
             <a:extLst>
               <a:ext uri="{FF2B5EF4-FFF2-40B4-BE49-F238E27FC236}">
-                <a16:creationId xmlns:a16="http://schemas.microsoft.com/office/drawing/2014/main" id="{49C59882-F735-4A91-A90E-41FC407D4C0F}"/>
+                <a16:creationId xmlns:a16="http://schemas.microsoft.com/office/drawing/2014/main" id="{FADDDA1A-F224-4566-B4D1-84C901297598}"/>
               </a:ext>
             </a:extLst>
           </p:cNvPr>
           <p:cNvCxnSpPr>
-            <a:stCxn id="33" idx="3"/>
-            <a:endCxn id="35" idx="1"/>
+            <a:stCxn id="93" idx="3"/>
+            <a:endCxn id="87" idx="1"/>
           </p:cNvCxnSpPr>
           <p:nvPr/>
         </p:nvCxnSpPr>
         <p:spPr>
           <a:xfrm>
-            <a:off x="6011760" y="4934827"/>
-            <a:ext cx="598764" cy="0"/>
-          </a:xfrm>
-          <a:prstGeom prst="straightConnector1">
-            <a:avLst/>
-          </a:prstGeom>
-          <a:ln>
-            <a:solidFill>
-              <a:schemeClr val="accent4"/>
-            </a:solidFill>
-            <a:tailEnd type="triangle"/>
-          </a:ln>
-        </p:spPr>
-        <p:style>
-          <a:lnRef idx="1">
-            <a:schemeClr val="accent1"/>
-          </a:lnRef>
-          <a:fillRef idx="0">
-            <a:schemeClr val="accent1"/>
-          </a:fillRef>
-          <a:effectRef idx="0">
-            <a:schemeClr val="accent1"/>
-          </a:effectRef>
-          <a:fontRef idx="minor">
-            <a:schemeClr val="tx1"/>
-          </a:fontRef>
-        </p:style>
-      </p:cxnSp>
-      <p:sp>
-        <p:nvSpPr>
-          <p:cNvPr id="38" name="사각형: 둥근 모서리 37">
-            <a:extLst>
-              <a:ext uri="{FF2B5EF4-FFF2-40B4-BE49-F238E27FC236}">
-                <a16:creationId xmlns:a16="http://schemas.microsoft.com/office/drawing/2014/main" id="{C9A94465-7118-44BF-A136-7DFB691C9EB0}"/>
-              </a:ext>
-            </a:extLst>
-          </p:cNvPr>
-          <p:cNvSpPr/>
-          <p:nvPr/>
-        </p:nvSpPr>
-        <p:spPr>
-          <a:xfrm>
-            <a:off x="4748168" y="5156503"/>
-            <a:ext cx="1277224" cy="603175"/>
-          </a:xfrm>
-          <a:prstGeom prst="roundRect">
-            <a:avLst/>
-          </a:prstGeom>
-          <a:solidFill>
-            <a:schemeClr val="accent3">
-              <a:lumMod val="50000"/>
-            </a:schemeClr>
-          </a:solidFill>
-          <a:ln>
-            <a:solidFill>
-              <a:schemeClr val="bg1"/>
-            </a:solidFill>
-          </a:ln>
-        </p:spPr>
-        <p:style>
-          <a:lnRef idx="2">
-            <a:schemeClr val="accent1">
-              <a:shade val="50000"/>
-            </a:schemeClr>
-          </a:lnRef>
-          <a:fillRef idx="1">
-            <a:schemeClr val="accent1"/>
-          </a:fillRef>
-          <a:effectRef idx="0">
-            <a:schemeClr val="accent1"/>
-          </a:effectRef>
-          <a:fontRef idx="minor">
-            <a:schemeClr val="lt1"/>
-          </a:fontRef>
-        </p:style>
-        <p:txBody>
-          <a:bodyPr rot="0" spcFirstLastPara="0" vertOverflow="overflow" horzOverflow="overflow" vert="horz" wrap="square" lIns="68580" tIns="34290" rIns="68580" bIns="34290" numCol="1" spcCol="0" rtlCol="0" fromWordArt="0" anchor="ctr" anchorCtr="0" forceAA="0" compatLnSpc="1">
-            <a:prstTxWarp prst="textNoShape">
-              <a:avLst/>
-            </a:prstTxWarp>
-            <a:noAutofit/>
-          </a:bodyPr>
-          <a:lstStyle/>
-          <a:p>
-            <a:pPr algn="ctr"/>
-            <a:endParaRPr lang="ko-KR" altLang="en-US" sz="1350"/>
-          </a:p>
-        </p:txBody>
-      </p:sp>
-      <p:sp>
-        <p:nvSpPr>
-          <p:cNvPr id="39" name="TextBox 38">
-            <a:extLst>
-              <a:ext uri="{FF2B5EF4-FFF2-40B4-BE49-F238E27FC236}">
-                <a16:creationId xmlns:a16="http://schemas.microsoft.com/office/drawing/2014/main" id="{BB73BE69-6B80-4696-B852-0847BE21BB3E}"/>
-              </a:ext>
-            </a:extLst>
-          </p:cNvPr>
-          <p:cNvSpPr txBox="1"/>
-          <p:nvPr/>
-        </p:nvSpPr>
-        <p:spPr>
-          <a:xfrm>
-            <a:off x="4748168" y="5333127"/>
-            <a:ext cx="1270932" cy="248002"/>
-          </a:xfrm>
-          <a:prstGeom prst="rect">
-            <a:avLst/>
-          </a:prstGeom>
-          <a:noFill/>
-        </p:spPr>
-        <p:txBody>
-          <a:bodyPr wrap="square" rtlCol="0">
-            <a:spAutoFit/>
-          </a:bodyPr>
-          <a:lstStyle/>
-          <a:p>
-            <a:pPr algn="ctr"/>
-            <a:r>
-              <a:rPr lang="en-US" altLang="ko-KR" sz="1350" b="1" dirty="0"/>
-              <a:t>Model</a:t>
-            </a:r>
-            <a:endParaRPr lang="ko-KR" altLang="en-US" sz="1350" b="1" dirty="0"/>
-          </a:p>
-        </p:txBody>
-      </p:sp>
-      <p:sp>
-        <p:nvSpPr>
-          <p:cNvPr id="40" name="사각형: 둥근 모서리 39">
-            <a:extLst>
-              <a:ext uri="{FF2B5EF4-FFF2-40B4-BE49-F238E27FC236}">
-                <a16:creationId xmlns:a16="http://schemas.microsoft.com/office/drawing/2014/main" id="{83F6B637-C423-4E6D-93D6-2EE073CE993A}"/>
-              </a:ext>
-            </a:extLst>
-          </p:cNvPr>
-          <p:cNvSpPr/>
-          <p:nvPr/>
-        </p:nvSpPr>
-        <p:spPr>
-          <a:xfrm>
-            <a:off x="6624156" y="5156503"/>
-            <a:ext cx="1277224" cy="603175"/>
-          </a:xfrm>
-          <a:prstGeom prst="roundRect">
-            <a:avLst/>
-          </a:prstGeom>
-          <a:solidFill>
-            <a:schemeClr val="accent6"/>
-          </a:solidFill>
-          <a:ln>
-            <a:solidFill>
-              <a:schemeClr val="bg1"/>
-            </a:solidFill>
-          </a:ln>
-        </p:spPr>
-        <p:style>
-          <a:lnRef idx="2">
-            <a:schemeClr val="accent1">
-              <a:shade val="50000"/>
-            </a:schemeClr>
-          </a:lnRef>
-          <a:fillRef idx="1">
-            <a:schemeClr val="accent1"/>
-          </a:fillRef>
-          <a:effectRef idx="0">
-            <a:schemeClr val="accent1"/>
-          </a:effectRef>
-          <a:fontRef idx="minor">
-            <a:schemeClr val="lt1"/>
-          </a:fontRef>
-        </p:style>
-        <p:txBody>
-          <a:bodyPr rot="0" spcFirstLastPara="0" vertOverflow="overflow" horzOverflow="overflow" vert="horz" wrap="square" lIns="68580" tIns="34290" rIns="68580" bIns="34290" numCol="1" spcCol="0" rtlCol="0" fromWordArt="0" anchor="ctr" anchorCtr="0" forceAA="0" compatLnSpc="1">
-            <a:prstTxWarp prst="textNoShape">
-              <a:avLst/>
-            </a:prstTxWarp>
-            <a:noAutofit/>
-          </a:bodyPr>
-          <a:lstStyle/>
-          <a:p>
-            <a:pPr algn="ctr"/>
-            <a:endParaRPr lang="ko-KR" altLang="en-US" sz="1350"/>
-          </a:p>
-        </p:txBody>
-      </p:sp>
-      <p:sp>
-        <p:nvSpPr>
-          <p:cNvPr id="41" name="TextBox 40">
-            <a:extLst>
-              <a:ext uri="{FF2B5EF4-FFF2-40B4-BE49-F238E27FC236}">
-                <a16:creationId xmlns:a16="http://schemas.microsoft.com/office/drawing/2014/main" id="{C5F0696F-BA8F-489E-988A-D5338705CC6B}"/>
-              </a:ext>
-            </a:extLst>
-          </p:cNvPr>
-          <p:cNvSpPr txBox="1"/>
-          <p:nvPr/>
-        </p:nvSpPr>
-        <p:spPr>
-          <a:xfrm>
-            <a:off x="6624156" y="5333127"/>
-            <a:ext cx="1270932" cy="248002"/>
-          </a:xfrm>
-          <a:prstGeom prst="rect">
-            <a:avLst/>
-          </a:prstGeom>
-          <a:noFill/>
-        </p:spPr>
-        <p:txBody>
-          <a:bodyPr wrap="square" rtlCol="0">
-            <a:spAutoFit/>
-          </a:bodyPr>
-          <a:lstStyle/>
-          <a:p>
-            <a:pPr algn="ctr"/>
-            <a:r>
-              <a:rPr lang="en-US" altLang="ko-KR" sz="1350" b="1" dirty="0"/>
-              <a:t>View</a:t>
-            </a:r>
-            <a:endParaRPr lang="ko-KR" altLang="en-US" sz="1350" b="1" dirty="0"/>
-          </a:p>
-        </p:txBody>
-      </p:sp>
-      <p:cxnSp>
-        <p:nvCxnSpPr>
-          <p:cNvPr id="42" name="직선 화살표 연결선 41">
-            <a:extLst>
-              <a:ext uri="{FF2B5EF4-FFF2-40B4-BE49-F238E27FC236}">
-                <a16:creationId xmlns:a16="http://schemas.microsoft.com/office/drawing/2014/main" id="{8BCDFFF2-2C5F-45BA-B76F-479C120D3578}"/>
-              </a:ext>
-            </a:extLst>
-          </p:cNvPr>
-          <p:cNvCxnSpPr>
-            <a:stCxn id="38" idx="3"/>
-            <a:endCxn id="40" idx="1"/>
-          </p:cNvCxnSpPr>
-          <p:nvPr/>
-        </p:nvCxnSpPr>
-        <p:spPr>
-          <a:xfrm>
-            <a:off x="6025392" y="5458091"/>
-            <a:ext cx="598764" cy="0"/>
-          </a:xfrm>
-          <a:prstGeom prst="straightConnector1">
-            <a:avLst/>
-          </a:prstGeom>
-          <a:ln>
-            <a:solidFill>
-              <a:schemeClr val="accent4"/>
-            </a:solidFill>
-            <a:tailEnd type="triangle"/>
-          </a:ln>
-        </p:spPr>
-        <p:style>
-          <a:lnRef idx="1">
-            <a:schemeClr val="accent1"/>
-          </a:lnRef>
-          <a:fillRef idx="0">
-            <a:schemeClr val="accent1"/>
-          </a:fillRef>
-          <a:effectRef idx="0">
-            <a:schemeClr val="accent1"/>
-          </a:effectRef>
-          <a:fontRef idx="minor">
-            <a:schemeClr val="tx1"/>
-          </a:fontRef>
-        </p:style>
-      </p:cxnSp>
-      <p:sp>
-        <p:nvSpPr>
-          <p:cNvPr id="43" name="사각형: 둥근 모서리 42">
-            <a:extLst>
-              <a:ext uri="{FF2B5EF4-FFF2-40B4-BE49-F238E27FC236}">
-                <a16:creationId xmlns:a16="http://schemas.microsoft.com/office/drawing/2014/main" id="{D03C81E9-D0FE-4CDD-A224-5806882BC867}"/>
-              </a:ext>
-            </a:extLst>
-          </p:cNvPr>
-          <p:cNvSpPr/>
-          <p:nvPr/>
-        </p:nvSpPr>
-        <p:spPr>
-          <a:xfrm>
-            <a:off x="4748168" y="5647259"/>
-            <a:ext cx="1277224" cy="603175"/>
-          </a:xfrm>
-          <a:prstGeom prst="roundRect">
-            <a:avLst/>
-          </a:prstGeom>
-          <a:solidFill>
-            <a:schemeClr val="accent3">
-              <a:lumMod val="50000"/>
-            </a:schemeClr>
-          </a:solidFill>
-          <a:ln>
-            <a:solidFill>
-              <a:schemeClr val="bg1"/>
-            </a:solidFill>
-          </a:ln>
-        </p:spPr>
-        <p:style>
-          <a:lnRef idx="2">
-            <a:schemeClr val="accent1">
-              <a:shade val="50000"/>
-            </a:schemeClr>
-          </a:lnRef>
-          <a:fillRef idx="1">
-            <a:schemeClr val="accent1"/>
-          </a:fillRef>
-          <a:effectRef idx="0">
-            <a:schemeClr val="accent1"/>
-          </a:effectRef>
-          <a:fontRef idx="minor">
-            <a:schemeClr val="lt1"/>
-          </a:fontRef>
-        </p:style>
-        <p:txBody>
-          <a:bodyPr rot="0" spcFirstLastPara="0" vertOverflow="overflow" horzOverflow="overflow" vert="horz" wrap="square" lIns="68580" tIns="34290" rIns="68580" bIns="34290" numCol="1" spcCol="0" rtlCol="0" fromWordArt="0" anchor="ctr" anchorCtr="0" forceAA="0" compatLnSpc="1">
-            <a:prstTxWarp prst="textNoShape">
-              <a:avLst/>
-            </a:prstTxWarp>
-            <a:noAutofit/>
-          </a:bodyPr>
-          <a:lstStyle/>
-          <a:p>
-            <a:pPr algn="ctr"/>
-            <a:endParaRPr lang="ko-KR" altLang="en-US" sz="1350"/>
-          </a:p>
-        </p:txBody>
-      </p:sp>
-      <p:sp>
-        <p:nvSpPr>
-          <p:cNvPr id="44" name="TextBox 43">
-            <a:extLst>
-              <a:ext uri="{FF2B5EF4-FFF2-40B4-BE49-F238E27FC236}">
-                <a16:creationId xmlns:a16="http://schemas.microsoft.com/office/drawing/2014/main" id="{12BF4869-5C64-4029-B26C-615AF136413B}"/>
-              </a:ext>
-            </a:extLst>
-          </p:cNvPr>
-          <p:cNvSpPr txBox="1"/>
-          <p:nvPr/>
-        </p:nvSpPr>
-        <p:spPr>
-          <a:xfrm>
-            <a:off x="4748168" y="5823883"/>
-            <a:ext cx="1270932" cy="248002"/>
-          </a:xfrm>
-          <a:prstGeom prst="rect">
-            <a:avLst/>
-          </a:prstGeom>
-          <a:noFill/>
-        </p:spPr>
-        <p:txBody>
-          <a:bodyPr wrap="square" rtlCol="0">
-            <a:spAutoFit/>
-          </a:bodyPr>
-          <a:lstStyle/>
-          <a:p>
-            <a:pPr algn="ctr"/>
-            <a:r>
-              <a:rPr lang="en-US" altLang="ko-KR" sz="1350" b="1" dirty="0"/>
-              <a:t>Model</a:t>
-            </a:r>
-            <a:endParaRPr lang="ko-KR" altLang="en-US" sz="1350" b="1" dirty="0"/>
-          </a:p>
-        </p:txBody>
-      </p:sp>
-      <p:sp>
-        <p:nvSpPr>
-          <p:cNvPr id="45" name="사각형: 둥근 모서리 44">
-            <a:extLst>
-              <a:ext uri="{FF2B5EF4-FFF2-40B4-BE49-F238E27FC236}">
-                <a16:creationId xmlns:a16="http://schemas.microsoft.com/office/drawing/2014/main" id="{7DCBA47F-C317-4174-957D-2C0339CD20CB}"/>
-              </a:ext>
-            </a:extLst>
-          </p:cNvPr>
-          <p:cNvSpPr/>
-          <p:nvPr/>
-        </p:nvSpPr>
-        <p:spPr>
-          <a:xfrm>
-            <a:off x="6624156" y="5647259"/>
-            <a:ext cx="1277224" cy="603175"/>
-          </a:xfrm>
-          <a:prstGeom prst="roundRect">
-            <a:avLst/>
-          </a:prstGeom>
-          <a:solidFill>
-            <a:schemeClr val="accent6"/>
-          </a:solidFill>
-          <a:ln>
-            <a:solidFill>
-              <a:schemeClr val="bg1"/>
-            </a:solidFill>
-          </a:ln>
-        </p:spPr>
-        <p:style>
-          <a:lnRef idx="2">
-            <a:schemeClr val="accent1">
-              <a:shade val="50000"/>
-            </a:schemeClr>
-          </a:lnRef>
-          <a:fillRef idx="1">
-            <a:schemeClr val="accent1"/>
-          </a:fillRef>
-          <a:effectRef idx="0">
-            <a:schemeClr val="accent1"/>
-          </a:effectRef>
-          <a:fontRef idx="minor">
-            <a:schemeClr val="lt1"/>
-          </a:fontRef>
-        </p:style>
-        <p:txBody>
-          <a:bodyPr rot="0" spcFirstLastPara="0" vertOverflow="overflow" horzOverflow="overflow" vert="horz" wrap="square" lIns="68580" tIns="34290" rIns="68580" bIns="34290" numCol="1" spcCol="0" rtlCol="0" fromWordArt="0" anchor="ctr" anchorCtr="0" forceAA="0" compatLnSpc="1">
-            <a:prstTxWarp prst="textNoShape">
-              <a:avLst/>
-            </a:prstTxWarp>
-            <a:noAutofit/>
-          </a:bodyPr>
-          <a:lstStyle/>
-          <a:p>
-            <a:pPr algn="ctr"/>
-            <a:endParaRPr lang="ko-KR" altLang="en-US" sz="1350"/>
-          </a:p>
-        </p:txBody>
-      </p:sp>
-      <p:sp>
-        <p:nvSpPr>
-          <p:cNvPr id="46" name="TextBox 45">
-            <a:extLst>
-              <a:ext uri="{FF2B5EF4-FFF2-40B4-BE49-F238E27FC236}">
-                <a16:creationId xmlns:a16="http://schemas.microsoft.com/office/drawing/2014/main" id="{333C387E-39F0-434B-A7A9-5659BB43DC22}"/>
-              </a:ext>
-            </a:extLst>
-          </p:cNvPr>
-          <p:cNvSpPr txBox="1"/>
-          <p:nvPr/>
-        </p:nvSpPr>
-        <p:spPr>
-          <a:xfrm>
-            <a:off x="6624156" y="5823883"/>
-            <a:ext cx="1270932" cy="248002"/>
-          </a:xfrm>
-          <a:prstGeom prst="rect">
-            <a:avLst/>
-          </a:prstGeom>
-          <a:noFill/>
-        </p:spPr>
-        <p:txBody>
-          <a:bodyPr wrap="square" rtlCol="0">
-            <a:spAutoFit/>
-          </a:bodyPr>
-          <a:lstStyle/>
-          <a:p>
-            <a:pPr algn="ctr"/>
-            <a:r>
-              <a:rPr lang="en-US" altLang="ko-KR" sz="1350" b="1" dirty="0"/>
-              <a:t>View</a:t>
-            </a:r>
-            <a:endParaRPr lang="ko-KR" altLang="en-US" sz="1350" b="1" dirty="0"/>
-          </a:p>
-        </p:txBody>
-      </p:sp>
-      <p:cxnSp>
-        <p:nvCxnSpPr>
-          <p:cNvPr id="47" name="직선 화살표 연결선 46">
-            <a:extLst>
-              <a:ext uri="{FF2B5EF4-FFF2-40B4-BE49-F238E27FC236}">
-                <a16:creationId xmlns:a16="http://schemas.microsoft.com/office/drawing/2014/main" id="{5D2A63BD-33F4-4FE0-BE2F-2756E33C0E34}"/>
-              </a:ext>
-            </a:extLst>
-          </p:cNvPr>
-          <p:cNvCxnSpPr>
-            <a:stCxn id="43" idx="3"/>
-            <a:endCxn id="45" idx="1"/>
-          </p:cNvCxnSpPr>
-          <p:nvPr/>
-        </p:nvCxnSpPr>
-        <p:spPr>
-          <a:xfrm>
-            <a:off x="6025392" y="5948847"/>
-            <a:ext cx="598764" cy="0"/>
-          </a:xfrm>
-          <a:prstGeom prst="straightConnector1">
-            <a:avLst/>
-          </a:prstGeom>
-          <a:ln>
-            <a:solidFill>
-              <a:schemeClr val="accent4"/>
-            </a:solidFill>
-            <a:tailEnd type="triangle"/>
-          </a:ln>
-        </p:spPr>
-        <p:style>
-          <a:lnRef idx="1">
-            <a:schemeClr val="accent1"/>
-          </a:lnRef>
-          <a:fillRef idx="0">
-            <a:schemeClr val="accent1"/>
-          </a:fillRef>
-          <a:effectRef idx="0">
-            <a:schemeClr val="accent1"/>
-          </a:effectRef>
-          <a:fontRef idx="minor">
-            <a:schemeClr val="tx1"/>
-          </a:fontRef>
-        </p:style>
-      </p:cxnSp>
-      <p:sp>
-        <p:nvSpPr>
-          <p:cNvPr id="48" name="사각형: 둥근 모서리 47">
-            <a:extLst>
-              <a:ext uri="{FF2B5EF4-FFF2-40B4-BE49-F238E27FC236}">
-                <a16:creationId xmlns:a16="http://schemas.microsoft.com/office/drawing/2014/main" id="{ED13CC81-3358-43DC-9926-4C09E02A4FD0}"/>
-              </a:ext>
-            </a:extLst>
-          </p:cNvPr>
-          <p:cNvSpPr/>
-          <p:nvPr/>
-        </p:nvSpPr>
-        <p:spPr>
-          <a:xfrm>
-            <a:off x="4761800" y="6183107"/>
-            <a:ext cx="1277224" cy="603175"/>
-          </a:xfrm>
-          <a:prstGeom prst="roundRect">
-            <a:avLst/>
-          </a:prstGeom>
-          <a:solidFill>
-            <a:schemeClr val="accent3">
-              <a:lumMod val="50000"/>
-            </a:schemeClr>
-          </a:solidFill>
-          <a:ln>
-            <a:solidFill>
-              <a:schemeClr val="bg1"/>
-            </a:solidFill>
-          </a:ln>
-        </p:spPr>
-        <p:style>
-          <a:lnRef idx="2">
-            <a:schemeClr val="accent1">
-              <a:shade val="50000"/>
-            </a:schemeClr>
-          </a:lnRef>
-          <a:fillRef idx="1">
-            <a:schemeClr val="accent1"/>
-          </a:fillRef>
-          <a:effectRef idx="0">
-            <a:schemeClr val="accent1"/>
-          </a:effectRef>
-          <a:fontRef idx="minor">
-            <a:schemeClr val="lt1"/>
-          </a:fontRef>
-        </p:style>
-        <p:txBody>
-          <a:bodyPr rot="0" spcFirstLastPara="0" vertOverflow="overflow" horzOverflow="overflow" vert="horz" wrap="square" lIns="68580" tIns="34290" rIns="68580" bIns="34290" numCol="1" spcCol="0" rtlCol="0" fromWordArt="0" anchor="ctr" anchorCtr="0" forceAA="0" compatLnSpc="1">
-            <a:prstTxWarp prst="textNoShape">
-              <a:avLst/>
-            </a:prstTxWarp>
-            <a:noAutofit/>
-          </a:bodyPr>
-          <a:lstStyle/>
-          <a:p>
-            <a:pPr algn="ctr"/>
-            <a:endParaRPr lang="ko-KR" altLang="en-US" sz="1350"/>
-          </a:p>
-        </p:txBody>
-      </p:sp>
-      <p:sp>
-        <p:nvSpPr>
-          <p:cNvPr id="49" name="TextBox 48">
-            <a:extLst>
-              <a:ext uri="{FF2B5EF4-FFF2-40B4-BE49-F238E27FC236}">
-                <a16:creationId xmlns:a16="http://schemas.microsoft.com/office/drawing/2014/main" id="{851ABCC0-F14E-49E1-BDF8-0F6D8B2509E2}"/>
-              </a:ext>
-            </a:extLst>
-          </p:cNvPr>
-          <p:cNvSpPr txBox="1"/>
-          <p:nvPr/>
-        </p:nvSpPr>
-        <p:spPr>
-          <a:xfrm>
-            <a:off x="4761800" y="6359731"/>
-            <a:ext cx="1270932" cy="248002"/>
-          </a:xfrm>
-          <a:prstGeom prst="rect">
-            <a:avLst/>
-          </a:prstGeom>
-          <a:noFill/>
-        </p:spPr>
-        <p:txBody>
-          <a:bodyPr wrap="square" rtlCol="0">
-            <a:spAutoFit/>
-          </a:bodyPr>
-          <a:lstStyle/>
-          <a:p>
-            <a:pPr algn="ctr"/>
-            <a:r>
-              <a:rPr lang="en-US" altLang="ko-KR" sz="1350" b="1" dirty="0"/>
-              <a:t>Model</a:t>
-            </a:r>
-            <a:endParaRPr lang="ko-KR" altLang="en-US" sz="1350" b="1" dirty="0"/>
-          </a:p>
-        </p:txBody>
-      </p:sp>
-      <p:sp>
-        <p:nvSpPr>
-          <p:cNvPr id="50" name="사각형: 둥근 모서리 49">
-            <a:extLst>
-              <a:ext uri="{FF2B5EF4-FFF2-40B4-BE49-F238E27FC236}">
-                <a16:creationId xmlns:a16="http://schemas.microsoft.com/office/drawing/2014/main" id="{C3FF8435-D28E-4A57-94E7-C379FEA0C791}"/>
-              </a:ext>
-            </a:extLst>
-          </p:cNvPr>
-          <p:cNvSpPr/>
-          <p:nvPr/>
-        </p:nvSpPr>
-        <p:spPr>
-          <a:xfrm>
-            <a:off x="6637788" y="6183107"/>
-            <a:ext cx="1277224" cy="603175"/>
-          </a:xfrm>
-          <a:prstGeom prst="roundRect">
-            <a:avLst/>
-          </a:prstGeom>
-          <a:solidFill>
-            <a:schemeClr val="accent6"/>
-          </a:solidFill>
-          <a:ln>
-            <a:solidFill>
-              <a:schemeClr val="bg1"/>
-            </a:solidFill>
-          </a:ln>
-        </p:spPr>
-        <p:style>
-          <a:lnRef idx="2">
-            <a:schemeClr val="accent1">
-              <a:shade val="50000"/>
-            </a:schemeClr>
-          </a:lnRef>
-          <a:fillRef idx="1">
-            <a:schemeClr val="accent1"/>
-          </a:fillRef>
-          <a:effectRef idx="0">
-            <a:schemeClr val="accent1"/>
-          </a:effectRef>
-          <a:fontRef idx="minor">
-            <a:schemeClr val="lt1"/>
-          </a:fontRef>
-        </p:style>
-        <p:txBody>
-          <a:bodyPr rot="0" spcFirstLastPara="0" vertOverflow="overflow" horzOverflow="overflow" vert="horz" wrap="square" lIns="68580" tIns="34290" rIns="68580" bIns="34290" numCol="1" spcCol="0" rtlCol="0" fromWordArt="0" anchor="ctr" anchorCtr="0" forceAA="0" compatLnSpc="1">
-            <a:prstTxWarp prst="textNoShape">
-              <a:avLst/>
-            </a:prstTxWarp>
-            <a:noAutofit/>
-          </a:bodyPr>
-          <a:lstStyle/>
-          <a:p>
-            <a:pPr algn="ctr"/>
-            <a:endParaRPr lang="ko-KR" altLang="en-US" sz="1350"/>
-          </a:p>
-        </p:txBody>
-      </p:sp>
-      <p:sp>
-        <p:nvSpPr>
-          <p:cNvPr id="51" name="TextBox 50">
-            <a:extLst>
-              <a:ext uri="{FF2B5EF4-FFF2-40B4-BE49-F238E27FC236}">
-                <a16:creationId xmlns:a16="http://schemas.microsoft.com/office/drawing/2014/main" id="{7CDF922E-B019-4916-BFA0-312AAA145619}"/>
-              </a:ext>
-            </a:extLst>
-          </p:cNvPr>
-          <p:cNvSpPr txBox="1"/>
-          <p:nvPr/>
-        </p:nvSpPr>
-        <p:spPr>
-          <a:xfrm>
-            <a:off x="6637788" y="6359731"/>
-            <a:ext cx="1270932" cy="248002"/>
-          </a:xfrm>
-          <a:prstGeom prst="rect">
-            <a:avLst/>
-          </a:prstGeom>
-          <a:noFill/>
-        </p:spPr>
-        <p:txBody>
-          <a:bodyPr wrap="square" rtlCol="0">
-            <a:spAutoFit/>
-          </a:bodyPr>
-          <a:lstStyle/>
-          <a:p>
-            <a:pPr algn="ctr"/>
-            <a:r>
-              <a:rPr lang="en-US" altLang="ko-KR" sz="1350" b="1" dirty="0"/>
-              <a:t>View</a:t>
-            </a:r>
-            <a:endParaRPr lang="ko-KR" altLang="en-US" sz="1350" b="1" dirty="0"/>
-          </a:p>
-        </p:txBody>
-      </p:sp>
-      <p:cxnSp>
-        <p:nvCxnSpPr>
-          <p:cNvPr id="52" name="직선 화살표 연결선 51">
-            <a:extLst>
-              <a:ext uri="{FF2B5EF4-FFF2-40B4-BE49-F238E27FC236}">
-                <a16:creationId xmlns:a16="http://schemas.microsoft.com/office/drawing/2014/main" id="{B8F72AC2-1289-4B71-A391-ECE1C35663EA}"/>
-              </a:ext>
-            </a:extLst>
-          </p:cNvPr>
-          <p:cNvCxnSpPr>
-            <a:stCxn id="48" idx="3"/>
-            <a:endCxn id="50" idx="1"/>
-          </p:cNvCxnSpPr>
-          <p:nvPr/>
-        </p:nvCxnSpPr>
-        <p:spPr>
-          <a:xfrm>
-            <a:off x="6039024" y="6484695"/>
+            <a:off x="2245104" y="5572391"/>
             <a:ext cx="598764" cy="0"/>
           </a:xfrm>
           <a:prstGeom prst="straightConnector1">
@@ -5654,23 +4893,23 @@
       </p:cxnSp>
       <p:cxnSp>
         <p:nvCxnSpPr>
-          <p:cNvPr id="53" name="직선 화살표 연결선 52">
+          <p:cNvPr id="96" name="직선 화살표 연결선 95">
             <a:extLst>
               <a:ext uri="{FF2B5EF4-FFF2-40B4-BE49-F238E27FC236}">
-                <a16:creationId xmlns:a16="http://schemas.microsoft.com/office/drawing/2014/main" id="{CCC552A3-D642-463B-AB7C-8B4B0C2F3677}"/>
+                <a16:creationId xmlns:a16="http://schemas.microsoft.com/office/drawing/2014/main" id="{9113D031-2336-40A3-BBDE-645A7E7487DE}"/>
               </a:ext>
             </a:extLst>
           </p:cNvPr>
           <p:cNvCxnSpPr>
-            <a:stCxn id="12" idx="3"/>
-            <a:endCxn id="28" idx="1"/>
+            <a:stCxn id="87" idx="3"/>
+            <a:endCxn id="89" idx="1"/>
           </p:cNvCxnSpPr>
           <p:nvPr/>
         </p:nvCxnSpPr>
         <p:spPr>
-          <a:xfrm flipV="1">
-            <a:off x="4121092" y="4411563"/>
-            <a:ext cx="612395" cy="867213"/>
+          <a:xfrm>
+            <a:off x="4121092" y="5572391"/>
+            <a:ext cx="598763" cy="0"/>
           </a:xfrm>
           <a:prstGeom prst="straightConnector1">
             <a:avLst/>
@@ -5699,23 +4938,23 @@
       </p:cxnSp>
       <p:cxnSp>
         <p:nvCxnSpPr>
-          <p:cNvPr id="54" name="직선 화살표 연결선 53">
+          <p:cNvPr id="97" name="직선 화살표 연결선 96">
             <a:extLst>
               <a:ext uri="{FF2B5EF4-FFF2-40B4-BE49-F238E27FC236}">
-                <a16:creationId xmlns:a16="http://schemas.microsoft.com/office/drawing/2014/main" id="{5AC43C83-1CDA-4A07-97F8-02099CFF6994}"/>
+                <a16:creationId xmlns:a16="http://schemas.microsoft.com/office/drawing/2014/main" id="{DD0A7109-6685-46D9-92F3-E96E27E73C7F}"/>
               </a:ext>
             </a:extLst>
           </p:cNvPr>
           <p:cNvCxnSpPr>
-            <a:stCxn id="15" idx="3"/>
-            <a:endCxn id="33" idx="1"/>
+            <a:stCxn id="89" idx="3"/>
+            <a:endCxn id="91" idx="1"/>
           </p:cNvCxnSpPr>
           <p:nvPr/>
         </p:nvCxnSpPr>
         <p:spPr>
-          <a:xfrm flipV="1">
-            <a:off x="4114800" y="4934827"/>
-            <a:ext cx="619736" cy="342986"/>
+          <a:xfrm>
+            <a:off x="5997079" y="5572391"/>
+            <a:ext cx="598764" cy="0"/>
           </a:xfrm>
           <a:prstGeom prst="straightConnector1">
             <a:avLst/>
@@ -5725,6 +4964,149 @@
               <a:schemeClr val="accent4"/>
             </a:solidFill>
             <a:tailEnd type="triangle"/>
+          </a:ln>
+        </p:spPr>
+        <p:style>
+          <a:lnRef idx="1">
+            <a:schemeClr val="accent1"/>
+          </a:lnRef>
+          <a:fillRef idx="0">
+            <a:schemeClr val="accent1"/>
+          </a:fillRef>
+          <a:effectRef idx="0">
+            <a:schemeClr val="accent1"/>
+          </a:effectRef>
+          <a:fontRef idx="minor">
+            <a:schemeClr val="tx1"/>
+          </a:fontRef>
+        </p:style>
+      </p:cxnSp>
+      <p:sp>
+        <p:nvSpPr>
+          <p:cNvPr id="98" name="사각형: 둥근 모서리 97">
+            <a:extLst>
+              <a:ext uri="{FF2B5EF4-FFF2-40B4-BE49-F238E27FC236}">
+                <a16:creationId xmlns:a16="http://schemas.microsoft.com/office/drawing/2014/main" id="{EE734E33-AD2B-47BB-84BD-1259EA7E879A}"/>
+              </a:ext>
+            </a:extLst>
+          </p:cNvPr>
+          <p:cNvSpPr/>
+          <p:nvPr/>
+        </p:nvSpPr>
+        <p:spPr>
+          <a:xfrm>
+            <a:off x="4713564" y="3993580"/>
+            <a:ext cx="1277224" cy="603175"/>
+          </a:xfrm>
+          <a:prstGeom prst="roundRect">
+            <a:avLst/>
+          </a:prstGeom>
+          <a:solidFill>
+            <a:schemeClr val="accent5">
+              <a:lumMod val="60000"/>
+              <a:lumOff val="40000"/>
+            </a:schemeClr>
+          </a:solidFill>
+          <a:ln>
+            <a:solidFill>
+              <a:schemeClr val="bg1"/>
+            </a:solidFill>
+          </a:ln>
+        </p:spPr>
+        <p:style>
+          <a:lnRef idx="2">
+            <a:schemeClr val="accent1">
+              <a:shade val="50000"/>
+            </a:schemeClr>
+          </a:lnRef>
+          <a:fillRef idx="1">
+            <a:schemeClr val="accent1"/>
+          </a:fillRef>
+          <a:effectRef idx="0">
+            <a:schemeClr val="accent1"/>
+          </a:effectRef>
+          <a:fontRef idx="minor">
+            <a:schemeClr val="lt1"/>
+          </a:fontRef>
+        </p:style>
+        <p:txBody>
+          <a:bodyPr rot="0" spcFirstLastPara="0" vertOverflow="overflow" horzOverflow="overflow" vert="horz" wrap="square" lIns="68580" tIns="34290" rIns="68580" bIns="34290" numCol="1" spcCol="0" rtlCol="0" fromWordArt="0" anchor="ctr" anchorCtr="0" forceAA="0" compatLnSpc="1">
+            <a:prstTxWarp prst="textNoShape">
+              <a:avLst/>
+            </a:prstTxWarp>
+            <a:noAutofit/>
+          </a:bodyPr>
+          <a:lstStyle/>
+          <a:p>
+            <a:pPr algn="ctr"/>
+            <a:endParaRPr lang="ko-KR" altLang="en-US" sz="1350"/>
+          </a:p>
+        </p:txBody>
+      </p:sp>
+      <p:sp>
+        <p:nvSpPr>
+          <p:cNvPr id="99" name="TextBox 98">
+            <a:extLst>
+              <a:ext uri="{FF2B5EF4-FFF2-40B4-BE49-F238E27FC236}">
+                <a16:creationId xmlns:a16="http://schemas.microsoft.com/office/drawing/2014/main" id="{E8EF5146-2A71-4403-A6A1-2B411365B232}"/>
+              </a:ext>
+            </a:extLst>
+          </p:cNvPr>
+          <p:cNvSpPr txBox="1"/>
+          <p:nvPr/>
+        </p:nvSpPr>
+        <p:spPr>
+          <a:xfrm>
+            <a:off x="4713565" y="4170204"/>
+            <a:ext cx="1270932" cy="248002"/>
+          </a:xfrm>
+          <a:prstGeom prst="rect">
+            <a:avLst/>
+          </a:prstGeom>
+          <a:noFill/>
+        </p:spPr>
+        <p:txBody>
+          <a:bodyPr wrap="square" rtlCol="0">
+            <a:spAutoFit/>
+          </a:bodyPr>
+          <a:lstStyle/>
+          <a:p>
+            <a:pPr algn="ctr"/>
+            <a:r>
+              <a:rPr lang="en-US" altLang="ko-KR" sz="1350" b="1" dirty="0"/>
+              <a:t>Action</a:t>
+            </a:r>
+            <a:endParaRPr lang="ko-KR" altLang="en-US" sz="1350" b="1" dirty="0"/>
+          </a:p>
+        </p:txBody>
+      </p:sp>
+      <p:cxnSp>
+        <p:nvCxnSpPr>
+          <p:cNvPr id="100" name="연결선: 꺾임 99">
+            <a:extLst>
+              <a:ext uri="{FF2B5EF4-FFF2-40B4-BE49-F238E27FC236}">
+                <a16:creationId xmlns:a16="http://schemas.microsoft.com/office/drawing/2014/main" id="{71582494-D56D-4A11-9056-9CA446F3E9CA}"/>
+              </a:ext>
+            </a:extLst>
+          </p:cNvPr>
+          <p:cNvCxnSpPr>
+            <a:stCxn id="91" idx="0"/>
+            <a:endCxn id="98" idx="3"/>
+          </p:cNvCxnSpPr>
+          <p:nvPr/>
+        </p:nvCxnSpPr>
+        <p:spPr>
+          <a:xfrm rot="16200000" flipV="1">
+            <a:off x="6124805" y="4161152"/>
+            <a:ext cx="975635" cy="1243667"/>
+          </a:xfrm>
+          <a:prstGeom prst="bentConnector2">
+            <a:avLst/>
+          </a:prstGeom>
+          <a:ln>
+            <a:solidFill>
+              <a:schemeClr val="accent4"/>
+            </a:solidFill>
           </a:ln>
         </p:spPr>
         <p:style>
@@ -5744,777 +5126,25 @@
       </p:cxnSp>
       <p:cxnSp>
         <p:nvCxnSpPr>
-          <p:cNvPr id="55" name="직선 화살표 연결선 54">
+          <p:cNvPr id="101" name="연결선: 꺾임 100">
             <a:extLst>
               <a:ext uri="{FF2B5EF4-FFF2-40B4-BE49-F238E27FC236}">
-                <a16:creationId xmlns:a16="http://schemas.microsoft.com/office/drawing/2014/main" id="{A3A7B578-D9DF-4B1B-BFFB-80A9468530B6}"/>
+                <a16:creationId xmlns:a16="http://schemas.microsoft.com/office/drawing/2014/main" id="{042CB8DF-58B3-4613-8E8C-C95A619639B2}"/>
               </a:ext>
             </a:extLst>
           </p:cNvPr>
           <p:cNvCxnSpPr>
-            <a:stCxn id="12" idx="3"/>
-            <a:endCxn id="38" idx="1"/>
+            <a:stCxn id="98" idx="1"/>
+            <a:endCxn id="87" idx="0"/>
           </p:cNvCxnSpPr>
           <p:nvPr/>
         </p:nvCxnSpPr>
         <p:spPr>
-          <a:xfrm>
-            <a:off x="4121092" y="5278776"/>
-            <a:ext cx="627076" cy="179315"/>
-          </a:xfrm>
-          <a:prstGeom prst="straightConnector1">
-            <a:avLst/>
-          </a:prstGeom>
-          <a:ln>
-            <a:solidFill>
-              <a:schemeClr val="accent4"/>
-            </a:solidFill>
-            <a:tailEnd type="triangle"/>
-          </a:ln>
-        </p:spPr>
-        <p:style>
-          <a:lnRef idx="1">
-            <a:schemeClr val="accent1"/>
-          </a:lnRef>
-          <a:fillRef idx="0">
-            <a:schemeClr val="accent1"/>
-          </a:fillRef>
-          <a:effectRef idx="0">
-            <a:schemeClr val="accent1"/>
-          </a:effectRef>
-          <a:fontRef idx="minor">
-            <a:schemeClr val="tx1"/>
-          </a:fontRef>
-        </p:style>
-      </p:cxnSp>
-      <p:cxnSp>
-        <p:nvCxnSpPr>
-          <p:cNvPr id="56" name="직선 화살표 연결선 55">
-            <a:extLst>
-              <a:ext uri="{FF2B5EF4-FFF2-40B4-BE49-F238E27FC236}">
-                <a16:creationId xmlns:a16="http://schemas.microsoft.com/office/drawing/2014/main" id="{AB0C9606-FCDE-45A6-9BB8-93B8A9DA60E5}"/>
-              </a:ext>
-            </a:extLst>
-          </p:cNvPr>
-          <p:cNvCxnSpPr>
-            <a:stCxn id="12" idx="3"/>
-            <a:endCxn id="43" idx="1"/>
-          </p:cNvCxnSpPr>
-          <p:nvPr/>
-        </p:nvCxnSpPr>
-        <p:spPr>
-          <a:xfrm>
-            <a:off x="4121092" y="5278776"/>
-            <a:ext cx="627076" cy="670071"/>
-          </a:xfrm>
-          <a:prstGeom prst="straightConnector1">
-            <a:avLst/>
-          </a:prstGeom>
-          <a:ln>
-            <a:solidFill>
-              <a:schemeClr val="accent4"/>
-            </a:solidFill>
-            <a:tailEnd type="triangle"/>
-          </a:ln>
-        </p:spPr>
-        <p:style>
-          <a:lnRef idx="1">
-            <a:schemeClr val="accent1"/>
-          </a:lnRef>
-          <a:fillRef idx="0">
-            <a:schemeClr val="accent1"/>
-          </a:fillRef>
-          <a:effectRef idx="0">
-            <a:schemeClr val="accent1"/>
-          </a:effectRef>
-          <a:fontRef idx="minor">
-            <a:schemeClr val="tx1"/>
-          </a:fontRef>
-        </p:style>
-      </p:cxnSp>
-      <p:cxnSp>
-        <p:nvCxnSpPr>
-          <p:cNvPr id="57" name="직선 화살표 연결선 56">
-            <a:extLst>
-              <a:ext uri="{FF2B5EF4-FFF2-40B4-BE49-F238E27FC236}">
-                <a16:creationId xmlns:a16="http://schemas.microsoft.com/office/drawing/2014/main" id="{367EF5A8-4651-4FBF-9741-0EDA08F54A04}"/>
-              </a:ext>
-            </a:extLst>
-          </p:cNvPr>
-          <p:cNvCxnSpPr>
-            <a:stCxn id="12" idx="3"/>
-            <a:endCxn id="49" idx="1"/>
-          </p:cNvCxnSpPr>
-          <p:nvPr/>
-        </p:nvCxnSpPr>
-        <p:spPr>
-          <a:xfrm>
-            <a:off x="4121092" y="5278776"/>
-            <a:ext cx="640708" cy="1204956"/>
-          </a:xfrm>
-          <a:prstGeom prst="straightConnector1">
-            <a:avLst/>
-          </a:prstGeom>
-          <a:ln>
-            <a:solidFill>
-              <a:schemeClr val="accent4"/>
-            </a:solidFill>
-            <a:tailEnd type="triangle"/>
-          </a:ln>
-        </p:spPr>
-        <p:style>
-          <a:lnRef idx="1">
-            <a:schemeClr val="accent1"/>
-          </a:lnRef>
-          <a:fillRef idx="0">
-            <a:schemeClr val="accent1"/>
-          </a:fillRef>
-          <a:effectRef idx="0">
-            <a:schemeClr val="accent1"/>
-          </a:effectRef>
-          <a:fontRef idx="minor">
-            <a:schemeClr val="tx1"/>
-          </a:fontRef>
-        </p:style>
-      </p:cxnSp>
-      <p:cxnSp>
-        <p:nvCxnSpPr>
-          <p:cNvPr id="58" name="직선 화살표 연결선 57">
-            <a:extLst>
-              <a:ext uri="{FF2B5EF4-FFF2-40B4-BE49-F238E27FC236}">
-                <a16:creationId xmlns:a16="http://schemas.microsoft.com/office/drawing/2014/main" id="{64AFD01E-7F6F-4896-B8AC-38EF7771AA8D}"/>
-              </a:ext>
-            </a:extLst>
-          </p:cNvPr>
-          <p:cNvCxnSpPr>
-            <a:stCxn id="18" idx="3"/>
-            <a:endCxn id="35" idx="1"/>
-          </p:cNvCxnSpPr>
-          <p:nvPr/>
-        </p:nvCxnSpPr>
-        <p:spPr>
-          <a:xfrm>
-            <a:off x="5990788" y="3887337"/>
-            <a:ext cx="619736" cy="1047490"/>
-          </a:xfrm>
-          <a:prstGeom prst="straightConnector1">
-            <a:avLst/>
-          </a:prstGeom>
-          <a:ln>
-            <a:solidFill>
-              <a:schemeClr val="accent4"/>
-            </a:solidFill>
-            <a:tailEnd type="triangle"/>
-          </a:ln>
-        </p:spPr>
-        <p:style>
-          <a:lnRef idx="1">
-            <a:schemeClr val="accent1"/>
-          </a:lnRef>
-          <a:fillRef idx="0">
-            <a:schemeClr val="accent1"/>
-          </a:fillRef>
-          <a:effectRef idx="0">
-            <a:schemeClr val="accent1"/>
-          </a:effectRef>
-          <a:fontRef idx="minor">
-            <a:schemeClr val="tx1"/>
-          </a:fontRef>
-        </p:style>
-      </p:cxnSp>
-      <p:cxnSp>
-        <p:nvCxnSpPr>
-          <p:cNvPr id="59" name="직선 화살표 연결선 58">
-            <a:extLst>
-              <a:ext uri="{FF2B5EF4-FFF2-40B4-BE49-F238E27FC236}">
-                <a16:creationId xmlns:a16="http://schemas.microsoft.com/office/drawing/2014/main" id="{4E860EFE-CFFC-4613-8557-A0AAD184D371}"/>
-              </a:ext>
-            </a:extLst>
-          </p:cNvPr>
-          <p:cNvCxnSpPr>
-            <a:stCxn id="39" idx="3"/>
-            <a:endCxn id="19" idx="1"/>
-          </p:cNvCxnSpPr>
-          <p:nvPr/>
-        </p:nvCxnSpPr>
-        <p:spPr>
-          <a:xfrm flipV="1">
-            <a:off x="6019100" y="3888300"/>
-            <a:ext cx="576743" cy="1568828"/>
-          </a:xfrm>
-          <a:prstGeom prst="straightConnector1">
-            <a:avLst/>
-          </a:prstGeom>
-          <a:ln>
-            <a:solidFill>
-              <a:schemeClr val="accent4"/>
-            </a:solidFill>
-            <a:tailEnd type="triangle"/>
-          </a:ln>
-        </p:spPr>
-        <p:style>
-          <a:lnRef idx="1">
-            <a:schemeClr val="accent1"/>
-          </a:lnRef>
-          <a:fillRef idx="0">
-            <a:schemeClr val="accent1"/>
-          </a:fillRef>
-          <a:effectRef idx="0">
-            <a:schemeClr val="accent1"/>
-          </a:effectRef>
-          <a:fontRef idx="minor">
-            <a:schemeClr val="tx1"/>
-          </a:fontRef>
-        </p:style>
-      </p:cxnSp>
-      <p:cxnSp>
-        <p:nvCxnSpPr>
-          <p:cNvPr id="60" name="직선 화살표 연결선 59">
-            <a:extLst>
-              <a:ext uri="{FF2B5EF4-FFF2-40B4-BE49-F238E27FC236}">
-                <a16:creationId xmlns:a16="http://schemas.microsoft.com/office/drawing/2014/main" id="{8E110B93-C047-4E27-842B-805636B011E0}"/>
-              </a:ext>
-            </a:extLst>
-          </p:cNvPr>
-          <p:cNvCxnSpPr>
-            <a:stCxn id="34" idx="3"/>
-            <a:endCxn id="51" idx="1"/>
-          </p:cNvCxnSpPr>
-          <p:nvPr/>
-        </p:nvCxnSpPr>
-        <p:spPr>
-          <a:xfrm>
-            <a:off x="6005468" y="4933864"/>
-            <a:ext cx="632320" cy="1549868"/>
-          </a:xfrm>
-          <a:prstGeom prst="straightConnector1">
-            <a:avLst/>
-          </a:prstGeom>
-          <a:ln>
-            <a:solidFill>
-              <a:schemeClr val="accent4"/>
-            </a:solidFill>
-            <a:tailEnd type="triangle"/>
-          </a:ln>
-        </p:spPr>
-        <p:style>
-          <a:lnRef idx="1">
-            <a:schemeClr val="accent1"/>
-          </a:lnRef>
-          <a:fillRef idx="0">
-            <a:schemeClr val="accent1"/>
-          </a:fillRef>
-          <a:effectRef idx="0">
-            <a:schemeClr val="accent1"/>
-          </a:effectRef>
-          <a:fontRef idx="minor">
-            <a:schemeClr val="tx1"/>
-          </a:fontRef>
-        </p:style>
-      </p:cxnSp>
-      <p:sp>
-        <p:nvSpPr>
-          <p:cNvPr id="72" name="사각형: 둥근 모서리 71">
-            <a:extLst>
-              <a:ext uri="{FF2B5EF4-FFF2-40B4-BE49-F238E27FC236}">
-                <a16:creationId xmlns:a16="http://schemas.microsoft.com/office/drawing/2014/main" id="{DE54ADCB-1A25-4AFB-87D9-A47A8650E850}"/>
-              </a:ext>
-            </a:extLst>
-          </p:cNvPr>
-          <p:cNvSpPr/>
-          <p:nvPr/>
-        </p:nvSpPr>
-        <p:spPr>
-          <a:xfrm>
-            <a:off x="2827090" y="2737325"/>
-            <a:ext cx="1277224" cy="603175"/>
-          </a:xfrm>
-          <a:prstGeom prst="roundRect">
-            <a:avLst/>
-          </a:prstGeom>
-          <a:solidFill>
-            <a:schemeClr val="accent2">
-              <a:lumMod val="60000"/>
-              <a:lumOff val="40000"/>
-            </a:schemeClr>
-          </a:solidFill>
-          <a:ln>
-            <a:solidFill>
-              <a:schemeClr val="bg1"/>
-            </a:solidFill>
-          </a:ln>
-        </p:spPr>
-        <p:style>
-          <a:lnRef idx="2">
-            <a:schemeClr val="accent1">
-              <a:shade val="50000"/>
-            </a:schemeClr>
-          </a:lnRef>
-          <a:fillRef idx="1">
-            <a:schemeClr val="accent1"/>
-          </a:fillRef>
-          <a:effectRef idx="0">
-            <a:schemeClr val="accent1"/>
-          </a:effectRef>
-          <a:fontRef idx="minor">
-            <a:schemeClr val="lt1"/>
-          </a:fontRef>
-        </p:style>
-        <p:txBody>
-          <a:bodyPr rot="0" spcFirstLastPara="0" vertOverflow="overflow" horzOverflow="overflow" vert="horz" wrap="square" lIns="68580" tIns="34290" rIns="68580" bIns="34290" numCol="1" spcCol="0" rtlCol="0" fromWordArt="0" anchor="ctr" anchorCtr="0" forceAA="0" compatLnSpc="1">
-            <a:prstTxWarp prst="textNoShape">
-              <a:avLst/>
-            </a:prstTxWarp>
-            <a:noAutofit/>
-          </a:bodyPr>
-          <a:lstStyle/>
-          <a:p>
-            <a:pPr algn="ctr"/>
-            <a:endParaRPr lang="ko-KR" altLang="en-US" sz="1350"/>
-          </a:p>
-        </p:txBody>
-      </p:sp>
-      <p:sp>
-        <p:nvSpPr>
-          <p:cNvPr id="73" name="TextBox 72">
-            <a:extLst>
-              <a:ext uri="{FF2B5EF4-FFF2-40B4-BE49-F238E27FC236}">
-                <a16:creationId xmlns:a16="http://schemas.microsoft.com/office/drawing/2014/main" id="{9C26D026-0399-4743-A7FE-AD9B5015399D}"/>
-              </a:ext>
-            </a:extLst>
-          </p:cNvPr>
-          <p:cNvSpPr txBox="1"/>
-          <p:nvPr/>
-        </p:nvSpPr>
-        <p:spPr>
-          <a:xfrm>
-            <a:off x="2827090" y="2913949"/>
-            <a:ext cx="1270932" cy="248002"/>
-          </a:xfrm>
-          <a:prstGeom prst="rect">
-            <a:avLst/>
-          </a:prstGeom>
-          <a:noFill/>
-        </p:spPr>
-        <p:txBody>
-          <a:bodyPr wrap="square" rtlCol="0">
-            <a:spAutoFit/>
-          </a:bodyPr>
-          <a:lstStyle/>
-          <a:p>
-            <a:pPr algn="ctr"/>
-            <a:r>
-              <a:rPr lang="en-US" altLang="ko-KR" sz="1350" b="1" dirty="0"/>
-              <a:t>Controller</a:t>
-            </a:r>
-            <a:endParaRPr lang="ko-KR" altLang="en-US" sz="1350" b="1" dirty="0"/>
-          </a:p>
-        </p:txBody>
-      </p:sp>
-      <p:sp>
-        <p:nvSpPr>
-          <p:cNvPr id="74" name="사각형: 둥근 모서리 73">
-            <a:extLst>
-              <a:ext uri="{FF2B5EF4-FFF2-40B4-BE49-F238E27FC236}">
-                <a16:creationId xmlns:a16="http://schemas.microsoft.com/office/drawing/2014/main" id="{665CBE08-D67A-4BBA-B5C7-E86EC3C14BDE}"/>
-              </a:ext>
-            </a:extLst>
-          </p:cNvPr>
-          <p:cNvSpPr/>
-          <p:nvPr/>
-        </p:nvSpPr>
-        <p:spPr>
-          <a:xfrm>
-            <a:off x="4703077" y="2737325"/>
-            <a:ext cx="1277224" cy="603175"/>
-          </a:xfrm>
-          <a:prstGeom prst="roundRect">
-            <a:avLst/>
-          </a:prstGeom>
-          <a:solidFill>
-            <a:schemeClr val="accent3">
-              <a:lumMod val="50000"/>
-            </a:schemeClr>
-          </a:solidFill>
-          <a:ln>
-            <a:solidFill>
-              <a:schemeClr val="bg1"/>
-            </a:solidFill>
-          </a:ln>
-        </p:spPr>
-        <p:style>
-          <a:lnRef idx="2">
-            <a:schemeClr val="accent1">
-              <a:shade val="50000"/>
-            </a:schemeClr>
-          </a:lnRef>
-          <a:fillRef idx="1">
-            <a:schemeClr val="accent1"/>
-          </a:fillRef>
-          <a:effectRef idx="0">
-            <a:schemeClr val="accent1"/>
-          </a:effectRef>
-          <a:fontRef idx="minor">
-            <a:schemeClr val="lt1"/>
-          </a:fontRef>
-        </p:style>
-        <p:txBody>
-          <a:bodyPr rot="0" spcFirstLastPara="0" vertOverflow="overflow" horzOverflow="overflow" vert="horz" wrap="square" lIns="68580" tIns="34290" rIns="68580" bIns="34290" numCol="1" spcCol="0" rtlCol="0" fromWordArt="0" anchor="ctr" anchorCtr="0" forceAA="0" compatLnSpc="1">
-            <a:prstTxWarp prst="textNoShape">
-              <a:avLst/>
-            </a:prstTxWarp>
-            <a:noAutofit/>
-          </a:bodyPr>
-          <a:lstStyle/>
-          <a:p>
-            <a:pPr algn="ctr"/>
-            <a:endParaRPr lang="ko-KR" altLang="en-US" sz="1350"/>
-          </a:p>
-        </p:txBody>
-      </p:sp>
-      <p:sp>
-        <p:nvSpPr>
-          <p:cNvPr id="75" name="TextBox 74">
-            <a:extLst>
-              <a:ext uri="{FF2B5EF4-FFF2-40B4-BE49-F238E27FC236}">
-                <a16:creationId xmlns:a16="http://schemas.microsoft.com/office/drawing/2014/main" id="{0F467ECE-AF30-441E-A44B-7CED15B61674}"/>
-              </a:ext>
-            </a:extLst>
-          </p:cNvPr>
-          <p:cNvSpPr txBox="1"/>
-          <p:nvPr/>
-        </p:nvSpPr>
-        <p:spPr>
-          <a:xfrm>
-            <a:off x="4703078" y="2913949"/>
-            <a:ext cx="1270932" cy="248002"/>
-          </a:xfrm>
-          <a:prstGeom prst="rect">
-            <a:avLst/>
-          </a:prstGeom>
-          <a:noFill/>
-        </p:spPr>
-        <p:txBody>
-          <a:bodyPr wrap="square" rtlCol="0">
-            <a:spAutoFit/>
-          </a:bodyPr>
-          <a:lstStyle/>
-          <a:p>
-            <a:pPr algn="ctr"/>
-            <a:r>
-              <a:rPr lang="en-US" altLang="ko-KR" sz="1350" b="1" dirty="0"/>
-              <a:t>Model</a:t>
-            </a:r>
-            <a:endParaRPr lang="ko-KR" altLang="en-US" sz="1350" b="1" dirty="0"/>
-          </a:p>
-        </p:txBody>
-      </p:sp>
-      <p:sp>
-        <p:nvSpPr>
-          <p:cNvPr id="76" name="사각형: 둥근 모서리 75">
-            <a:extLst>
-              <a:ext uri="{FF2B5EF4-FFF2-40B4-BE49-F238E27FC236}">
-                <a16:creationId xmlns:a16="http://schemas.microsoft.com/office/drawing/2014/main" id="{B685EC49-C47A-4CB5-8BFE-92DC39660A26}"/>
-              </a:ext>
-            </a:extLst>
-          </p:cNvPr>
-          <p:cNvSpPr/>
-          <p:nvPr/>
-        </p:nvSpPr>
-        <p:spPr>
-          <a:xfrm>
-            <a:off x="6579065" y="2737325"/>
-            <a:ext cx="1277224" cy="603175"/>
-          </a:xfrm>
-          <a:prstGeom prst="roundRect">
-            <a:avLst/>
-          </a:prstGeom>
-          <a:solidFill>
-            <a:schemeClr val="accent6"/>
-          </a:solidFill>
-          <a:ln>
-            <a:solidFill>
-              <a:schemeClr val="bg1"/>
-            </a:solidFill>
-          </a:ln>
-        </p:spPr>
-        <p:style>
-          <a:lnRef idx="2">
-            <a:schemeClr val="accent1">
-              <a:shade val="50000"/>
-            </a:schemeClr>
-          </a:lnRef>
-          <a:fillRef idx="1">
-            <a:schemeClr val="accent1"/>
-          </a:fillRef>
-          <a:effectRef idx="0">
-            <a:schemeClr val="accent1"/>
-          </a:effectRef>
-          <a:fontRef idx="minor">
-            <a:schemeClr val="lt1"/>
-          </a:fontRef>
-        </p:style>
-        <p:txBody>
-          <a:bodyPr rot="0" spcFirstLastPara="0" vertOverflow="overflow" horzOverflow="overflow" vert="horz" wrap="square" lIns="68580" tIns="34290" rIns="68580" bIns="34290" numCol="1" spcCol="0" rtlCol="0" fromWordArt="0" anchor="ctr" anchorCtr="0" forceAA="0" compatLnSpc="1">
-            <a:prstTxWarp prst="textNoShape">
-              <a:avLst/>
-            </a:prstTxWarp>
-            <a:noAutofit/>
-          </a:bodyPr>
-          <a:lstStyle/>
-          <a:p>
-            <a:pPr algn="ctr"/>
-            <a:endParaRPr lang="ko-KR" altLang="en-US" sz="1350"/>
-          </a:p>
-        </p:txBody>
-      </p:sp>
-      <p:sp>
-        <p:nvSpPr>
-          <p:cNvPr id="77" name="TextBox 76">
-            <a:extLst>
-              <a:ext uri="{FF2B5EF4-FFF2-40B4-BE49-F238E27FC236}">
-                <a16:creationId xmlns:a16="http://schemas.microsoft.com/office/drawing/2014/main" id="{1CF0EE24-B144-495E-AE85-26D5CB19A2B4}"/>
-              </a:ext>
-            </a:extLst>
-          </p:cNvPr>
-          <p:cNvSpPr txBox="1"/>
-          <p:nvPr/>
-        </p:nvSpPr>
-        <p:spPr>
-          <a:xfrm>
-            <a:off x="6579066" y="2913949"/>
-            <a:ext cx="1270932" cy="248002"/>
-          </a:xfrm>
-          <a:prstGeom prst="rect">
-            <a:avLst/>
-          </a:prstGeom>
-          <a:noFill/>
-        </p:spPr>
-        <p:txBody>
-          <a:bodyPr wrap="square" rtlCol="0">
-            <a:spAutoFit/>
-          </a:bodyPr>
-          <a:lstStyle/>
-          <a:p>
-            <a:pPr algn="ctr"/>
-            <a:r>
-              <a:rPr lang="en-US" altLang="ko-KR" sz="1350" b="1" dirty="0"/>
-              <a:t>View</a:t>
-            </a:r>
-            <a:endParaRPr lang="ko-KR" altLang="en-US" sz="1350" b="1" dirty="0"/>
-          </a:p>
-        </p:txBody>
-      </p:sp>
-      <p:sp>
-        <p:nvSpPr>
-          <p:cNvPr id="78" name="사각형: 둥근 모서리 77">
-            <a:extLst>
-              <a:ext uri="{FF2B5EF4-FFF2-40B4-BE49-F238E27FC236}">
-                <a16:creationId xmlns:a16="http://schemas.microsoft.com/office/drawing/2014/main" id="{F8E45610-BF09-4C66-B692-8DCBDE4C9B4F}"/>
-              </a:ext>
-            </a:extLst>
-          </p:cNvPr>
-          <p:cNvSpPr/>
-          <p:nvPr/>
-        </p:nvSpPr>
-        <p:spPr>
-          <a:xfrm>
-            <a:off x="951102" y="2737325"/>
-            <a:ext cx="1277224" cy="603175"/>
-          </a:xfrm>
-          <a:prstGeom prst="roundRect">
-            <a:avLst/>
-          </a:prstGeom>
-          <a:solidFill>
-            <a:schemeClr val="accent5">
-              <a:lumMod val="60000"/>
-              <a:lumOff val="40000"/>
-            </a:schemeClr>
-          </a:solidFill>
-          <a:ln>
-            <a:solidFill>
-              <a:schemeClr val="bg1"/>
-            </a:solidFill>
-          </a:ln>
-        </p:spPr>
-        <p:style>
-          <a:lnRef idx="2">
-            <a:schemeClr val="accent1">
-              <a:shade val="50000"/>
-            </a:schemeClr>
-          </a:lnRef>
-          <a:fillRef idx="1">
-            <a:schemeClr val="accent1"/>
-          </a:fillRef>
-          <a:effectRef idx="0">
-            <a:schemeClr val="accent1"/>
-          </a:effectRef>
-          <a:fontRef idx="minor">
-            <a:schemeClr val="lt1"/>
-          </a:fontRef>
-        </p:style>
-        <p:txBody>
-          <a:bodyPr rot="0" spcFirstLastPara="0" vertOverflow="overflow" horzOverflow="overflow" vert="horz" wrap="square" lIns="68580" tIns="34290" rIns="68580" bIns="34290" numCol="1" spcCol="0" rtlCol="0" fromWordArt="0" anchor="ctr" anchorCtr="0" forceAA="0" compatLnSpc="1">
-            <a:prstTxWarp prst="textNoShape">
-              <a:avLst/>
-            </a:prstTxWarp>
-            <a:noAutofit/>
-          </a:bodyPr>
-          <a:lstStyle/>
-          <a:p>
-            <a:pPr algn="ctr"/>
-            <a:endParaRPr lang="ko-KR" altLang="en-US" sz="1350"/>
-          </a:p>
-        </p:txBody>
-      </p:sp>
-      <p:sp>
-        <p:nvSpPr>
-          <p:cNvPr id="79" name="TextBox 78">
-            <a:extLst>
-              <a:ext uri="{FF2B5EF4-FFF2-40B4-BE49-F238E27FC236}">
-                <a16:creationId xmlns:a16="http://schemas.microsoft.com/office/drawing/2014/main" id="{35331E79-918B-4755-AB34-03F52F6BADD8}"/>
-              </a:ext>
-            </a:extLst>
-          </p:cNvPr>
-          <p:cNvSpPr txBox="1"/>
-          <p:nvPr/>
-        </p:nvSpPr>
-        <p:spPr>
-          <a:xfrm>
-            <a:off x="951102" y="2913949"/>
-            <a:ext cx="1270932" cy="248002"/>
-          </a:xfrm>
-          <a:prstGeom prst="rect">
-            <a:avLst/>
-          </a:prstGeom>
-          <a:noFill/>
-        </p:spPr>
-        <p:txBody>
-          <a:bodyPr wrap="square" rtlCol="0">
-            <a:spAutoFit/>
-          </a:bodyPr>
-          <a:lstStyle/>
-          <a:p>
-            <a:pPr algn="ctr"/>
-            <a:r>
-              <a:rPr lang="en-US" altLang="ko-KR" sz="1350" b="1" dirty="0"/>
-              <a:t>Action</a:t>
-            </a:r>
-            <a:endParaRPr lang="ko-KR" altLang="en-US" sz="1350" b="1" dirty="0"/>
-          </a:p>
-        </p:txBody>
-      </p:sp>
-      <p:cxnSp>
-        <p:nvCxnSpPr>
-          <p:cNvPr id="80" name="직선 화살표 연결선 79">
-            <a:extLst>
-              <a:ext uri="{FF2B5EF4-FFF2-40B4-BE49-F238E27FC236}">
-                <a16:creationId xmlns:a16="http://schemas.microsoft.com/office/drawing/2014/main" id="{A7E67601-3E61-48BD-9CBB-157366EC0559}"/>
-              </a:ext>
-            </a:extLst>
-          </p:cNvPr>
-          <p:cNvCxnSpPr>
-            <a:stCxn id="78" idx="3"/>
-            <a:endCxn id="72" idx="1"/>
-          </p:cNvCxnSpPr>
-          <p:nvPr/>
-        </p:nvCxnSpPr>
-        <p:spPr>
-          <a:xfrm>
-            <a:off x="2228326" y="3038913"/>
-            <a:ext cx="598764" cy="0"/>
-          </a:xfrm>
-          <a:prstGeom prst="straightConnector1">
-            <a:avLst/>
-          </a:prstGeom>
-          <a:ln>
-            <a:solidFill>
-              <a:schemeClr val="accent4"/>
-            </a:solidFill>
-            <a:tailEnd type="triangle"/>
-          </a:ln>
-        </p:spPr>
-        <p:style>
-          <a:lnRef idx="1">
-            <a:schemeClr val="accent1"/>
-          </a:lnRef>
-          <a:fillRef idx="0">
-            <a:schemeClr val="accent1"/>
-          </a:fillRef>
-          <a:effectRef idx="0">
-            <a:schemeClr val="accent1"/>
-          </a:effectRef>
-          <a:fontRef idx="minor">
-            <a:schemeClr val="tx1"/>
-          </a:fontRef>
-        </p:style>
-      </p:cxnSp>
-      <p:cxnSp>
-        <p:nvCxnSpPr>
-          <p:cNvPr id="81" name="직선 화살표 연결선 80">
-            <a:extLst>
-              <a:ext uri="{FF2B5EF4-FFF2-40B4-BE49-F238E27FC236}">
-                <a16:creationId xmlns:a16="http://schemas.microsoft.com/office/drawing/2014/main" id="{471A405B-D354-4BD0-9CB5-9743F7CA4AAB}"/>
-              </a:ext>
-            </a:extLst>
-          </p:cNvPr>
-          <p:cNvCxnSpPr>
-            <a:stCxn id="72" idx="3"/>
-            <a:endCxn id="74" idx="1"/>
-          </p:cNvCxnSpPr>
-          <p:nvPr/>
-        </p:nvCxnSpPr>
-        <p:spPr>
-          <a:xfrm>
-            <a:off x="4104314" y="3038913"/>
-            <a:ext cx="598763" cy="0"/>
-          </a:xfrm>
-          <a:prstGeom prst="straightConnector1">
-            <a:avLst/>
-          </a:prstGeom>
-          <a:ln>
-            <a:solidFill>
-              <a:schemeClr val="accent4"/>
-            </a:solidFill>
-            <a:tailEnd type="triangle"/>
-          </a:ln>
-        </p:spPr>
-        <p:style>
-          <a:lnRef idx="1">
-            <a:schemeClr val="accent1"/>
-          </a:lnRef>
-          <a:fillRef idx="0">
-            <a:schemeClr val="accent1"/>
-          </a:fillRef>
-          <a:effectRef idx="0">
-            <a:schemeClr val="accent1"/>
-          </a:effectRef>
-          <a:fontRef idx="minor">
-            <a:schemeClr val="tx1"/>
-          </a:fontRef>
-        </p:style>
-      </p:cxnSp>
-      <p:cxnSp>
-        <p:nvCxnSpPr>
-          <p:cNvPr id="82" name="직선 화살표 연결선 81">
-            <a:extLst>
-              <a:ext uri="{FF2B5EF4-FFF2-40B4-BE49-F238E27FC236}">
-                <a16:creationId xmlns:a16="http://schemas.microsoft.com/office/drawing/2014/main" id="{5DAB4818-E202-4D70-A0C0-5A98D2D2ED15}"/>
-              </a:ext>
-            </a:extLst>
-          </p:cNvPr>
-          <p:cNvCxnSpPr>
-            <a:stCxn id="74" idx="3"/>
-            <a:endCxn id="76" idx="1"/>
-          </p:cNvCxnSpPr>
-          <p:nvPr/>
-        </p:nvCxnSpPr>
-        <p:spPr>
-          <a:xfrm>
-            <a:off x="5980301" y="3038913"/>
-            <a:ext cx="598764" cy="0"/>
-          </a:xfrm>
-          <a:prstGeom prst="straightConnector1">
+          <a:xfrm rot="10800000" flipV="1">
+            <a:off x="3482480" y="4295167"/>
+            <a:ext cx="1231084" cy="975635"/>
+          </a:xfrm>
+          <a:prstGeom prst="bentConnector2">
             <a:avLst/>
           </a:prstGeom>
           <a:ln>
@@ -6542,7 +5172,7 @@
     </p:spTree>
     <p:extLst>
       <p:ext uri="{BB962C8B-B14F-4D97-AF65-F5344CB8AC3E}">
-        <p14:creationId xmlns:p14="http://schemas.microsoft.com/office/powerpoint/2010/main" val="2479543259"/>
+        <p14:creationId xmlns:p14="http://schemas.microsoft.com/office/powerpoint/2010/main" val="4044892048"/>
       </p:ext>
     </p:extLst>
   </p:cSld>
@@ -6796,38 +5426,15 @@
                   </a:schemeClr>
                 </a:solidFill>
               </a:rPr>
-              <a:t>MVC</a:t>
-            </a:r>
-            <a:r>
-              <a:rPr lang="ko-KR" altLang="en-US" dirty="0">
-                <a:solidFill>
-                  <a:schemeClr val="bg2">
-                    <a:lumMod val="75000"/>
-                  </a:schemeClr>
-                </a:solidFill>
-              </a:rPr>
-              <a:t>와 </a:t>
-            </a:r>
-            <a:r>
-              <a:rPr lang="en-US" altLang="ko-KR" dirty="0">
-                <a:solidFill>
-                  <a:schemeClr val="bg2">
-                    <a:lumMod val="75000"/>
-                  </a:schemeClr>
-                </a:solidFill>
-              </a:rPr>
-              <a:t>Flux </a:t>
-            </a:r>
-            <a:r>
-              <a:rPr lang="ko-KR" altLang="en-US" dirty="0">
-                <a:solidFill>
-                  <a:schemeClr val="bg2">
-                    <a:lumMod val="75000"/>
-                  </a:schemeClr>
-                </a:solidFill>
-              </a:rPr>
-              <a:t>비교</a:t>
-            </a:r>
+              <a:t>Flux</a:t>
+            </a:r>
+            <a:endParaRPr lang="ko-KR" altLang="en-US" dirty="0">
+              <a:solidFill>
+                <a:schemeClr val="bg2">
+                  <a:lumMod val="75000"/>
+                </a:schemeClr>
+              </a:solidFill>
+            </a:endParaRPr>
           </a:p>
         </p:txBody>
       </p:sp>
@@ -6933,10 +5540,10 @@
       </p:sp>
       <p:sp>
         <p:nvSpPr>
-          <p:cNvPr id="11" name="TextBox 10">
+          <p:cNvPr id="41" name="TextBox 40">
             <a:extLst>
               <a:ext uri="{FF2B5EF4-FFF2-40B4-BE49-F238E27FC236}">
-                <a16:creationId xmlns:a16="http://schemas.microsoft.com/office/drawing/2014/main" id="{909B2FB0-A2D8-4089-A3BF-1E5F52B32696}"/>
+                <a16:creationId xmlns:a16="http://schemas.microsoft.com/office/drawing/2014/main" id="{AA89F892-F32A-41C7-BE72-503C38B31C10}"/>
               </a:ext>
             </a:extLst>
           </p:cNvPr>
@@ -6945,8 +5552,8 @@
         </p:nvSpPr>
         <p:spPr>
           <a:xfrm>
-            <a:off x="813600" y="2289827"/>
-            <a:ext cx="7483112" cy="308354"/>
+            <a:off x="758567" y="2256049"/>
+            <a:ext cx="7483112" cy="3216843"/>
           </a:xfrm>
           <a:prstGeom prst="rect">
             <a:avLst/>
@@ -6959,1264 +5566,259 @@
           </a:bodyPr>
           <a:lstStyle/>
           <a:p>
-            <a:pPr>
+            <a:pPr marL="228600" indent="-228600">
               <a:lnSpc>
                 <a:spcPct val="150000"/>
               </a:lnSpc>
+              <a:buFont typeface="+mj-lt"/>
+              <a:buAutoNum type="arabicPeriod"/>
             </a:pPr>
             <a:r>
               <a:rPr lang="en-US" altLang="ko-KR" sz="1050" b="1" dirty="0"/>
-              <a:t>2.    Flux</a:t>
-            </a:r>
-          </a:p>
-        </p:txBody>
-      </p:sp>
-      <p:sp>
-        <p:nvSpPr>
-          <p:cNvPr id="65" name="사각형: 둥근 모서리 64">
-            <a:extLst>
-              <a:ext uri="{FF2B5EF4-FFF2-40B4-BE49-F238E27FC236}">
-                <a16:creationId xmlns:a16="http://schemas.microsoft.com/office/drawing/2014/main" id="{26F4FBFA-D07F-4DA9-84DB-62A224FCCDEB}"/>
-              </a:ext>
-            </a:extLst>
-          </p:cNvPr>
-          <p:cNvSpPr/>
-          <p:nvPr/>
-        </p:nvSpPr>
-        <p:spPr>
-          <a:xfrm>
-            <a:off x="2843868" y="2787659"/>
-            <a:ext cx="1277224" cy="603175"/>
-          </a:xfrm>
-          <a:prstGeom prst="roundRect">
-            <a:avLst/>
-          </a:prstGeom>
-          <a:solidFill>
-            <a:schemeClr val="accent2">
-              <a:lumMod val="60000"/>
-              <a:lumOff val="40000"/>
-            </a:schemeClr>
-          </a:solidFill>
-          <a:ln>
-            <a:solidFill>
-              <a:schemeClr val="bg1"/>
-            </a:solidFill>
-          </a:ln>
-        </p:spPr>
-        <p:style>
-          <a:lnRef idx="2">
-            <a:schemeClr val="accent1">
-              <a:shade val="50000"/>
-            </a:schemeClr>
-          </a:lnRef>
-          <a:fillRef idx="1">
-            <a:schemeClr val="accent1"/>
-          </a:fillRef>
-          <a:effectRef idx="0">
-            <a:schemeClr val="accent1"/>
-          </a:effectRef>
-          <a:fontRef idx="minor">
-            <a:schemeClr val="lt1"/>
-          </a:fontRef>
-        </p:style>
-        <p:txBody>
-          <a:bodyPr rot="0" spcFirstLastPara="0" vertOverflow="overflow" horzOverflow="overflow" vert="horz" wrap="square" lIns="68580" tIns="34290" rIns="68580" bIns="34290" numCol="1" spcCol="0" rtlCol="0" fromWordArt="0" anchor="ctr" anchorCtr="0" forceAA="0" compatLnSpc="1">
-            <a:prstTxWarp prst="textNoShape">
-              <a:avLst/>
-            </a:prstTxWarp>
-            <a:noAutofit/>
-          </a:bodyPr>
-          <a:lstStyle/>
-          <a:p>
-            <a:pPr algn="ctr"/>
-            <a:endParaRPr lang="ko-KR" altLang="en-US" sz="1350"/>
-          </a:p>
-        </p:txBody>
-      </p:sp>
-      <p:sp>
-        <p:nvSpPr>
-          <p:cNvPr id="66" name="TextBox 65">
-            <a:extLst>
-              <a:ext uri="{FF2B5EF4-FFF2-40B4-BE49-F238E27FC236}">
-                <a16:creationId xmlns:a16="http://schemas.microsoft.com/office/drawing/2014/main" id="{8037D70D-1AA1-4031-B3A9-301F7F7662AC}"/>
-              </a:ext>
-            </a:extLst>
-          </p:cNvPr>
-          <p:cNvSpPr txBox="1"/>
-          <p:nvPr/>
-        </p:nvSpPr>
-        <p:spPr>
-          <a:xfrm>
-            <a:off x="2843868" y="2964283"/>
-            <a:ext cx="1270932" cy="248002"/>
-          </a:xfrm>
-          <a:prstGeom prst="rect">
-            <a:avLst/>
-          </a:prstGeom>
-          <a:noFill/>
-        </p:spPr>
-        <p:txBody>
-          <a:bodyPr wrap="square" rtlCol="0">
-            <a:spAutoFit/>
-          </a:bodyPr>
-          <a:lstStyle/>
-          <a:p>
-            <a:pPr algn="ctr"/>
-            <a:r>
-              <a:rPr lang="en-US" altLang="ko-KR" sz="1350" b="1" dirty="0"/>
+              <a:t>Flux</a:t>
+            </a:r>
+            <a:r>
+              <a:rPr lang="ko-KR" altLang="en-US" sz="1050" b="1" dirty="0"/>
+              <a:t>패턴 의 기본개념</a:t>
+            </a:r>
+            <a:endParaRPr lang="en-US" altLang="ko-KR" sz="1050" b="1" dirty="0"/>
+          </a:p>
+          <a:p>
+            <a:pPr marL="228600" indent="-228600">
+              <a:lnSpc>
+                <a:spcPct val="150000"/>
+              </a:lnSpc>
+              <a:buFont typeface="+mj-lt"/>
+              <a:buAutoNum type="arabicPeriod"/>
+            </a:pPr>
+            <a:endParaRPr lang="en-US" altLang="ko-KR" sz="1050" b="1" dirty="0"/>
+          </a:p>
+          <a:p>
+            <a:pPr marL="685800" lvl="1" indent="-228600">
+              <a:lnSpc>
+                <a:spcPct val="150000"/>
+              </a:lnSpc>
+              <a:buFont typeface="+mj-lt"/>
+              <a:buAutoNum type="arabicParenR"/>
+            </a:pPr>
+            <a:r>
+              <a:rPr lang="en-US" altLang="ko-KR" sz="1050" b="1" dirty="0"/>
               <a:t>Dispatcher</a:t>
             </a:r>
-            <a:endParaRPr lang="ko-KR" altLang="en-US" sz="1350" b="1" dirty="0"/>
-          </a:p>
-        </p:txBody>
-      </p:sp>
-      <p:sp>
-        <p:nvSpPr>
-          <p:cNvPr id="67" name="사각형: 둥근 모서리 66">
-            <a:extLst>
-              <a:ext uri="{FF2B5EF4-FFF2-40B4-BE49-F238E27FC236}">
-                <a16:creationId xmlns:a16="http://schemas.microsoft.com/office/drawing/2014/main" id="{8AF480FF-C498-4CC3-A7CD-A4D3E5655EBF}"/>
-              </a:ext>
-            </a:extLst>
-          </p:cNvPr>
-          <p:cNvSpPr/>
-          <p:nvPr/>
-        </p:nvSpPr>
-        <p:spPr>
-          <a:xfrm>
-            <a:off x="4719855" y="2787659"/>
-            <a:ext cx="1277224" cy="603175"/>
-          </a:xfrm>
-          <a:prstGeom prst="roundRect">
-            <a:avLst/>
-          </a:prstGeom>
-          <a:solidFill>
-            <a:schemeClr val="accent3">
-              <a:lumMod val="50000"/>
-            </a:schemeClr>
-          </a:solidFill>
-          <a:ln>
-            <a:solidFill>
-              <a:schemeClr val="bg1"/>
-            </a:solidFill>
-          </a:ln>
-        </p:spPr>
-        <p:style>
-          <a:lnRef idx="2">
-            <a:schemeClr val="accent1">
-              <a:shade val="50000"/>
-            </a:schemeClr>
-          </a:lnRef>
-          <a:fillRef idx="1">
-            <a:schemeClr val="accent1"/>
-          </a:fillRef>
-          <a:effectRef idx="0">
-            <a:schemeClr val="accent1"/>
-          </a:effectRef>
-          <a:fontRef idx="minor">
-            <a:schemeClr val="lt1"/>
-          </a:fontRef>
-        </p:style>
-        <p:txBody>
-          <a:bodyPr rot="0" spcFirstLastPara="0" vertOverflow="overflow" horzOverflow="overflow" vert="horz" wrap="square" lIns="68580" tIns="34290" rIns="68580" bIns="34290" numCol="1" spcCol="0" rtlCol="0" fromWordArt="0" anchor="ctr" anchorCtr="0" forceAA="0" compatLnSpc="1">
-            <a:prstTxWarp prst="textNoShape">
-              <a:avLst/>
-            </a:prstTxWarp>
-            <a:noAutofit/>
-          </a:bodyPr>
-          <a:lstStyle/>
-          <a:p>
-            <a:pPr algn="ctr"/>
-            <a:endParaRPr lang="ko-KR" altLang="en-US" sz="1350"/>
-          </a:p>
-        </p:txBody>
-      </p:sp>
-      <p:sp>
-        <p:nvSpPr>
-          <p:cNvPr id="68" name="TextBox 67">
-            <a:extLst>
-              <a:ext uri="{FF2B5EF4-FFF2-40B4-BE49-F238E27FC236}">
-                <a16:creationId xmlns:a16="http://schemas.microsoft.com/office/drawing/2014/main" id="{938285D8-03EE-4B2C-A87F-B324AE36DE9D}"/>
-              </a:ext>
-            </a:extLst>
-          </p:cNvPr>
-          <p:cNvSpPr txBox="1"/>
-          <p:nvPr/>
-        </p:nvSpPr>
-        <p:spPr>
-          <a:xfrm>
-            <a:off x="4719856" y="2964283"/>
-            <a:ext cx="1270932" cy="248002"/>
-          </a:xfrm>
-          <a:prstGeom prst="rect">
-            <a:avLst/>
-          </a:prstGeom>
-          <a:noFill/>
-        </p:spPr>
-        <p:txBody>
-          <a:bodyPr wrap="square" rtlCol="0">
-            <a:spAutoFit/>
-          </a:bodyPr>
-          <a:lstStyle/>
-          <a:p>
-            <a:pPr algn="ctr"/>
-            <a:r>
-              <a:rPr lang="en-US" altLang="ko-KR" sz="1350" b="1" dirty="0"/>
+          </a:p>
+          <a:p>
+            <a:pPr marL="1143000" lvl="2" indent="-228600">
+              <a:lnSpc>
+                <a:spcPct val="150000"/>
+              </a:lnSpc>
+              <a:buFont typeface="Arial" panose="020B0604020202020204" pitchFamily="34" charset="0"/>
+              <a:buChar char="•"/>
+            </a:pPr>
+            <a:r>
+              <a:rPr lang="en-US" altLang="ko-KR" sz="1050" b="1" dirty="0"/>
+              <a:t>Dispatcher</a:t>
+            </a:r>
+            <a:r>
+              <a:rPr lang="ko-KR" altLang="en-US" sz="1050" b="1" dirty="0"/>
+              <a:t>는 허브의 역할을 합니다</a:t>
+            </a:r>
+            <a:r>
+              <a:rPr lang="en-US" altLang="ko-KR" sz="1050" b="1" dirty="0"/>
+              <a:t>. Dispatcher</a:t>
+            </a:r>
+            <a:r>
+              <a:rPr lang="ko-KR" altLang="en-US" sz="1050" b="1" dirty="0"/>
+              <a:t>는 작업을 처리하고 </a:t>
+            </a:r>
+            <a:r>
+              <a:rPr lang="en-US" altLang="ko-KR" sz="1050" b="1" dirty="0"/>
+              <a:t>(Ex. State</a:t>
+            </a:r>
+            <a:r>
+              <a:rPr lang="ko-KR" altLang="en-US" sz="1050" b="1" dirty="0"/>
+              <a:t>변경</a:t>
+            </a:r>
+            <a:r>
+              <a:rPr lang="en-US" altLang="ko-KR" sz="1050" b="1" dirty="0"/>
+              <a:t>) store</a:t>
+            </a:r>
+            <a:r>
+              <a:rPr lang="ko-KR" altLang="en-US" sz="1050" b="1" dirty="0"/>
+              <a:t>에 등록된 </a:t>
+            </a:r>
+            <a:r>
+              <a:rPr lang="ko-KR" altLang="en-US" sz="1050" b="1" dirty="0" err="1"/>
+              <a:t>콜백</a:t>
+            </a:r>
+            <a:r>
+              <a:rPr lang="ko-KR" altLang="en-US" sz="1050" b="1" dirty="0"/>
+              <a:t> 함수를 호출합니다</a:t>
+            </a:r>
+            <a:r>
+              <a:rPr lang="en-US" altLang="ko-KR" sz="1050" b="1" dirty="0"/>
+              <a:t>. </a:t>
+            </a:r>
+          </a:p>
+          <a:p>
+            <a:pPr marL="685800" lvl="1" indent="-228600">
+              <a:lnSpc>
+                <a:spcPct val="150000"/>
+              </a:lnSpc>
+              <a:buFont typeface="+mj-lt"/>
+              <a:buAutoNum type="arabicParenR"/>
+            </a:pPr>
+            <a:r>
+              <a:rPr lang="en-US" altLang="ko-KR" sz="1050" b="1" dirty="0"/>
               <a:t>Store</a:t>
             </a:r>
-            <a:endParaRPr lang="ko-KR" altLang="en-US" sz="1350" b="1" dirty="0"/>
-          </a:p>
-        </p:txBody>
-      </p:sp>
-      <p:sp>
-        <p:nvSpPr>
-          <p:cNvPr id="69" name="사각형: 둥근 모서리 68">
-            <a:extLst>
-              <a:ext uri="{FF2B5EF4-FFF2-40B4-BE49-F238E27FC236}">
-                <a16:creationId xmlns:a16="http://schemas.microsoft.com/office/drawing/2014/main" id="{152935DE-9FEE-4AF6-B193-295E57459E1C}"/>
-              </a:ext>
-            </a:extLst>
-          </p:cNvPr>
-          <p:cNvSpPr/>
-          <p:nvPr/>
-        </p:nvSpPr>
-        <p:spPr>
-          <a:xfrm>
-            <a:off x="6595843" y="2787659"/>
-            <a:ext cx="1277224" cy="603175"/>
-          </a:xfrm>
-          <a:prstGeom prst="roundRect">
-            <a:avLst/>
-          </a:prstGeom>
-          <a:solidFill>
-            <a:schemeClr val="accent6"/>
-          </a:solidFill>
-          <a:ln>
-            <a:solidFill>
-              <a:schemeClr val="bg1"/>
-            </a:solidFill>
-          </a:ln>
-        </p:spPr>
-        <p:style>
-          <a:lnRef idx="2">
-            <a:schemeClr val="accent1">
-              <a:shade val="50000"/>
-            </a:schemeClr>
-          </a:lnRef>
-          <a:fillRef idx="1">
-            <a:schemeClr val="accent1"/>
-          </a:fillRef>
-          <a:effectRef idx="0">
-            <a:schemeClr val="accent1"/>
-          </a:effectRef>
-          <a:fontRef idx="minor">
-            <a:schemeClr val="lt1"/>
-          </a:fontRef>
-        </p:style>
-        <p:txBody>
-          <a:bodyPr rot="0" spcFirstLastPara="0" vertOverflow="overflow" horzOverflow="overflow" vert="horz" wrap="square" lIns="68580" tIns="34290" rIns="68580" bIns="34290" numCol="1" spcCol="0" rtlCol="0" fromWordArt="0" anchor="ctr" anchorCtr="0" forceAA="0" compatLnSpc="1">
-            <a:prstTxWarp prst="textNoShape">
-              <a:avLst/>
-            </a:prstTxWarp>
-            <a:noAutofit/>
-          </a:bodyPr>
-          <a:lstStyle/>
-          <a:p>
-            <a:pPr algn="ctr"/>
-            <a:endParaRPr lang="ko-KR" altLang="en-US" sz="1350"/>
-          </a:p>
-        </p:txBody>
-      </p:sp>
-      <p:sp>
-        <p:nvSpPr>
-          <p:cNvPr id="70" name="TextBox 69">
-            <a:extLst>
-              <a:ext uri="{FF2B5EF4-FFF2-40B4-BE49-F238E27FC236}">
-                <a16:creationId xmlns:a16="http://schemas.microsoft.com/office/drawing/2014/main" id="{229AB790-CCAE-4C1D-B33C-4F3BCF421596}"/>
-              </a:ext>
-            </a:extLst>
-          </p:cNvPr>
-          <p:cNvSpPr txBox="1"/>
-          <p:nvPr/>
-        </p:nvSpPr>
-        <p:spPr>
-          <a:xfrm>
-            <a:off x="6595844" y="2964283"/>
-            <a:ext cx="1270932" cy="248002"/>
-          </a:xfrm>
-          <a:prstGeom prst="rect">
-            <a:avLst/>
-          </a:prstGeom>
-          <a:noFill/>
-        </p:spPr>
-        <p:txBody>
-          <a:bodyPr wrap="square" rtlCol="0">
-            <a:spAutoFit/>
-          </a:bodyPr>
-          <a:lstStyle/>
-          <a:p>
-            <a:pPr algn="ctr"/>
-            <a:r>
-              <a:rPr lang="en-US" altLang="ko-KR" sz="1350" b="1" dirty="0"/>
+          </a:p>
+          <a:p>
+            <a:pPr marL="1143000" lvl="2" indent="-228600">
+              <a:lnSpc>
+                <a:spcPct val="150000"/>
+              </a:lnSpc>
+              <a:buFont typeface="Arial" panose="020B0604020202020204" pitchFamily="34" charset="0"/>
+              <a:buChar char="•"/>
+            </a:pPr>
+            <a:r>
+              <a:rPr lang="ko-KR" altLang="en-US" sz="1050" b="1" dirty="0"/>
+              <a:t>어플리케이션의 </a:t>
+            </a:r>
+            <a:r>
+              <a:rPr lang="en-US" altLang="ko-KR" sz="1050" b="1" dirty="0"/>
+              <a:t>state</a:t>
+            </a:r>
+            <a:r>
+              <a:rPr lang="ko-KR" altLang="en-US" sz="1050" b="1" dirty="0"/>
+              <a:t>와 로직이 들어있습니다</a:t>
+            </a:r>
+            <a:r>
+              <a:rPr lang="en-US" altLang="ko-KR" sz="1050" b="1" dirty="0"/>
+              <a:t>. Store</a:t>
+            </a:r>
+            <a:r>
+              <a:rPr lang="ko-KR" altLang="en-US" sz="1050" b="1" dirty="0"/>
+              <a:t>가 어플리케이션 특정 도메인을 관리 한다고 생각하시면 됩니다</a:t>
+            </a:r>
+            <a:r>
+              <a:rPr lang="en-US" altLang="ko-KR" sz="1050" b="1" dirty="0"/>
+              <a:t>.</a:t>
+            </a:r>
+          </a:p>
+          <a:p>
+            <a:pPr marL="685800" lvl="1" indent="-228600">
+              <a:lnSpc>
+                <a:spcPct val="150000"/>
+              </a:lnSpc>
+              <a:buFont typeface="+mj-lt"/>
+              <a:buAutoNum type="arabicParenR"/>
+            </a:pPr>
+            <a:r>
+              <a:rPr lang="en-US" altLang="ko-KR" sz="1050" b="1" dirty="0"/>
               <a:t>View</a:t>
             </a:r>
-            <a:endParaRPr lang="ko-KR" altLang="en-US" sz="1350" b="1" dirty="0"/>
-          </a:p>
-        </p:txBody>
-      </p:sp>
-      <p:sp>
-        <p:nvSpPr>
-          <p:cNvPr id="71" name="사각형: 둥근 모서리 70">
-            <a:extLst>
-              <a:ext uri="{FF2B5EF4-FFF2-40B4-BE49-F238E27FC236}">
-                <a16:creationId xmlns:a16="http://schemas.microsoft.com/office/drawing/2014/main" id="{143CA9BA-A1BE-4223-A423-EB40E83B124F}"/>
-              </a:ext>
-            </a:extLst>
-          </p:cNvPr>
-          <p:cNvSpPr/>
-          <p:nvPr/>
-        </p:nvSpPr>
-        <p:spPr>
-          <a:xfrm>
-            <a:off x="967880" y="2787659"/>
-            <a:ext cx="1277224" cy="603175"/>
-          </a:xfrm>
-          <a:prstGeom prst="roundRect">
-            <a:avLst/>
-          </a:prstGeom>
-          <a:solidFill>
-            <a:schemeClr val="accent5">
-              <a:lumMod val="60000"/>
-              <a:lumOff val="40000"/>
-            </a:schemeClr>
-          </a:solidFill>
-          <a:ln>
-            <a:solidFill>
-              <a:schemeClr val="bg1"/>
-            </a:solidFill>
-          </a:ln>
-        </p:spPr>
-        <p:style>
-          <a:lnRef idx="2">
-            <a:schemeClr val="accent1">
-              <a:shade val="50000"/>
-            </a:schemeClr>
-          </a:lnRef>
-          <a:fillRef idx="1">
-            <a:schemeClr val="accent1"/>
-          </a:fillRef>
-          <a:effectRef idx="0">
-            <a:schemeClr val="accent1"/>
-          </a:effectRef>
-          <a:fontRef idx="minor">
-            <a:schemeClr val="lt1"/>
-          </a:fontRef>
-        </p:style>
-        <p:txBody>
-          <a:bodyPr rot="0" spcFirstLastPara="0" vertOverflow="overflow" horzOverflow="overflow" vert="horz" wrap="square" lIns="68580" tIns="34290" rIns="68580" bIns="34290" numCol="1" spcCol="0" rtlCol="0" fromWordArt="0" anchor="ctr" anchorCtr="0" forceAA="0" compatLnSpc="1">
-            <a:prstTxWarp prst="textNoShape">
-              <a:avLst/>
-            </a:prstTxWarp>
-            <a:noAutofit/>
-          </a:bodyPr>
-          <a:lstStyle/>
-          <a:p>
-            <a:pPr algn="ctr"/>
-            <a:endParaRPr lang="ko-KR" altLang="en-US" sz="1350"/>
-          </a:p>
-        </p:txBody>
-      </p:sp>
-      <p:sp>
-        <p:nvSpPr>
-          <p:cNvPr id="83" name="TextBox 82">
-            <a:extLst>
-              <a:ext uri="{FF2B5EF4-FFF2-40B4-BE49-F238E27FC236}">
-                <a16:creationId xmlns:a16="http://schemas.microsoft.com/office/drawing/2014/main" id="{1A5B98DC-1912-4C2D-8DB1-5321926E1D98}"/>
-              </a:ext>
-            </a:extLst>
-          </p:cNvPr>
-          <p:cNvSpPr txBox="1"/>
-          <p:nvPr/>
-        </p:nvSpPr>
-        <p:spPr>
-          <a:xfrm>
-            <a:off x="967880" y="2964283"/>
-            <a:ext cx="1270932" cy="248002"/>
-          </a:xfrm>
-          <a:prstGeom prst="rect">
-            <a:avLst/>
-          </a:prstGeom>
-          <a:noFill/>
-        </p:spPr>
-        <p:txBody>
-          <a:bodyPr wrap="square" rtlCol="0">
-            <a:spAutoFit/>
-          </a:bodyPr>
-          <a:lstStyle/>
-          <a:p>
-            <a:pPr algn="ctr"/>
-            <a:r>
-              <a:rPr lang="en-US" altLang="ko-KR" sz="1350" b="1" dirty="0"/>
+          </a:p>
+          <a:p>
+            <a:pPr marL="1143000" lvl="2" indent="-228600">
+              <a:lnSpc>
+                <a:spcPct val="150000"/>
+              </a:lnSpc>
+              <a:buFont typeface="Arial" panose="020B0604020202020204" pitchFamily="34" charset="0"/>
+              <a:buChar char="•"/>
+            </a:pPr>
+            <a:r>
+              <a:rPr lang="en-US" altLang="ko-KR" sz="1050" b="1" dirty="0"/>
+              <a:t>Flux</a:t>
+            </a:r>
+            <a:r>
+              <a:rPr lang="ko-KR" altLang="en-US" sz="1050" b="1" dirty="0"/>
+              <a:t>의 </a:t>
+            </a:r>
+            <a:r>
+              <a:rPr lang="en-US" altLang="ko-KR" sz="1050" b="1" dirty="0"/>
+              <a:t>View</a:t>
+            </a:r>
+            <a:r>
+              <a:rPr lang="ko-KR" altLang="en-US" sz="1050" b="1" dirty="0"/>
+              <a:t>는 화면에 나타내는 것 뿐만 아니라</a:t>
+            </a:r>
+            <a:r>
+              <a:rPr lang="en-US" altLang="ko-KR" sz="1050" b="1" dirty="0"/>
+              <a:t>, controller-view</a:t>
+            </a:r>
+            <a:r>
+              <a:rPr lang="ko-KR" altLang="en-US" sz="1050" b="1" dirty="0"/>
+              <a:t>이며</a:t>
+            </a:r>
+            <a:r>
+              <a:rPr lang="en-US" altLang="ko-KR" sz="1050" b="1" dirty="0"/>
+              <a:t> store</a:t>
+            </a:r>
+            <a:r>
+              <a:rPr lang="ko-KR" altLang="en-US" sz="1050" b="1" dirty="0"/>
+              <a:t>가 변경사항을 말해 주면 해당 부분을 다시 </a:t>
+            </a:r>
+            <a:r>
+              <a:rPr lang="ko-KR" altLang="en-US" sz="1050" b="1" dirty="0" err="1"/>
+              <a:t>랜더링</a:t>
+            </a:r>
+            <a:r>
+              <a:rPr lang="ko-KR" altLang="en-US" sz="1050" b="1" dirty="0"/>
+              <a:t> 합니다</a:t>
+            </a:r>
+            <a:r>
+              <a:rPr lang="en-US" altLang="ko-KR" sz="1050" b="1" dirty="0"/>
+              <a:t>.</a:t>
+            </a:r>
+          </a:p>
+          <a:p>
+            <a:pPr marL="685800" lvl="1" indent="-228600">
+              <a:lnSpc>
+                <a:spcPct val="150000"/>
+              </a:lnSpc>
+              <a:buFont typeface="+mj-lt"/>
+              <a:buAutoNum type="arabicParenR"/>
+            </a:pPr>
+            <a:r>
+              <a:rPr lang="en-US" altLang="ko-KR" sz="1050" b="1" dirty="0"/>
               <a:t>Action</a:t>
             </a:r>
-            <a:endParaRPr lang="ko-KR" altLang="en-US" sz="1350" b="1" dirty="0"/>
-          </a:p>
-        </p:txBody>
-      </p:sp>
-      <p:cxnSp>
-        <p:nvCxnSpPr>
-          <p:cNvPr id="84" name="직선 화살표 연결선 83">
-            <a:extLst>
-              <a:ext uri="{FF2B5EF4-FFF2-40B4-BE49-F238E27FC236}">
-                <a16:creationId xmlns:a16="http://schemas.microsoft.com/office/drawing/2014/main" id="{47488903-4A1C-4084-A61D-FB1634E406A1}"/>
-              </a:ext>
-            </a:extLst>
-          </p:cNvPr>
-          <p:cNvCxnSpPr>
-            <a:stCxn id="71" idx="3"/>
-            <a:endCxn id="65" idx="1"/>
-          </p:cNvCxnSpPr>
-          <p:nvPr/>
-        </p:nvCxnSpPr>
-        <p:spPr>
-          <a:xfrm>
-            <a:off x="2245104" y="3089247"/>
-            <a:ext cx="598764" cy="0"/>
-          </a:xfrm>
-          <a:prstGeom prst="straightConnector1">
-            <a:avLst/>
-          </a:prstGeom>
-          <a:ln>
-            <a:solidFill>
-              <a:schemeClr val="accent4"/>
-            </a:solidFill>
-            <a:tailEnd type="triangle"/>
-          </a:ln>
-        </p:spPr>
-        <p:style>
-          <a:lnRef idx="1">
-            <a:schemeClr val="accent1"/>
-          </a:lnRef>
-          <a:fillRef idx="0">
-            <a:schemeClr val="accent1"/>
-          </a:fillRef>
-          <a:effectRef idx="0">
-            <a:schemeClr val="accent1"/>
-          </a:effectRef>
-          <a:fontRef idx="minor">
-            <a:schemeClr val="tx1"/>
-          </a:fontRef>
-        </p:style>
-      </p:cxnSp>
-      <p:cxnSp>
-        <p:nvCxnSpPr>
-          <p:cNvPr id="85" name="직선 화살표 연결선 84">
-            <a:extLst>
-              <a:ext uri="{FF2B5EF4-FFF2-40B4-BE49-F238E27FC236}">
-                <a16:creationId xmlns:a16="http://schemas.microsoft.com/office/drawing/2014/main" id="{2F9362F7-7B2C-40D4-979A-8DAAFB7D0372}"/>
-              </a:ext>
-            </a:extLst>
-          </p:cNvPr>
-          <p:cNvCxnSpPr>
-            <a:stCxn id="65" idx="3"/>
-            <a:endCxn id="67" idx="1"/>
-          </p:cNvCxnSpPr>
-          <p:nvPr/>
-        </p:nvCxnSpPr>
-        <p:spPr>
-          <a:xfrm>
-            <a:off x="4121092" y="3089247"/>
-            <a:ext cx="598763" cy="0"/>
-          </a:xfrm>
-          <a:prstGeom prst="straightConnector1">
-            <a:avLst/>
-          </a:prstGeom>
-          <a:ln>
-            <a:solidFill>
-              <a:schemeClr val="accent4"/>
-            </a:solidFill>
-            <a:tailEnd type="triangle"/>
-          </a:ln>
-        </p:spPr>
-        <p:style>
-          <a:lnRef idx="1">
-            <a:schemeClr val="accent1"/>
-          </a:lnRef>
-          <a:fillRef idx="0">
-            <a:schemeClr val="accent1"/>
-          </a:fillRef>
-          <a:effectRef idx="0">
-            <a:schemeClr val="accent1"/>
-          </a:effectRef>
-          <a:fontRef idx="minor">
-            <a:schemeClr val="tx1"/>
-          </a:fontRef>
-        </p:style>
-      </p:cxnSp>
-      <p:cxnSp>
-        <p:nvCxnSpPr>
-          <p:cNvPr id="86" name="직선 화살표 연결선 85">
-            <a:extLst>
-              <a:ext uri="{FF2B5EF4-FFF2-40B4-BE49-F238E27FC236}">
-                <a16:creationId xmlns:a16="http://schemas.microsoft.com/office/drawing/2014/main" id="{F99AAD53-CAC9-4D6A-96AE-A392577D765F}"/>
-              </a:ext>
-            </a:extLst>
-          </p:cNvPr>
-          <p:cNvCxnSpPr>
-            <a:stCxn id="67" idx="3"/>
-            <a:endCxn id="69" idx="1"/>
-          </p:cNvCxnSpPr>
-          <p:nvPr/>
-        </p:nvCxnSpPr>
-        <p:spPr>
-          <a:xfrm>
-            <a:off x="5997079" y="3089247"/>
-            <a:ext cx="598764" cy="0"/>
-          </a:xfrm>
-          <a:prstGeom prst="straightConnector1">
-            <a:avLst/>
-          </a:prstGeom>
-          <a:ln>
-            <a:solidFill>
-              <a:schemeClr val="accent4"/>
-            </a:solidFill>
-            <a:tailEnd type="triangle"/>
-          </a:ln>
-        </p:spPr>
-        <p:style>
-          <a:lnRef idx="1">
-            <a:schemeClr val="accent1"/>
-          </a:lnRef>
-          <a:fillRef idx="0">
-            <a:schemeClr val="accent1"/>
-          </a:fillRef>
-          <a:effectRef idx="0">
-            <a:schemeClr val="accent1"/>
-          </a:effectRef>
-          <a:fontRef idx="minor">
-            <a:schemeClr val="tx1"/>
-          </a:fontRef>
-        </p:style>
-      </p:cxnSp>
-      <p:sp>
-        <p:nvSpPr>
-          <p:cNvPr id="87" name="사각형: 둥근 모서리 86">
-            <a:extLst>
-              <a:ext uri="{FF2B5EF4-FFF2-40B4-BE49-F238E27FC236}">
-                <a16:creationId xmlns:a16="http://schemas.microsoft.com/office/drawing/2014/main" id="{781389EA-6519-4EEB-A117-0B83F5DE5619}"/>
-              </a:ext>
-            </a:extLst>
-          </p:cNvPr>
-          <p:cNvSpPr/>
-          <p:nvPr/>
-        </p:nvSpPr>
-        <p:spPr>
-          <a:xfrm>
-            <a:off x="2843868" y="5270803"/>
-            <a:ext cx="1277224" cy="603175"/>
-          </a:xfrm>
-          <a:prstGeom prst="roundRect">
-            <a:avLst/>
-          </a:prstGeom>
-          <a:solidFill>
-            <a:schemeClr val="accent2">
-              <a:lumMod val="60000"/>
-              <a:lumOff val="40000"/>
-            </a:schemeClr>
-          </a:solidFill>
-          <a:ln>
-            <a:solidFill>
-              <a:schemeClr val="bg1"/>
-            </a:solidFill>
-          </a:ln>
-        </p:spPr>
-        <p:style>
-          <a:lnRef idx="2">
-            <a:schemeClr val="accent1">
-              <a:shade val="50000"/>
-            </a:schemeClr>
-          </a:lnRef>
-          <a:fillRef idx="1">
-            <a:schemeClr val="accent1"/>
-          </a:fillRef>
-          <a:effectRef idx="0">
-            <a:schemeClr val="accent1"/>
-          </a:effectRef>
-          <a:fontRef idx="minor">
-            <a:schemeClr val="lt1"/>
-          </a:fontRef>
-        </p:style>
-        <p:txBody>
-          <a:bodyPr rot="0" spcFirstLastPara="0" vertOverflow="overflow" horzOverflow="overflow" vert="horz" wrap="square" lIns="68580" tIns="34290" rIns="68580" bIns="34290" numCol="1" spcCol="0" rtlCol="0" fromWordArt="0" anchor="ctr" anchorCtr="0" forceAA="0" compatLnSpc="1">
-            <a:prstTxWarp prst="textNoShape">
-              <a:avLst/>
-            </a:prstTxWarp>
-            <a:noAutofit/>
-          </a:bodyPr>
-          <a:lstStyle/>
-          <a:p>
-            <a:pPr algn="ctr"/>
-            <a:endParaRPr lang="ko-KR" altLang="en-US" sz="1350"/>
-          </a:p>
-        </p:txBody>
-      </p:sp>
-      <p:sp>
-        <p:nvSpPr>
-          <p:cNvPr id="88" name="TextBox 87">
-            <a:extLst>
-              <a:ext uri="{FF2B5EF4-FFF2-40B4-BE49-F238E27FC236}">
-                <a16:creationId xmlns:a16="http://schemas.microsoft.com/office/drawing/2014/main" id="{4EEFE1C3-F7E9-4AC2-A22B-55EB7BB6E84B}"/>
-              </a:ext>
-            </a:extLst>
-          </p:cNvPr>
-          <p:cNvSpPr txBox="1"/>
-          <p:nvPr/>
-        </p:nvSpPr>
-        <p:spPr>
-          <a:xfrm>
-            <a:off x="2843868" y="5447427"/>
-            <a:ext cx="1270932" cy="248002"/>
-          </a:xfrm>
-          <a:prstGeom prst="rect">
-            <a:avLst/>
-          </a:prstGeom>
-          <a:noFill/>
-        </p:spPr>
-        <p:txBody>
-          <a:bodyPr wrap="square" rtlCol="0">
-            <a:spAutoFit/>
-          </a:bodyPr>
-          <a:lstStyle/>
-          <a:p>
-            <a:pPr algn="ctr"/>
-            <a:r>
-              <a:rPr lang="en-US" altLang="ko-KR" sz="1350" b="1" dirty="0"/>
-              <a:t>Dispatcher</a:t>
-            </a:r>
-            <a:endParaRPr lang="ko-KR" altLang="en-US" sz="1350" b="1" dirty="0"/>
-          </a:p>
-        </p:txBody>
-      </p:sp>
-      <p:sp>
-        <p:nvSpPr>
-          <p:cNvPr id="89" name="사각형: 둥근 모서리 88">
-            <a:extLst>
-              <a:ext uri="{FF2B5EF4-FFF2-40B4-BE49-F238E27FC236}">
-                <a16:creationId xmlns:a16="http://schemas.microsoft.com/office/drawing/2014/main" id="{126BA733-05BE-463C-A4C5-10DDF8D032B2}"/>
-              </a:ext>
-            </a:extLst>
-          </p:cNvPr>
-          <p:cNvSpPr/>
-          <p:nvPr/>
-        </p:nvSpPr>
-        <p:spPr>
-          <a:xfrm>
-            <a:off x="4719855" y="5270803"/>
-            <a:ext cx="1277224" cy="603175"/>
-          </a:xfrm>
-          <a:prstGeom prst="roundRect">
-            <a:avLst/>
-          </a:prstGeom>
-          <a:solidFill>
-            <a:schemeClr val="accent3">
-              <a:lumMod val="50000"/>
-            </a:schemeClr>
-          </a:solidFill>
-          <a:ln>
-            <a:solidFill>
-              <a:schemeClr val="bg1"/>
-            </a:solidFill>
-          </a:ln>
-        </p:spPr>
-        <p:style>
-          <a:lnRef idx="2">
-            <a:schemeClr val="accent1">
-              <a:shade val="50000"/>
-            </a:schemeClr>
-          </a:lnRef>
-          <a:fillRef idx="1">
-            <a:schemeClr val="accent1"/>
-          </a:fillRef>
-          <a:effectRef idx="0">
-            <a:schemeClr val="accent1"/>
-          </a:effectRef>
-          <a:fontRef idx="minor">
-            <a:schemeClr val="lt1"/>
-          </a:fontRef>
-        </p:style>
-        <p:txBody>
-          <a:bodyPr rot="0" spcFirstLastPara="0" vertOverflow="overflow" horzOverflow="overflow" vert="horz" wrap="square" lIns="68580" tIns="34290" rIns="68580" bIns="34290" numCol="1" spcCol="0" rtlCol="0" fromWordArt="0" anchor="ctr" anchorCtr="0" forceAA="0" compatLnSpc="1">
-            <a:prstTxWarp prst="textNoShape">
-              <a:avLst/>
-            </a:prstTxWarp>
-            <a:noAutofit/>
-          </a:bodyPr>
-          <a:lstStyle/>
-          <a:p>
-            <a:pPr algn="ctr"/>
-            <a:endParaRPr lang="ko-KR" altLang="en-US" sz="1350"/>
-          </a:p>
-        </p:txBody>
-      </p:sp>
-      <p:sp>
-        <p:nvSpPr>
-          <p:cNvPr id="90" name="TextBox 89">
-            <a:extLst>
-              <a:ext uri="{FF2B5EF4-FFF2-40B4-BE49-F238E27FC236}">
-                <a16:creationId xmlns:a16="http://schemas.microsoft.com/office/drawing/2014/main" id="{2623B9FA-0841-4A0E-A6A9-2B7D37426F98}"/>
-              </a:ext>
-            </a:extLst>
-          </p:cNvPr>
-          <p:cNvSpPr txBox="1"/>
-          <p:nvPr/>
-        </p:nvSpPr>
-        <p:spPr>
-          <a:xfrm>
-            <a:off x="4719856" y="5447427"/>
-            <a:ext cx="1270932" cy="248002"/>
-          </a:xfrm>
-          <a:prstGeom prst="rect">
-            <a:avLst/>
-          </a:prstGeom>
-          <a:noFill/>
-        </p:spPr>
-        <p:txBody>
-          <a:bodyPr wrap="square" rtlCol="0">
-            <a:spAutoFit/>
-          </a:bodyPr>
-          <a:lstStyle/>
-          <a:p>
-            <a:pPr algn="ctr"/>
-            <a:r>
-              <a:rPr lang="en-US" altLang="ko-KR" sz="1350" b="1" dirty="0"/>
-              <a:t>Store</a:t>
-            </a:r>
-            <a:endParaRPr lang="ko-KR" altLang="en-US" sz="1350" b="1" dirty="0"/>
-          </a:p>
-        </p:txBody>
-      </p:sp>
-      <p:sp>
-        <p:nvSpPr>
-          <p:cNvPr id="91" name="사각형: 둥근 모서리 90">
-            <a:extLst>
-              <a:ext uri="{FF2B5EF4-FFF2-40B4-BE49-F238E27FC236}">
-                <a16:creationId xmlns:a16="http://schemas.microsoft.com/office/drawing/2014/main" id="{A74AF6BA-F879-4CEF-9B7D-E5A36088DF50}"/>
-              </a:ext>
-            </a:extLst>
-          </p:cNvPr>
-          <p:cNvSpPr/>
-          <p:nvPr/>
-        </p:nvSpPr>
-        <p:spPr>
-          <a:xfrm>
-            <a:off x="6595843" y="5270803"/>
-            <a:ext cx="1277224" cy="603175"/>
-          </a:xfrm>
-          <a:prstGeom prst="roundRect">
-            <a:avLst/>
-          </a:prstGeom>
-          <a:solidFill>
-            <a:schemeClr val="accent6"/>
-          </a:solidFill>
-          <a:ln>
-            <a:solidFill>
-              <a:schemeClr val="bg1"/>
-            </a:solidFill>
-          </a:ln>
-        </p:spPr>
-        <p:style>
-          <a:lnRef idx="2">
-            <a:schemeClr val="accent1">
-              <a:shade val="50000"/>
-            </a:schemeClr>
-          </a:lnRef>
-          <a:fillRef idx="1">
-            <a:schemeClr val="accent1"/>
-          </a:fillRef>
-          <a:effectRef idx="0">
-            <a:schemeClr val="accent1"/>
-          </a:effectRef>
-          <a:fontRef idx="minor">
-            <a:schemeClr val="lt1"/>
-          </a:fontRef>
-        </p:style>
-        <p:txBody>
-          <a:bodyPr rot="0" spcFirstLastPara="0" vertOverflow="overflow" horzOverflow="overflow" vert="horz" wrap="square" lIns="68580" tIns="34290" rIns="68580" bIns="34290" numCol="1" spcCol="0" rtlCol="0" fromWordArt="0" anchor="ctr" anchorCtr="0" forceAA="0" compatLnSpc="1">
-            <a:prstTxWarp prst="textNoShape">
-              <a:avLst/>
-            </a:prstTxWarp>
-            <a:noAutofit/>
-          </a:bodyPr>
-          <a:lstStyle/>
-          <a:p>
-            <a:pPr algn="ctr"/>
-            <a:endParaRPr lang="ko-KR" altLang="en-US" sz="1350"/>
-          </a:p>
-        </p:txBody>
-      </p:sp>
-      <p:sp>
-        <p:nvSpPr>
-          <p:cNvPr id="92" name="TextBox 91">
-            <a:extLst>
-              <a:ext uri="{FF2B5EF4-FFF2-40B4-BE49-F238E27FC236}">
-                <a16:creationId xmlns:a16="http://schemas.microsoft.com/office/drawing/2014/main" id="{A4D827F8-9C96-4BC3-B65D-00BC9BD2F070}"/>
-              </a:ext>
-            </a:extLst>
-          </p:cNvPr>
-          <p:cNvSpPr txBox="1"/>
-          <p:nvPr/>
-        </p:nvSpPr>
-        <p:spPr>
-          <a:xfrm>
-            <a:off x="6595844" y="5447427"/>
-            <a:ext cx="1270932" cy="248002"/>
-          </a:xfrm>
-          <a:prstGeom prst="rect">
-            <a:avLst/>
-          </a:prstGeom>
-          <a:noFill/>
-        </p:spPr>
-        <p:txBody>
-          <a:bodyPr wrap="square" rtlCol="0">
-            <a:spAutoFit/>
-          </a:bodyPr>
-          <a:lstStyle/>
-          <a:p>
-            <a:pPr algn="ctr"/>
-            <a:r>
-              <a:rPr lang="en-US" altLang="ko-KR" sz="1350" b="1" dirty="0"/>
-              <a:t>View</a:t>
-            </a:r>
-            <a:endParaRPr lang="ko-KR" altLang="en-US" sz="1350" b="1" dirty="0"/>
-          </a:p>
-        </p:txBody>
-      </p:sp>
-      <p:sp>
-        <p:nvSpPr>
-          <p:cNvPr id="93" name="사각형: 둥근 모서리 92">
-            <a:extLst>
-              <a:ext uri="{FF2B5EF4-FFF2-40B4-BE49-F238E27FC236}">
-                <a16:creationId xmlns:a16="http://schemas.microsoft.com/office/drawing/2014/main" id="{3073F6BE-C4F2-4ADD-94E6-1AEBDEB3B65E}"/>
-              </a:ext>
-            </a:extLst>
-          </p:cNvPr>
-          <p:cNvSpPr/>
-          <p:nvPr/>
-        </p:nvSpPr>
-        <p:spPr>
-          <a:xfrm>
-            <a:off x="967880" y="5270803"/>
-            <a:ext cx="1277224" cy="603175"/>
-          </a:xfrm>
-          <a:prstGeom prst="roundRect">
-            <a:avLst/>
-          </a:prstGeom>
-          <a:solidFill>
-            <a:schemeClr val="accent5">
-              <a:lumMod val="60000"/>
-              <a:lumOff val="40000"/>
-            </a:schemeClr>
-          </a:solidFill>
-          <a:ln>
-            <a:solidFill>
-              <a:schemeClr val="bg1"/>
-            </a:solidFill>
-          </a:ln>
-        </p:spPr>
-        <p:style>
-          <a:lnRef idx="2">
-            <a:schemeClr val="accent1">
-              <a:shade val="50000"/>
-            </a:schemeClr>
-          </a:lnRef>
-          <a:fillRef idx="1">
-            <a:schemeClr val="accent1"/>
-          </a:fillRef>
-          <a:effectRef idx="0">
-            <a:schemeClr val="accent1"/>
-          </a:effectRef>
-          <a:fontRef idx="minor">
-            <a:schemeClr val="lt1"/>
-          </a:fontRef>
-        </p:style>
-        <p:txBody>
-          <a:bodyPr rot="0" spcFirstLastPara="0" vertOverflow="overflow" horzOverflow="overflow" vert="horz" wrap="square" lIns="68580" tIns="34290" rIns="68580" bIns="34290" numCol="1" spcCol="0" rtlCol="0" fromWordArt="0" anchor="ctr" anchorCtr="0" forceAA="0" compatLnSpc="1">
-            <a:prstTxWarp prst="textNoShape">
-              <a:avLst/>
-            </a:prstTxWarp>
-            <a:noAutofit/>
-          </a:bodyPr>
-          <a:lstStyle/>
-          <a:p>
-            <a:pPr algn="ctr"/>
-            <a:endParaRPr lang="ko-KR" altLang="en-US" sz="1350"/>
-          </a:p>
-        </p:txBody>
-      </p:sp>
-      <p:sp>
-        <p:nvSpPr>
-          <p:cNvPr id="94" name="TextBox 93">
-            <a:extLst>
-              <a:ext uri="{FF2B5EF4-FFF2-40B4-BE49-F238E27FC236}">
-                <a16:creationId xmlns:a16="http://schemas.microsoft.com/office/drawing/2014/main" id="{3E955303-B5A1-4A49-8025-D43F20F24412}"/>
-              </a:ext>
-            </a:extLst>
-          </p:cNvPr>
-          <p:cNvSpPr txBox="1"/>
-          <p:nvPr/>
-        </p:nvSpPr>
-        <p:spPr>
-          <a:xfrm>
-            <a:off x="967880" y="5447427"/>
-            <a:ext cx="1270932" cy="248002"/>
-          </a:xfrm>
-          <a:prstGeom prst="rect">
-            <a:avLst/>
-          </a:prstGeom>
-          <a:noFill/>
-        </p:spPr>
-        <p:txBody>
-          <a:bodyPr wrap="square" rtlCol="0">
-            <a:spAutoFit/>
-          </a:bodyPr>
-          <a:lstStyle/>
-          <a:p>
-            <a:pPr algn="ctr"/>
-            <a:r>
-              <a:rPr lang="en-US" altLang="ko-KR" sz="1350" b="1" dirty="0"/>
+          </a:p>
+          <a:p>
+            <a:pPr marL="1143000" lvl="2" indent="-228600">
+              <a:lnSpc>
+                <a:spcPct val="150000"/>
+              </a:lnSpc>
+              <a:buFont typeface="Arial" panose="020B0604020202020204" pitchFamily="34" charset="0"/>
+              <a:buChar char="•"/>
+            </a:pPr>
+            <a:r>
+              <a:rPr lang="en-US" altLang="ko-KR" sz="1050" b="1" dirty="0"/>
               <a:t>Action</a:t>
             </a:r>
-            <a:endParaRPr lang="ko-KR" altLang="en-US" sz="1350" b="1" dirty="0"/>
-          </a:p>
-        </p:txBody>
-      </p:sp>
-      <p:cxnSp>
-        <p:nvCxnSpPr>
-          <p:cNvPr id="95" name="직선 화살표 연결선 94">
-            <a:extLst>
-              <a:ext uri="{FF2B5EF4-FFF2-40B4-BE49-F238E27FC236}">
-                <a16:creationId xmlns:a16="http://schemas.microsoft.com/office/drawing/2014/main" id="{FADDDA1A-F224-4566-B4D1-84C901297598}"/>
-              </a:ext>
-            </a:extLst>
-          </p:cNvPr>
-          <p:cNvCxnSpPr>
-            <a:stCxn id="93" idx="3"/>
-            <a:endCxn id="87" idx="1"/>
-          </p:cNvCxnSpPr>
-          <p:nvPr/>
-        </p:nvCxnSpPr>
-        <p:spPr>
-          <a:xfrm>
-            <a:off x="2245104" y="5572391"/>
-            <a:ext cx="598764" cy="0"/>
-          </a:xfrm>
-          <a:prstGeom prst="straightConnector1">
-            <a:avLst/>
-          </a:prstGeom>
-          <a:ln>
-            <a:solidFill>
-              <a:schemeClr val="accent4"/>
-            </a:solidFill>
-            <a:tailEnd type="triangle"/>
-          </a:ln>
-        </p:spPr>
-        <p:style>
-          <a:lnRef idx="1">
-            <a:schemeClr val="accent1"/>
-          </a:lnRef>
-          <a:fillRef idx="0">
-            <a:schemeClr val="accent1"/>
-          </a:fillRef>
-          <a:effectRef idx="0">
-            <a:schemeClr val="accent1"/>
-          </a:effectRef>
-          <a:fontRef idx="minor">
-            <a:schemeClr val="tx1"/>
-          </a:fontRef>
-        </p:style>
-      </p:cxnSp>
-      <p:cxnSp>
-        <p:nvCxnSpPr>
-          <p:cNvPr id="96" name="직선 화살표 연결선 95">
-            <a:extLst>
-              <a:ext uri="{FF2B5EF4-FFF2-40B4-BE49-F238E27FC236}">
-                <a16:creationId xmlns:a16="http://schemas.microsoft.com/office/drawing/2014/main" id="{9113D031-2336-40A3-BBDE-645A7E7487DE}"/>
-              </a:ext>
-            </a:extLst>
-          </p:cNvPr>
-          <p:cNvCxnSpPr>
-            <a:stCxn id="87" idx="3"/>
-            <a:endCxn id="89" idx="1"/>
-          </p:cNvCxnSpPr>
-          <p:nvPr/>
-        </p:nvCxnSpPr>
-        <p:spPr>
-          <a:xfrm>
-            <a:off x="4121092" y="5572391"/>
-            <a:ext cx="598763" cy="0"/>
-          </a:xfrm>
-          <a:prstGeom prst="straightConnector1">
-            <a:avLst/>
-          </a:prstGeom>
-          <a:ln>
-            <a:solidFill>
-              <a:schemeClr val="accent4"/>
-            </a:solidFill>
-            <a:tailEnd type="triangle"/>
-          </a:ln>
-        </p:spPr>
-        <p:style>
-          <a:lnRef idx="1">
-            <a:schemeClr val="accent1"/>
-          </a:lnRef>
-          <a:fillRef idx="0">
-            <a:schemeClr val="accent1"/>
-          </a:fillRef>
-          <a:effectRef idx="0">
-            <a:schemeClr val="accent1"/>
-          </a:effectRef>
-          <a:fontRef idx="minor">
-            <a:schemeClr val="tx1"/>
-          </a:fontRef>
-        </p:style>
-      </p:cxnSp>
-      <p:cxnSp>
-        <p:nvCxnSpPr>
-          <p:cNvPr id="97" name="직선 화살표 연결선 96">
-            <a:extLst>
-              <a:ext uri="{FF2B5EF4-FFF2-40B4-BE49-F238E27FC236}">
-                <a16:creationId xmlns:a16="http://schemas.microsoft.com/office/drawing/2014/main" id="{DD0A7109-6685-46D9-92F3-E96E27E73C7F}"/>
-              </a:ext>
-            </a:extLst>
-          </p:cNvPr>
-          <p:cNvCxnSpPr>
-            <a:stCxn id="89" idx="3"/>
-            <a:endCxn id="91" idx="1"/>
-          </p:cNvCxnSpPr>
-          <p:nvPr/>
-        </p:nvCxnSpPr>
-        <p:spPr>
-          <a:xfrm>
-            <a:off x="5997079" y="5572391"/>
-            <a:ext cx="598764" cy="0"/>
-          </a:xfrm>
-          <a:prstGeom prst="straightConnector1">
-            <a:avLst/>
-          </a:prstGeom>
-          <a:ln>
-            <a:solidFill>
-              <a:schemeClr val="accent4"/>
-            </a:solidFill>
-            <a:tailEnd type="triangle"/>
-          </a:ln>
-        </p:spPr>
-        <p:style>
-          <a:lnRef idx="1">
-            <a:schemeClr val="accent1"/>
-          </a:lnRef>
-          <a:fillRef idx="0">
-            <a:schemeClr val="accent1"/>
-          </a:fillRef>
-          <a:effectRef idx="0">
-            <a:schemeClr val="accent1"/>
-          </a:effectRef>
-          <a:fontRef idx="minor">
-            <a:schemeClr val="tx1"/>
-          </a:fontRef>
-        </p:style>
-      </p:cxnSp>
-      <p:sp>
-        <p:nvSpPr>
-          <p:cNvPr id="98" name="사각형: 둥근 모서리 97">
-            <a:extLst>
-              <a:ext uri="{FF2B5EF4-FFF2-40B4-BE49-F238E27FC236}">
-                <a16:creationId xmlns:a16="http://schemas.microsoft.com/office/drawing/2014/main" id="{EE734E33-AD2B-47BB-84BD-1259EA7E879A}"/>
-              </a:ext>
-            </a:extLst>
-          </p:cNvPr>
-          <p:cNvSpPr/>
-          <p:nvPr/>
-        </p:nvSpPr>
-        <p:spPr>
-          <a:xfrm>
-            <a:off x="4713564" y="3993580"/>
-            <a:ext cx="1277224" cy="603175"/>
-          </a:xfrm>
-          <a:prstGeom prst="roundRect">
-            <a:avLst/>
-          </a:prstGeom>
-          <a:solidFill>
-            <a:schemeClr val="accent5">
-              <a:lumMod val="60000"/>
-              <a:lumOff val="40000"/>
-            </a:schemeClr>
-          </a:solidFill>
-          <a:ln>
-            <a:solidFill>
-              <a:schemeClr val="bg1"/>
-            </a:solidFill>
-          </a:ln>
-        </p:spPr>
-        <p:style>
-          <a:lnRef idx="2">
-            <a:schemeClr val="accent1">
-              <a:shade val="50000"/>
-            </a:schemeClr>
-          </a:lnRef>
-          <a:fillRef idx="1">
-            <a:schemeClr val="accent1"/>
-          </a:fillRef>
-          <a:effectRef idx="0">
-            <a:schemeClr val="accent1"/>
-          </a:effectRef>
-          <a:fontRef idx="minor">
-            <a:schemeClr val="lt1"/>
-          </a:fontRef>
-        </p:style>
-        <p:txBody>
-          <a:bodyPr rot="0" spcFirstLastPara="0" vertOverflow="overflow" horzOverflow="overflow" vert="horz" wrap="square" lIns="68580" tIns="34290" rIns="68580" bIns="34290" numCol="1" spcCol="0" rtlCol="0" fromWordArt="0" anchor="ctr" anchorCtr="0" forceAA="0" compatLnSpc="1">
-            <a:prstTxWarp prst="textNoShape">
-              <a:avLst/>
-            </a:prstTxWarp>
-            <a:noAutofit/>
-          </a:bodyPr>
-          <a:lstStyle/>
-          <a:p>
-            <a:pPr algn="ctr"/>
-            <a:endParaRPr lang="ko-KR" altLang="en-US" sz="1350"/>
-          </a:p>
-        </p:txBody>
-      </p:sp>
-      <p:sp>
-        <p:nvSpPr>
-          <p:cNvPr id="99" name="TextBox 98">
-            <a:extLst>
-              <a:ext uri="{FF2B5EF4-FFF2-40B4-BE49-F238E27FC236}">
-                <a16:creationId xmlns:a16="http://schemas.microsoft.com/office/drawing/2014/main" id="{E8EF5146-2A71-4403-A6A1-2B411365B232}"/>
-              </a:ext>
-            </a:extLst>
-          </p:cNvPr>
-          <p:cNvSpPr txBox="1"/>
-          <p:nvPr/>
-        </p:nvSpPr>
-        <p:spPr>
-          <a:xfrm>
-            <a:off x="4713565" y="4170204"/>
-            <a:ext cx="1270932" cy="248002"/>
-          </a:xfrm>
-          <a:prstGeom prst="rect">
-            <a:avLst/>
-          </a:prstGeom>
-          <a:noFill/>
-        </p:spPr>
-        <p:txBody>
-          <a:bodyPr wrap="square" rtlCol="0">
-            <a:spAutoFit/>
-          </a:bodyPr>
-          <a:lstStyle/>
-          <a:p>
-            <a:pPr algn="ctr"/>
-            <a:r>
-              <a:rPr lang="en-US" altLang="ko-KR" sz="1350" b="1" dirty="0"/>
-              <a:t>Action</a:t>
-            </a:r>
-            <a:endParaRPr lang="ko-KR" altLang="en-US" sz="1350" b="1" dirty="0"/>
-          </a:p>
-        </p:txBody>
-      </p:sp>
-      <p:cxnSp>
-        <p:nvCxnSpPr>
-          <p:cNvPr id="100" name="연결선: 꺾임 99">
-            <a:extLst>
-              <a:ext uri="{FF2B5EF4-FFF2-40B4-BE49-F238E27FC236}">
-                <a16:creationId xmlns:a16="http://schemas.microsoft.com/office/drawing/2014/main" id="{71582494-D56D-4A11-9056-9CA446F3E9CA}"/>
-              </a:ext>
-            </a:extLst>
-          </p:cNvPr>
-          <p:cNvCxnSpPr>
-            <a:stCxn id="91" idx="0"/>
-            <a:endCxn id="98" idx="3"/>
-          </p:cNvCxnSpPr>
-          <p:nvPr/>
-        </p:nvCxnSpPr>
-        <p:spPr>
-          <a:xfrm rot="16200000" flipV="1">
-            <a:off x="6124805" y="4161152"/>
-            <a:ext cx="975635" cy="1243667"/>
-          </a:xfrm>
-          <a:prstGeom prst="bentConnector2">
-            <a:avLst/>
-          </a:prstGeom>
-          <a:ln>
-            <a:solidFill>
-              <a:schemeClr val="accent4"/>
-            </a:solidFill>
-          </a:ln>
-        </p:spPr>
-        <p:style>
-          <a:lnRef idx="1">
-            <a:schemeClr val="accent1"/>
-          </a:lnRef>
-          <a:fillRef idx="0">
-            <a:schemeClr val="accent1"/>
-          </a:fillRef>
-          <a:effectRef idx="0">
-            <a:schemeClr val="accent1"/>
-          </a:effectRef>
-          <a:fontRef idx="minor">
-            <a:schemeClr val="tx1"/>
-          </a:fontRef>
-        </p:style>
-      </p:cxnSp>
-      <p:cxnSp>
-        <p:nvCxnSpPr>
-          <p:cNvPr id="101" name="연결선: 꺾임 100">
-            <a:extLst>
-              <a:ext uri="{FF2B5EF4-FFF2-40B4-BE49-F238E27FC236}">
-                <a16:creationId xmlns:a16="http://schemas.microsoft.com/office/drawing/2014/main" id="{042CB8DF-58B3-4613-8E8C-C95A619639B2}"/>
-              </a:ext>
-            </a:extLst>
-          </p:cNvPr>
-          <p:cNvCxnSpPr>
-            <a:stCxn id="98" idx="1"/>
-            <a:endCxn id="87" idx="0"/>
-          </p:cNvCxnSpPr>
-          <p:nvPr/>
-        </p:nvCxnSpPr>
-        <p:spPr>
-          <a:xfrm rot="10800000" flipV="1">
-            <a:off x="3482480" y="4295167"/>
-            <a:ext cx="1231084" cy="975635"/>
-          </a:xfrm>
-          <a:prstGeom prst="bentConnector2">
-            <a:avLst/>
-          </a:prstGeom>
-          <a:ln>
-            <a:solidFill>
-              <a:schemeClr val="accent4"/>
-            </a:solidFill>
-            <a:tailEnd type="triangle"/>
-          </a:ln>
-        </p:spPr>
-        <p:style>
-          <a:lnRef idx="1">
-            <a:schemeClr val="accent1"/>
-          </a:lnRef>
-          <a:fillRef idx="0">
-            <a:schemeClr val="accent1"/>
-          </a:fillRef>
-          <a:effectRef idx="0">
-            <a:schemeClr val="accent1"/>
-          </a:effectRef>
-          <a:fontRef idx="minor">
-            <a:schemeClr val="tx1"/>
-          </a:fontRef>
-        </p:style>
-      </p:cxnSp>
+            <a:r>
+              <a:rPr lang="ko-KR" altLang="en-US" sz="1050" b="1" dirty="0"/>
+              <a:t>은 </a:t>
+            </a:r>
+            <a:r>
+              <a:rPr lang="en-US" altLang="ko-KR" sz="1050" b="1" dirty="0"/>
+              <a:t>type</a:t>
+            </a:r>
+            <a:r>
+              <a:rPr lang="ko-KR" altLang="en-US" sz="1050" b="1" dirty="0"/>
+              <a:t>속성과 일부 데이터가 있는 단순한 객체 입니다</a:t>
+            </a:r>
+            <a:r>
+              <a:rPr lang="en-US" altLang="ko-KR" sz="1050" b="1" dirty="0"/>
+              <a:t>. Ex.) [{no :  1}]</a:t>
+            </a:r>
+          </a:p>
+        </p:txBody>
+      </p:sp>
     </p:spTree>
     <p:extLst>
       <p:ext uri="{BB962C8B-B14F-4D97-AF65-F5344CB8AC3E}">
-        <p14:creationId xmlns:p14="http://schemas.microsoft.com/office/powerpoint/2010/main" val="4044892048"/>
+        <p14:creationId xmlns:p14="http://schemas.microsoft.com/office/powerpoint/2010/main" val="1062799052"/>
       </p:ext>
     </p:extLst>
   </p:cSld>
@@ -16539,7 +14141,7 @@
             </a:pPr>
             <a:r>
               <a:rPr lang="ko-KR" altLang="en-US" sz="1050" b="1" dirty="0"/>
-              <a:t>타입스크립트와의 매끄러운 결합이 가능합니다</a:t>
+              <a:t>타입스크립트와의 호환성이 좋습니다</a:t>
             </a:r>
             <a:r>
               <a:rPr lang="en-US" altLang="ko-KR" sz="1050" b="1" dirty="0"/>
@@ -16556,9 +14158,12 @@
             </a:pPr>
             <a:r>
               <a:rPr lang="ko-KR" altLang="en-US" sz="1050" b="1" dirty="0"/>
-              <a:t>높은 자유도</a:t>
-            </a:r>
-            <a:endParaRPr lang="en-US" altLang="ko-KR" sz="1050" b="1" dirty="0"/>
+              <a:t>높은 자유도를 가지고 있습니다</a:t>
+            </a:r>
+            <a:r>
+              <a:rPr lang="en-US" altLang="ko-KR" sz="1050" b="1" dirty="0"/>
+              <a:t>.</a:t>
+            </a:r>
           </a:p>
         </p:txBody>
       </p:sp>
@@ -16791,6 +14396,14 @@
             <a:r>
               <a:rPr lang="en-US" altLang="ko-KR" sz="1050" b="1" dirty="0"/>
               <a:t>, </a:t>
+            </a:r>
+            <a:r>
+              <a:rPr lang="ko-KR" altLang="en-US" sz="1050" b="1" dirty="0" err="1"/>
+              <a:t>협업시</a:t>
+            </a:r>
+            <a:r>
+              <a:rPr lang="en-US" altLang="ko-KR" sz="1050" b="1" dirty="0"/>
+              <a:t> </a:t>
             </a:r>
             <a:r>
               <a:rPr lang="ko-KR" altLang="en-US" sz="1050" b="1" dirty="0"/>
@@ -18255,12 +15868,8 @@
               <a:buAutoNum type="arabicPeriod"/>
             </a:pPr>
             <a:r>
-              <a:rPr lang="en-US" altLang="ko-KR" sz="1050" b="1" dirty="0"/>
-              <a:t>Redux</a:t>
-            </a:r>
-            <a:r>
               <a:rPr lang="ko-KR" altLang="en-US" sz="1050" b="1" dirty="0"/>
-              <a:t>를 설명하기전에 먼저 </a:t>
+              <a:t>먼저 </a:t>
             </a:r>
             <a:r>
               <a:rPr lang="en-US" altLang="ko-KR" sz="1050" b="1" dirty="0"/>
@@ -18534,15 +16143,38 @@
                   </a:schemeClr>
                 </a:solidFill>
               </a:rPr>
-              <a:t>Flux</a:t>
-            </a:r>
-            <a:endParaRPr lang="ko-KR" altLang="en-US" dirty="0">
-              <a:solidFill>
-                <a:schemeClr val="bg2">
-                  <a:lumMod val="75000"/>
-                </a:schemeClr>
-              </a:solidFill>
-            </a:endParaRPr>
+              <a:t>MVC</a:t>
+            </a:r>
+            <a:r>
+              <a:rPr lang="ko-KR" altLang="en-US" dirty="0">
+                <a:solidFill>
+                  <a:schemeClr val="bg2">
+                    <a:lumMod val="75000"/>
+                  </a:schemeClr>
+                </a:solidFill>
+              </a:rPr>
+              <a:t>와 </a:t>
+            </a:r>
+            <a:r>
+              <a:rPr lang="en-US" altLang="ko-KR" dirty="0">
+                <a:solidFill>
+                  <a:schemeClr val="bg2">
+                    <a:lumMod val="75000"/>
+                  </a:schemeClr>
+                </a:solidFill>
+              </a:rPr>
+              <a:t>Flux </a:t>
+            </a:r>
+            <a:r>
+              <a:rPr lang="ko-KR" altLang="en-US" dirty="0">
+                <a:solidFill>
+                  <a:schemeClr val="bg2">
+                    <a:lumMod val="75000"/>
+                  </a:schemeClr>
+                </a:solidFill>
+              </a:rPr>
+              <a:t>비교</a:t>
+            </a:r>
           </a:p>
         </p:txBody>
       </p:sp>
@@ -18648,10 +16280,10 @@
       </p:sp>
       <p:sp>
         <p:nvSpPr>
-          <p:cNvPr id="41" name="TextBox 40">
+          <p:cNvPr id="11" name="TextBox 10">
             <a:extLst>
               <a:ext uri="{FF2B5EF4-FFF2-40B4-BE49-F238E27FC236}">
-                <a16:creationId xmlns:a16="http://schemas.microsoft.com/office/drawing/2014/main" id="{AA89F892-F32A-41C7-BE72-503C38B31C10}"/>
+                <a16:creationId xmlns:a16="http://schemas.microsoft.com/office/drawing/2014/main" id="{909B2FB0-A2D8-4089-A3BF-1E5F52B32696}"/>
               </a:ext>
             </a:extLst>
           </p:cNvPr>
@@ -18660,8 +16292,8 @@
         </p:nvSpPr>
         <p:spPr>
           <a:xfrm>
-            <a:off x="758567" y="2256049"/>
-            <a:ext cx="7483112" cy="3943965"/>
+            <a:off x="813600" y="2289827"/>
+            <a:ext cx="7483112" cy="308354"/>
           </a:xfrm>
           <a:prstGeom prst="rect">
             <a:avLst/>
@@ -18683,394 +16315,2925 @@
             </a:pPr>
             <a:r>
               <a:rPr lang="en-US" altLang="ko-KR" sz="1050" b="1" dirty="0"/>
-              <a:t>Flux</a:t>
-            </a:r>
-            <a:r>
-              <a:rPr lang="ko-KR" altLang="en-US" sz="1050" b="1" dirty="0"/>
-              <a:t>패턴 의 기본개념</a:t>
-            </a:r>
-            <a:endParaRPr lang="en-US" altLang="ko-KR" sz="1050" b="1" dirty="0"/>
-          </a:p>
-          <a:p>
-            <a:pPr marL="228600" indent="-228600">
-              <a:lnSpc>
-                <a:spcPct val="150000"/>
-              </a:lnSpc>
-              <a:buFont typeface="+mj-lt"/>
-              <a:buAutoNum type="arabicPeriod"/>
-            </a:pPr>
-            <a:endParaRPr lang="en-US" altLang="ko-KR" sz="1050" b="1" dirty="0"/>
-          </a:p>
-          <a:p>
-            <a:pPr marL="685800" lvl="1" indent="-228600">
-              <a:lnSpc>
-                <a:spcPct val="150000"/>
-              </a:lnSpc>
-              <a:buFont typeface="+mj-lt"/>
-              <a:buAutoNum type="arabicParenR"/>
-            </a:pPr>
-            <a:r>
-              <a:rPr lang="en-US" altLang="ko-KR" sz="1050" b="1" dirty="0"/>
-              <a:t>Dispatcher</a:t>
-            </a:r>
-          </a:p>
-          <a:p>
-            <a:pPr marL="1143000" lvl="2" indent="-228600">
-              <a:lnSpc>
-                <a:spcPct val="150000"/>
-              </a:lnSpc>
-              <a:buFont typeface="Arial" panose="020B0604020202020204" pitchFamily="34" charset="0"/>
-              <a:buChar char="•"/>
-            </a:pPr>
-            <a:r>
-              <a:rPr lang="en-US" altLang="ko-KR" sz="1050" b="1" dirty="0"/>
-              <a:t>Dispatcher</a:t>
-            </a:r>
-            <a:r>
-              <a:rPr lang="ko-KR" altLang="en-US" sz="1050" b="1" dirty="0"/>
-              <a:t>는 </a:t>
-            </a:r>
-            <a:r>
-              <a:rPr lang="en-US" altLang="ko-KR" sz="1050" b="1" dirty="0"/>
-              <a:t>Flux</a:t>
-            </a:r>
-            <a:r>
-              <a:rPr lang="ko-KR" altLang="en-US" sz="1050" b="1" dirty="0"/>
-              <a:t>의 모든 데이터 흐름을 관리하는 허브 역할을 하는 부분입니다</a:t>
-            </a:r>
-            <a:r>
-              <a:rPr lang="en-US" altLang="ko-KR" sz="1050" b="1" dirty="0"/>
-              <a:t>. Action</a:t>
-            </a:r>
-            <a:r>
-              <a:rPr lang="ko-KR" altLang="en-US" sz="1050" b="1" dirty="0"/>
-              <a:t>이 발생되면 </a:t>
-            </a:r>
-            <a:r>
-              <a:rPr lang="en-US" altLang="ko-KR" sz="1050" b="1" dirty="0"/>
-              <a:t>Dispatcher</a:t>
-            </a:r>
-            <a:r>
-              <a:rPr lang="ko-KR" altLang="en-US" sz="1050" b="1" dirty="0"/>
-              <a:t>로 전달되는데</a:t>
-            </a:r>
-            <a:r>
-              <a:rPr lang="en-US" altLang="ko-KR" sz="1050" b="1" dirty="0"/>
-              <a:t>, Dispatcher</a:t>
-            </a:r>
-            <a:r>
-              <a:rPr lang="ko-KR" altLang="en-US" sz="1050" b="1" dirty="0"/>
-              <a:t>는 전달된 </a:t>
-            </a:r>
-            <a:r>
-              <a:rPr lang="en-US" altLang="ko-KR" sz="1050" b="1" dirty="0"/>
+              <a:t>MVC</a:t>
+            </a:r>
+          </a:p>
+        </p:txBody>
+      </p:sp>
+      <p:sp>
+        <p:nvSpPr>
+          <p:cNvPr id="12" name="사각형: 둥근 모서리 11">
+            <a:extLst>
+              <a:ext uri="{FF2B5EF4-FFF2-40B4-BE49-F238E27FC236}">
+                <a16:creationId xmlns:a16="http://schemas.microsoft.com/office/drawing/2014/main" id="{0679DE22-F3DA-404C-8F5C-1602E2B956F9}"/>
+              </a:ext>
+            </a:extLst>
+          </p:cNvPr>
+          <p:cNvSpPr/>
+          <p:nvPr/>
+        </p:nvSpPr>
+        <p:spPr>
+          <a:xfrm>
+            <a:off x="2843868" y="4977188"/>
+            <a:ext cx="1277224" cy="603175"/>
+          </a:xfrm>
+          <a:prstGeom prst="roundRect">
+            <a:avLst/>
+          </a:prstGeom>
+          <a:solidFill>
+            <a:schemeClr val="accent2">
+              <a:lumMod val="60000"/>
+              <a:lumOff val="40000"/>
+            </a:schemeClr>
+          </a:solidFill>
+          <a:ln>
+            <a:solidFill>
+              <a:schemeClr val="bg1"/>
+            </a:solidFill>
+          </a:ln>
+        </p:spPr>
+        <p:style>
+          <a:lnRef idx="2">
+            <a:schemeClr val="accent1">
+              <a:shade val="50000"/>
+            </a:schemeClr>
+          </a:lnRef>
+          <a:fillRef idx="1">
+            <a:schemeClr val="accent1"/>
+          </a:fillRef>
+          <a:effectRef idx="0">
+            <a:schemeClr val="accent1"/>
+          </a:effectRef>
+          <a:fontRef idx="minor">
+            <a:schemeClr val="lt1"/>
+          </a:fontRef>
+        </p:style>
+        <p:txBody>
+          <a:bodyPr rot="0" spcFirstLastPara="0" vertOverflow="overflow" horzOverflow="overflow" vert="horz" wrap="square" lIns="68580" tIns="34290" rIns="68580" bIns="34290" numCol="1" spcCol="0" rtlCol="0" fromWordArt="0" anchor="ctr" anchorCtr="0" forceAA="0" compatLnSpc="1">
+            <a:prstTxWarp prst="textNoShape">
+              <a:avLst/>
+            </a:prstTxWarp>
+            <a:noAutofit/>
+          </a:bodyPr>
+          <a:lstStyle/>
+          <a:p>
+            <a:pPr algn="ctr"/>
+            <a:endParaRPr lang="ko-KR" altLang="en-US" sz="1350"/>
+          </a:p>
+        </p:txBody>
+      </p:sp>
+      <p:sp>
+        <p:nvSpPr>
+          <p:cNvPr id="15" name="TextBox 14">
+            <a:extLst>
+              <a:ext uri="{FF2B5EF4-FFF2-40B4-BE49-F238E27FC236}">
+                <a16:creationId xmlns:a16="http://schemas.microsoft.com/office/drawing/2014/main" id="{18BACA16-B2B2-4DD9-A393-5C71C2E1878C}"/>
+              </a:ext>
+            </a:extLst>
+          </p:cNvPr>
+          <p:cNvSpPr txBox="1"/>
+          <p:nvPr/>
+        </p:nvSpPr>
+        <p:spPr>
+          <a:xfrm>
+            <a:off x="2843868" y="5153812"/>
+            <a:ext cx="1270932" cy="248002"/>
+          </a:xfrm>
+          <a:prstGeom prst="rect">
+            <a:avLst/>
+          </a:prstGeom>
+          <a:noFill/>
+        </p:spPr>
+        <p:txBody>
+          <a:bodyPr wrap="square" rtlCol="0">
+            <a:spAutoFit/>
+          </a:bodyPr>
+          <a:lstStyle/>
+          <a:p>
+            <a:pPr algn="ctr"/>
+            <a:r>
+              <a:rPr lang="en-US" altLang="ko-KR" sz="1350" b="1" dirty="0"/>
+              <a:t>Controller</a:t>
+            </a:r>
+            <a:endParaRPr lang="ko-KR" altLang="en-US" sz="1350" b="1" dirty="0"/>
+          </a:p>
+        </p:txBody>
+      </p:sp>
+      <p:sp>
+        <p:nvSpPr>
+          <p:cNvPr id="17" name="사각형: 둥근 모서리 16">
+            <a:extLst>
+              <a:ext uri="{FF2B5EF4-FFF2-40B4-BE49-F238E27FC236}">
+                <a16:creationId xmlns:a16="http://schemas.microsoft.com/office/drawing/2014/main" id="{E8448F55-D0FB-4186-9D58-37CBB6823219}"/>
+              </a:ext>
+            </a:extLst>
+          </p:cNvPr>
+          <p:cNvSpPr/>
+          <p:nvPr/>
+        </p:nvSpPr>
+        <p:spPr>
+          <a:xfrm>
+            <a:off x="4719855" y="3586712"/>
+            <a:ext cx="1277224" cy="603175"/>
+          </a:xfrm>
+          <a:prstGeom prst="roundRect">
+            <a:avLst/>
+          </a:prstGeom>
+          <a:solidFill>
+            <a:schemeClr val="accent3">
+              <a:lumMod val="50000"/>
+            </a:schemeClr>
+          </a:solidFill>
+          <a:ln>
+            <a:solidFill>
+              <a:schemeClr val="bg1"/>
+            </a:solidFill>
+          </a:ln>
+        </p:spPr>
+        <p:style>
+          <a:lnRef idx="2">
+            <a:schemeClr val="accent1">
+              <a:shade val="50000"/>
+            </a:schemeClr>
+          </a:lnRef>
+          <a:fillRef idx="1">
+            <a:schemeClr val="accent1"/>
+          </a:fillRef>
+          <a:effectRef idx="0">
+            <a:schemeClr val="accent1"/>
+          </a:effectRef>
+          <a:fontRef idx="minor">
+            <a:schemeClr val="lt1"/>
+          </a:fontRef>
+        </p:style>
+        <p:txBody>
+          <a:bodyPr rot="0" spcFirstLastPara="0" vertOverflow="overflow" horzOverflow="overflow" vert="horz" wrap="square" lIns="68580" tIns="34290" rIns="68580" bIns="34290" numCol="1" spcCol="0" rtlCol="0" fromWordArt="0" anchor="ctr" anchorCtr="0" forceAA="0" compatLnSpc="1">
+            <a:prstTxWarp prst="textNoShape">
+              <a:avLst/>
+            </a:prstTxWarp>
+            <a:noAutofit/>
+          </a:bodyPr>
+          <a:lstStyle/>
+          <a:p>
+            <a:pPr algn="ctr"/>
+            <a:endParaRPr lang="ko-KR" altLang="en-US" sz="1350"/>
+          </a:p>
+        </p:txBody>
+      </p:sp>
+      <p:sp>
+        <p:nvSpPr>
+          <p:cNvPr id="18" name="TextBox 17">
+            <a:extLst>
+              <a:ext uri="{FF2B5EF4-FFF2-40B4-BE49-F238E27FC236}">
+                <a16:creationId xmlns:a16="http://schemas.microsoft.com/office/drawing/2014/main" id="{48DCA8FA-9A37-4D0D-9BC7-80AE1CD5C663}"/>
+              </a:ext>
+            </a:extLst>
+          </p:cNvPr>
+          <p:cNvSpPr txBox="1"/>
+          <p:nvPr/>
+        </p:nvSpPr>
+        <p:spPr>
+          <a:xfrm>
+            <a:off x="4719856" y="3763336"/>
+            <a:ext cx="1270932" cy="248002"/>
+          </a:xfrm>
+          <a:prstGeom prst="rect">
+            <a:avLst/>
+          </a:prstGeom>
+          <a:noFill/>
+        </p:spPr>
+        <p:txBody>
+          <a:bodyPr wrap="square" rtlCol="0">
+            <a:spAutoFit/>
+          </a:bodyPr>
+          <a:lstStyle/>
+          <a:p>
+            <a:pPr algn="ctr"/>
+            <a:r>
+              <a:rPr lang="en-US" altLang="ko-KR" sz="1350" b="1" dirty="0"/>
+              <a:t>Model</a:t>
+            </a:r>
+            <a:endParaRPr lang="ko-KR" altLang="en-US" sz="1350" b="1" dirty="0"/>
+          </a:p>
+        </p:txBody>
+      </p:sp>
+      <p:sp>
+        <p:nvSpPr>
+          <p:cNvPr id="19" name="사각형: 둥근 모서리 18">
+            <a:extLst>
+              <a:ext uri="{FF2B5EF4-FFF2-40B4-BE49-F238E27FC236}">
+                <a16:creationId xmlns:a16="http://schemas.microsoft.com/office/drawing/2014/main" id="{6E6062AE-0F10-41E6-95DA-8BB8FD59C30F}"/>
+              </a:ext>
+            </a:extLst>
+          </p:cNvPr>
+          <p:cNvSpPr/>
+          <p:nvPr/>
+        </p:nvSpPr>
+        <p:spPr>
+          <a:xfrm>
+            <a:off x="6595843" y="3586712"/>
+            <a:ext cx="1277224" cy="603175"/>
+          </a:xfrm>
+          <a:prstGeom prst="roundRect">
+            <a:avLst/>
+          </a:prstGeom>
+          <a:solidFill>
+            <a:schemeClr val="accent6"/>
+          </a:solidFill>
+          <a:ln>
+            <a:solidFill>
+              <a:schemeClr val="bg1"/>
+            </a:solidFill>
+          </a:ln>
+        </p:spPr>
+        <p:style>
+          <a:lnRef idx="2">
+            <a:schemeClr val="accent1">
+              <a:shade val="50000"/>
+            </a:schemeClr>
+          </a:lnRef>
+          <a:fillRef idx="1">
+            <a:schemeClr val="accent1"/>
+          </a:fillRef>
+          <a:effectRef idx="0">
+            <a:schemeClr val="accent1"/>
+          </a:effectRef>
+          <a:fontRef idx="minor">
+            <a:schemeClr val="lt1"/>
+          </a:fontRef>
+        </p:style>
+        <p:txBody>
+          <a:bodyPr rot="0" spcFirstLastPara="0" vertOverflow="overflow" horzOverflow="overflow" vert="horz" wrap="square" lIns="68580" tIns="34290" rIns="68580" bIns="34290" numCol="1" spcCol="0" rtlCol="0" fromWordArt="0" anchor="ctr" anchorCtr="0" forceAA="0" compatLnSpc="1">
+            <a:prstTxWarp prst="textNoShape">
+              <a:avLst/>
+            </a:prstTxWarp>
+            <a:noAutofit/>
+          </a:bodyPr>
+          <a:lstStyle/>
+          <a:p>
+            <a:pPr algn="ctr"/>
+            <a:endParaRPr lang="ko-KR" altLang="en-US" sz="1350"/>
+          </a:p>
+        </p:txBody>
+      </p:sp>
+      <p:sp>
+        <p:nvSpPr>
+          <p:cNvPr id="22" name="TextBox 21">
+            <a:extLst>
+              <a:ext uri="{FF2B5EF4-FFF2-40B4-BE49-F238E27FC236}">
+                <a16:creationId xmlns:a16="http://schemas.microsoft.com/office/drawing/2014/main" id="{D35D9D9F-2F91-47F1-B03A-FCBB788ADDF2}"/>
+              </a:ext>
+            </a:extLst>
+          </p:cNvPr>
+          <p:cNvSpPr txBox="1"/>
+          <p:nvPr/>
+        </p:nvSpPr>
+        <p:spPr>
+          <a:xfrm>
+            <a:off x="6595844" y="3763336"/>
+            <a:ext cx="1270932" cy="248002"/>
+          </a:xfrm>
+          <a:prstGeom prst="rect">
+            <a:avLst/>
+          </a:prstGeom>
+          <a:noFill/>
+        </p:spPr>
+        <p:txBody>
+          <a:bodyPr wrap="square" rtlCol="0">
+            <a:spAutoFit/>
+          </a:bodyPr>
+          <a:lstStyle/>
+          <a:p>
+            <a:pPr algn="ctr"/>
+            <a:r>
+              <a:rPr lang="en-US" altLang="ko-KR" sz="1350" b="1" dirty="0"/>
+              <a:t>View</a:t>
+            </a:r>
+            <a:endParaRPr lang="ko-KR" altLang="en-US" sz="1350" b="1" dirty="0"/>
+          </a:p>
+        </p:txBody>
+      </p:sp>
+      <p:sp>
+        <p:nvSpPr>
+          <p:cNvPr id="23" name="사각형: 둥근 모서리 22">
+            <a:extLst>
+              <a:ext uri="{FF2B5EF4-FFF2-40B4-BE49-F238E27FC236}">
+                <a16:creationId xmlns:a16="http://schemas.microsoft.com/office/drawing/2014/main" id="{9D0D81FD-45A3-4D8F-85A6-CB96C5FA5B04}"/>
+              </a:ext>
+            </a:extLst>
+          </p:cNvPr>
+          <p:cNvSpPr/>
+          <p:nvPr/>
+        </p:nvSpPr>
+        <p:spPr>
+          <a:xfrm>
+            <a:off x="967880" y="4977188"/>
+            <a:ext cx="1277224" cy="603175"/>
+          </a:xfrm>
+          <a:prstGeom prst="roundRect">
+            <a:avLst/>
+          </a:prstGeom>
+          <a:solidFill>
+            <a:schemeClr val="accent5">
+              <a:lumMod val="60000"/>
+              <a:lumOff val="40000"/>
+            </a:schemeClr>
+          </a:solidFill>
+          <a:ln>
+            <a:solidFill>
+              <a:schemeClr val="bg1"/>
+            </a:solidFill>
+          </a:ln>
+        </p:spPr>
+        <p:style>
+          <a:lnRef idx="2">
+            <a:schemeClr val="accent1">
+              <a:shade val="50000"/>
+            </a:schemeClr>
+          </a:lnRef>
+          <a:fillRef idx="1">
+            <a:schemeClr val="accent1"/>
+          </a:fillRef>
+          <a:effectRef idx="0">
+            <a:schemeClr val="accent1"/>
+          </a:effectRef>
+          <a:fontRef idx="minor">
+            <a:schemeClr val="lt1"/>
+          </a:fontRef>
+        </p:style>
+        <p:txBody>
+          <a:bodyPr rot="0" spcFirstLastPara="0" vertOverflow="overflow" horzOverflow="overflow" vert="horz" wrap="square" lIns="68580" tIns="34290" rIns="68580" bIns="34290" numCol="1" spcCol="0" rtlCol="0" fromWordArt="0" anchor="ctr" anchorCtr="0" forceAA="0" compatLnSpc="1">
+            <a:prstTxWarp prst="textNoShape">
+              <a:avLst/>
+            </a:prstTxWarp>
+            <a:noAutofit/>
+          </a:bodyPr>
+          <a:lstStyle/>
+          <a:p>
+            <a:pPr algn="ctr"/>
+            <a:endParaRPr lang="ko-KR" altLang="en-US" sz="1350"/>
+          </a:p>
+        </p:txBody>
+      </p:sp>
+      <p:sp>
+        <p:nvSpPr>
+          <p:cNvPr id="24" name="TextBox 23">
+            <a:extLst>
+              <a:ext uri="{FF2B5EF4-FFF2-40B4-BE49-F238E27FC236}">
+                <a16:creationId xmlns:a16="http://schemas.microsoft.com/office/drawing/2014/main" id="{8120EFB5-70C8-41B9-8A69-15E03DA90E40}"/>
+              </a:ext>
+            </a:extLst>
+          </p:cNvPr>
+          <p:cNvSpPr txBox="1"/>
+          <p:nvPr/>
+        </p:nvSpPr>
+        <p:spPr>
+          <a:xfrm>
+            <a:off x="967880" y="5153812"/>
+            <a:ext cx="1270932" cy="248002"/>
+          </a:xfrm>
+          <a:prstGeom prst="rect">
+            <a:avLst/>
+          </a:prstGeom>
+          <a:noFill/>
+        </p:spPr>
+        <p:txBody>
+          <a:bodyPr wrap="square" rtlCol="0">
+            <a:spAutoFit/>
+          </a:bodyPr>
+          <a:lstStyle/>
+          <a:p>
+            <a:pPr algn="ctr"/>
+            <a:r>
+              <a:rPr lang="en-US" altLang="ko-KR" sz="1350" b="1" dirty="0"/>
               <a:t>Action</a:t>
             </a:r>
-            <a:r>
-              <a:rPr lang="ko-KR" altLang="en-US" sz="1050" b="1" dirty="0"/>
-              <a:t>을 보고</a:t>
-            </a:r>
-            <a:r>
-              <a:rPr lang="en-US" altLang="ko-KR" sz="1050" b="1" dirty="0"/>
-              <a:t>, </a:t>
-            </a:r>
-            <a:r>
-              <a:rPr lang="ko-KR" altLang="en-US" sz="1050" b="1" dirty="0"/>
-              <a:t>등록된 </a:t>
-            </a:r>
-            <a:r>
-              <a:rPr lang="ko-KR" altLang="en-US" sz="1050" b="1" dirty="0" err="1"/>
-              <a:t>콜백</a:t>
-            </a:r>
-            <a:r>
-              <a:rPr lang="ko-KR" altLang="en-US" sz="1050" b="1" dirty="0"/>
-              <a:t> 함수를 실행하여 </a:t>
-            </a:r>
-            <a:r>
-              <a:rPr lang="en-US" altLang="ko-KR" sz="1050" b="1" dirty="0"/>
-              <a:t>Store</a:t>
-            </a:r>
-            <a:r>
-              <a:rPr lang="ko-KR" altLang="en-US" sz="1050" b="1" dirty="0"/>
-              <a:t>에 데이터를 전달합니다</a:t>
-            </a:r>
-            <a:r>
-              <a:rPr lang="en-US" altLang="ko-KR" sz="1050" b="1" dirty="0"/>
-              <a:t>.Dispatcher</a:t>
-            </a:r>
-            <a:r>
-              <a:rPr lang="ko-KR" altLang="en-US" sz="1050" b="1" dirty="0"/>
-              <a:t>는 전체 어플리케이션에서 한 개의 인스턴스만 사용됩니다</a:t>
-            </a:r>
-            <a:r>
-              <a:rPr lang="en-US" altLang="ko-KR" sz="1050" b="1" dirty="0"/>
-              <a:t>.</a:t>
-            </a:r>
-          </a:p>
-          <a:p>
-            <a:pPr marL="685800" lvl="1" indent="-228600">
-              <a:lnSpc>
-                <a:spcPct val="150000"/>
-              </a:lnSpc>
-              <a:buFont typeface="+mj-lt"/>
-              <a:buAutoNum type="arabicParenR"/>
-            </a:pPr>
-            <a:r>
-              <a:rPr lang="en-US" altLang="ko-KR" sz="1050" b="1" dirty="0"/>
-              <a:t>Store</a:t>
-            </a:r>
-          </a:p>
-          <a:p>
-            <a:pPr marL="1143000" lvl="2" indent="-228600">
-              <a:lnSpc>
-                <a:spcPct val="150000"/>
-              </a:lnSpc>
-              <a:buFont typeface="Arial" panose="020B0604020202020204" pitchFamily="34" charset="0"/>
-              <a:buChar char="•"/>
-            </a:pPr>
-            <a:r>
-              <a:rPr lang="ko-KR" altLang="en-US" sz="1050" b="1" dirty="0"/>
-              <a:t>어플리케이션의 모든 </a:t>
-            </a:r>
-            <a:r>
-              <a:rPr lang="en-US" altLang="ko-KR" sz="1050" b="1" dirty="0"/>
-              <a:t>state </a:t>
-            </a:r>
-            <a:r>
-              <a:rPr lang="ko-KR" altLang="en-US" sz="1050" b="1" dirty="0"/>
-              <a:t>변경은 </a:t>
-            </a:r>
-            <a:r>
-              <a:rPr lang="en-US" altLang="ko-KR" sz="1050" b="1" dirty="0"/>
-              <a:t>Store</a:t>
-            </a:r>
-            <a:r>
-              <a:rPr lang="ko-KR" altLang="en-US" sz="1050" b="1" dirty="0"/>
-              <a:t>에 의해 결정이 됩니다</a:t>
-            </a:r>
-            <a:r>
-              <a:rPr lang="en-US" altLang="ko-KR" sz="1050" b="1" dirty="0"/>
-              <a:t>. Dispatcher</a:t>
-            </a:r>
-            <a:r>
-              <a:rPr lang="ko-KR" altLang="en-US" sz="1050" b="1" dirty="0"/>
-              <a:t>로 부터 메시지를 수신 받기 위해서는 </a:t>
-            </a:r>
-            <a:r>
-              <a:rPr lang="en-US" altLang="ko-KR" sz="1050" b="1" dirty="0"/>
-              <a:t>Dispatcher</a:t>
-            </a:r>
-            <a:r>
-              <a:rPr lang="ko-KR" altLang="en-US" sz="1050" b="1" dirty="0"/>
-              <a:t>에 </a:t>
-            </a:r>
-            <a:r>
-              <a:rPr lang="ko-KR" altLang="en-US" sz="1050" b="1" dirty="0" err="1"/>
-              <a:t>콜백</a:t>
-            </a:r>
-            <a:r>
-              <a:rPr lang="ko-KR" altLang="en-US" sz="1050" b="1" dirty="0"/>
-              <a:t> 함수를 등록해야 합니다</a:t>
-            </a:r>
-            <a:r>
-              <a:rPr lang="en-US" altLang="ko-KR" sz="1050" b="1" dirty="0"/>
-              <a:t>. Store</a:t>
-            </a:r>
-            <a:r>
-              <a:rPr lang="ko-KR" altLang="en-US" sz="1050" b="1" dirty="0"/>
-              <a:t>가 변경 되면 </a:t>
-            </a:r>
-            <a:r>
-              <a:rPr lang="en-US" altLang="ko-KR" sz="1050" b="1" dirty="0"/>
+            <a:endParaRPr lang="ko-KR" altLang="en-US" sz="1350" b="1" dirty="0"/>
+          </a:p>
+        </p:txBody>
+      </p:sp>
+      <p:cxnSp>
+        <p:nvCxnSpPr>
+          <p:cNvPr id="25" name="직선 화살표 연결선 24">
+            <a:extLst>
+              <a:ext uri="{FF2B5EF4-FFF2-40B4-BE49-F238E27FC236}">
+                <a16:creationId xmlns:a16="http://schemas.microsoft.com/office/drawing/2014/main" id="{6FE4ECC0-02CA-4922-9326-5C0ED37B117A}"/>
+              </a:ext>
+            </a:extLst>
+          </p:cNvPr>
+          <p:cNvCxnSpPr>
+            <a:stCxn id="23" idx="3"/>
+            <a:endCxn id="12" idx="1"/>
+          </p:cNvCxnSpPr>
+          <p:nvPr/>
+        </p:nvCxnSpPr>
+        <p:spPr>
+          <a:xfrm>
+            <a:off x="2245104" y="5278776"/>
+            <a:ext cx="598764" cy="0"/>
+          </a:xfrm>
+          <a:prstGeom prst="straightConnector1">
+            <a:avLst/>
+          </a:prstGeom>
+          <a:ln>
+            <a:solidFill>
+              <a:schemeClr val="accent4"/>
+            </a:solidFill>
+            <a:tailEnd type="triangle"/>
+          </a:ln>
+        </p:spPr>
+        <p:style>
+          <a:lnRef idx="1">
+            <a:schemeClr val="accent1"/>
+          </a:lnRef>
+          <a:fillRef idx="0">
+            <a:schemeClr val="accent1"/>
+          </a:fillRef>
+          <a:effectRef idx="0">
+            <a:schemeClr val="accent1"/>
+          </a:effectRef>
+          <a:fontRef idx="minor">
+            <a:schemeClr val="tx1"/>
+          </a:fontRef>
+        </p:style>
+      </p:cxnSp>
+      <p:cxnSp>
+        <p:nvCxnSpPr>
+          <p:cNvPr id="26" name="직선 화살표 연결선 25">
+            <a:extLst>
+              <a:ext uri="{FF2B5EF4-FFF2-40B4-BE49-F238E27FC236}">
+                <a16:creationId xmlns:a16="http://schemas.microsoft.com/office/drawing/2014/main" id="{5FF53DA8-518B-4F3E-B8C0-17951C9DF93D}"/>
+              </a:ext>
+            </a:extLst>
+          </p:cNvPr>
+          <p:cNvCxnSpPr>
+            <a:cxnSpLocks/>
+            <a:stCxn id="12" idx="3"/>
+            <a:endCxn id="17" idx="1"/>
+          </p:cNvCxnSpPr>
+          <p:nvPr/>
+        </p:nvCxnSpPr>
+        <p:spPr>
+          <a:xfrm flipV="1">
+            <a:off x="4121092" y="3888300"/>
+            <a:ext cx="598763" cy="1390476"/>
+          </a:xfrm>
+          <a:prstGeom prst="straightConnector1">
+            <a:avLst/>
+          </a:prstGeom>
+          <a:ln>
+            <a:solidFill>
+              <a:schemeClr val="accent4"/>
+            </a:solidFill>
+            <a:tailEnd type="triangle"/>
+          </a:ln>
+        </p:spPr>
+        <p:style>
+          <a:lnRef idx="1">
+            <a:schemeClr val="accent1"/>
+          </a:lnRef>
+          <a:fillRef idx="0">
+            <a:schemeClr val="accent1"/>
+          </a:fillRef>
+          <a:effectRef idx="0">
+            <a:schemeClr val="accent1"/>
+          </a:effectRef>
+          <a:fontRef idx="minor">
+            <a:schemeClr val="tx1"/>
+          </a:fontRef>
+        </p:style>
+      </p:cxnSp>
+      <p:cxnSp>
+        <p:nvCxnSpPr>
+          <p:cNvPr id="27" name="직선 화살표 연결선 26">
+            <a:extLst>
+              <a:ext uri="{FF2B5EF4-FFF2-40B4-BE49-F238E27FC236}">
+                <a16:creationId xmlns:a16="http://schemas.microsoft.com/office/drawing/2014/main" id="{2D836E9D-719B-4BDE-8D0F-B4B5941450DE}"/>
+              </a:ext>
+            </a:extLst>
+          </p:cNvPr>
+          <p:cNvCxnSpPr>
+            <a:stCxn id="17" idx="3"/>
+            <a:endCxn id="19" idx="1"/>
+          </p:cNvCxnSpPr>
+          <p:nvPr/>
+        </p:nvCxnSpPr>
+        <p:spPr>
+          <a:xfrm>
+            <a:off x="5997079" y="3888300"/>
+            <a:ext cx="598764" cy="0"/>
+          </a:xfrm>
+          <a:prstGeom prst="straightConnector1">
+            <a:avLst/>
+          </a:prstGeom>
+          <a:ln>
+            <a:solidFill>
+              <a:schemeClr val="accent4"/>
+            </a:solidFill>
+            <a:tailEnd type="triangle"/>
+          </a:ln>
+        </p:spPr>
+        <p:style>
+          <a:lnRef idx="1">
+            <a:schemeClr val="accent1"/>
+          </a:lnRef>
+          <a:fillRef idx="0">
+            <a:schemeClr val="accent1"/>
+          </a:fillRef>
+          <a:effectRef idx="0">
+            <a:schemeClr val="accent1"/>
+          </a:effectRef>
+          <a:fontRef idx="minor">
+            <a:schemeClr val="tx1"/>
+          </a:fontRef>
+        </p:style>
+      </p:cxnSp>
+      <p:sp>
+        <p:nvSpPr>
+          <p:cNvPr id="28" name="사각형: 둥근 모서리 27">
+            <a:extLst>
+              <a:ext uri="{FF2B5EF4-FFF2-40B4-BE49-F238E27FC236}">
+                <a16:creationId xmlns:a16="http://schemas.microsoft.com/office/drawing/2014/main" id="{7530E4D8-60BD-4719-8016-5959D9F05B55}"/>
+              </a:ext>
+            </a:extLst>
+          </p:cNvPr>
+          <p:cNvSpPr/>
+          <p:nvPr/>
+        </p:nvSpPr>
+        <p:spPr>
+          <a:xfrm>
+            <a:off x="4733487" y="4109975"/>
+            <a:ext cx="1277224" cy="603175"/>
+          </a:xfrm>
+          <a:prstGeom prst="roundRect">
+            <a:avLst/>
+          </a:prstGeom>
+          <a:solidFill>
+            <a:schemeClr val="accent3">
+              <a:lumMod val="50000"/>
+            </a:schemeClr>
+          </a:solidFill>
+          <a:ln>
+            <a:solidFill>
+              <a:schemeClr val="bg1"/>
+            </a:solidFill>
+          </a:ln>
+        </p:spPr>
+        <p:style>
+          <a:lnRef idx="2">
+            <a:schemeClr val="accent1">
+              <a:shade val="50000"/>
+            </a:schemeClr>
+          </a:lnRef>
+          <a:fillRef idx="1">
+            <a:schemeClr val="accent1"/>
+          </a:fillRef>
+          <a:effectRef idx="0">
+            <a:schemeClr val="accent1"/>
+          </a:effectRef>
+          <a:fontRef idx="minor">
+            <a:schemeClr val="lt1"/>
+          </a:fontRef>
+        </p:style>
+        <p:txBody>
+          <a:bodyPr rot="0" spcFirstLastPara="0" vertOverflow="overflow" horzOverflow="overflow" vert="horz" wrap="square" lIns="68580" tIns="34290" rIns="68580" bIns="34290" numCol="1" spcCol="0" rtlCol="0" fromWordArt="0" anchor="ctr" anchorCtr="0" forceAA="0" compatLnSpc="1">
+            <a:prstTxWarp prst="textNoShape">
+              <a:avLst/>
+            </a:prstTxWarp>
+            <a:noAutofit/>
+          </a:bodyPr>
+          <a:lstStyle/>
+          <a:p>
+            <a:pPr algn="ctr"/>
+            <a:endParaRPr lang="ko-KR" altLang="en-US" sz="1350"/>
+          </a:p>
+        </p:txBody>
+      </p:sp>
+      <p:sp>
+        <p:nvSpPr>
+          <p:cNvPr id="29" name="TextBox 28">
+            <a:extLst>
+              <a:ext uri="{FF2B5EF4-FFF2-40B4-BE49-F238E27FC236}">
+                <a16:creationId xmlns:a16="http://schemas.microsoft.com/office/drawing/2014/main" id="{7D173A3A-6066-4647-97CA-8585860104BF}"/>
+              </a:ext>
+            </a:extLst>
+          </p:cNvPr>
+          <p:cNvSpPr txBox="1"/>
+          <p:nvPr/>
+        </p:nvSpPr>
+        <p:spPr>
+          <a:xfrm>
+            <a:off x="4733488" y="4286599"/>
+            <a:ext cx="1270932" cy="248002"/>
+          </a:xfrm>
+          <a:prstGeom prst="rect">
+            <a:avLst/>
+          </a:prstGeom>
+          <a:noFill/>
+        </p:spPr>
+        <p:txBody>
+          <a:bodyPr wrap="square" rtlCol="0">
+            <a:spAutoFit/>
+          </a:bodyPr>
+          <a:lstStyle/>
+          <a:p>
+            <a:pPr algn="ctr"/>
+            <a:r>
+              <a:rPr lang="en-US" altLang="ko-KR" sz="1350" b="1" dirty="0"/>
+              <a:t>Model</a:t>
+            </a:r>
+            <a:endParaRPr lang="ko-KR" altLang="en-US" sz="1350" b="1" dirty="0"/>
+          </a:p>
+        </p:txBody>
+      </p:sp>
+      <p:sp>
+        <p:nvSpPr>
+          <p:cNvPr id="30" name="사각형: 둥근 모서리 29">
+            <a:extLst>
+              <a:ext uri="{FF2B5EF4-FFF2-40B4-BE49-F238E27FC236}">
+                <a16:creationId xmlns:a16="http://schemas.microsoft.com/office/drawing/2014/main" id="{BE5BED02-34C0-4CB5-85F5-7007395DB7E7}"/>
+              </a:ext>
+            </a:extLst>
+          </p:cNvPr>
+          <p:cNvSpPr/>
+          <p:nvPr/>
+        </p:nvSpPr>
+        <p:spPr>
+          <a:xfrm>
+            <a:off x="6609475" y="4109975"/>
+            <a:ext cx="1277224" cy="603175"/>
+          </a:xfrm>
+          <a:prstGeom prst="roundRect">
+            <a:avLst/>
+          </a:prstGeom>
+          <a:solidFill>
+            <a:schemeClr val="accent6"/>
+          </a:solidFill>
+          <a:ln>
+            <a:solidFill>
+              <a:schemeClr val="bg1"/>
+            </a:solidFill>
+          </a:ln>
+        </p:spPr>
+        <p:style>
+          <a:lnRef idx="2">
+            <a:schemeClr val="accent1">
+              <a:shade val="50000"/>
+            </a:schemeClr>
+          </a:lnRef>
+          <a:fillRef idx="1">
+            <a:schemeClr val="accent1"/>
+          </a:fillRef>
+          <a:effectRef idx="0">
+            <a:schemeClr val="accent1"/>
+          </a:effectRef>
+          <a:fontRef idx="minor">
+            <a:schemeClr val="lt1"/>
+          </a:fontRef>
+        </p:style>
+        <p:txBody>
+          <a:bodyPr rot="0" spcFirstLastPara="0" vertOverflow="overflow" horzOverflow="overflow" vert="horz" wrap="square" lIns="68580" tIns="34290" rIns="68580" bIns="34290" numCol="1" spcCol="0" rtlCol="0" fromWordArt="0" anchor="ctr" anchorCtr="0" forceAA="0" compatLnSpc="1">
+            <a:prstTxWarp prst="textNoShape">
+              <a:avLst/>
+            </a:prstTxWarp>
+            <a:noAutofit/>
+          </a:bodyPr>
+          <a:lstStyle/>
+          <a:p>
+            <a:pPr algn="ctr"/>
+            <a:endParaRPr lang="ko-KR" altLang="en-US" sz="1350"/>
+          </a:p>
+        </p:txBody>
+      </p:sp>
+      <p:sp>
+        <p:nvSpPr>
+          <p:cNvPr id="31" name="TextBox 30">
+            <a:extLst>
+              <a:ext uri="{FF2B5EF4-FFF2-40B4-BE49-F238E27FC236}">
+                <a16:creationId xmlns:a16="http://schemas.microsoft.com/office/drawing/2014/main" id="{118E4FB4-FD2C-489F-B13D-A23249E87D88}"/>
+              </a:ext>
+            </a:extLst>
+          </p:cNvPr>
+          <p:cNvSpPr txBox="1"/>
+          <p:nvPr/>
+        </p:nvSpPr>
+        <p:spPr>
+          <a:xfrm>
+            <a:off x="6609476" y="4286599"/>
+            <a:ext cx="1270932" cy="248002"/>
+          </a:xfrm>
+          <a:prstGeom prst="rect">
+            <a:avLst/>
+          </a:prstGeom>
+          <a:noFill/>
+        </p:spPr>
+        <p:txBody>
+          <a:bodyPr wrap="square" rtlCol="0">
+            <a:spAutoFit/>
+          </a:bodyPr>
+          <a:lstStyle/>
+          <a:p>
+            <a:pPr algn="ctr"/>
+            <a:r>
+              <a:rPr lang="en-US" altLang="ko-KR" sz="1350" b="1" dirty="0"/>
               <a:t>View</a:t>
             </a:r>
-            <a:r>
-              <a:rPr lang="ko-KR" altLang="en-US" sz="1050" b="1" dirty="0"/>
-              <a:t>에 변경 되었다는 사실을 알려주게 됩니다</a:t>
-            </a:r>
-            <a:r>
-              <a:rPr lang="en-US" altLang="ko-KR" sz="1050" b="1" dirty="0"/>
-              <a:t>. Store</a:t>
-            </a:r>
-            <a:r>
-              <a:rPr lang="ko-KR" altLang="en-US" sz="1050" b="1" dirty="0"/>
-              <a:t>는 </a:t>
-            </a:r>
-            <a:r>
-              <a:rPr lang="ko-KR" altLang="en-US" sz="1050" b="1" dirty="0" err="1"/>
-              <a:t>싱글톤</a:t>
-            </a:r>
-            <a:r>
-              <a:rPr lang="ko-KR" altLang="en-US" sz="1050" b="1" dirty="0"/>
-              <a:t> 패턴으로 관리 됩니다</a:t>
-            </a:r>
-            <a:r>
-              <a:rPr lang="en-US" altLang="ko-KR" sz="1050" b="1" dirty="0"/>
-              <a:t>.</a:t>
-            </a:r>
-          </a:p>
-          <a:p>
-            <a:pPr marL="685800" lvl="1" indent="-228600">
-              <a:lnSpc>
-                <a:spcPct val="150000"/>
-              </a:lnSpc>
-              <a:buFont typeface="+mj-lt"/>
-              <a:buAutoNum type="arabicParenR"/>
-            </a:pPr>
-            <a:r>
-              <a:rPr lang="en-US" altLang="ko-KR" sz="1050" b="1" dirty="0"/>
+            <a:endParaRPr lang="ko-KR" altLang="en-US" sz="1350" b="1" dirty="0"/>
+          </a:p>
+        </p:txBody>
+      </p:sp>
+      <p:cxnSp>
+        <p:nvCxnSpPr>
+          <p:cNvPr id="32" name="직선 화살표 연결선 31">
+            <a:extLst>
+              <a:ext uri="{FF2B5EF4-FFF2-40B4-BE49-F238E27FC236}">
+                <a16:creationId xmlns:a16="http://schemas.microsoft.com/office/drawing/2014/main" id="{13FC0BEF-55E2-43AA-9126-B2941D614F83}"/>
+              </a:ext>
+            </a:extLst>
+          </p:cNvPr>
+          <p:cNvCxnSpPr>
+            <a:stCxn id="28" idx="3"/>
+            <a:endCxn id="30" idx="1"/>
+          </p:cNvCxnSpPr>
+          <p:nvPr/>
+        </p:nvCxnSpPr>
+        <p:spPr>
+          <a:xfrm>
+            <a:off x="6010711" y="4411563"/>
+            <a:ext cx="598764" cy="0"/>
+          </a:xfrm>
+          <a:prstGeom prst="straightConnector1">
+            <a:avLst/>
+          </a:prstGeom>
+          <a:ln>
+            <a:solidFill>
+              <a:schemeClr val="accent4"/>
+            </a:solidFill>
+            <a:tailEnd type="triangle"/>
+          </a:ln>
+        </p:spPr>
+        <p:style>
+          <a:lnRef idx="1">
+            <a:schemeClr val="accent1"/>
+          </a:lnRef>
+          <a:fillRef idx="0">
+            <a:schemeClr val="accent1"/>
+          </a:fillRef>
+          <a:effectRef idx="0">
+            <a:schemeClr val="accent1"/>
+          </a:effectRef>
+          <a:fontRef idx="minor">
+            <a:schemeClr val="tx1"/>
+          </a:fontRef>
+        </p:style>
+      </p:cxnSp>
+      <p:sp>
+        <p:nvSpPr>
+          <p:cNvPr id="33" name="사각형: 둥근 모서리 32">
+            <a:extLst>
+              <a:ext uri="{FF2B5EF4-FFF2-40B4-BE49-F238E27FC236}">
+                <a16:creationId xmlns:a16="http://schemas.microsoft.com/office/drawing/2014/main" id="{CC23B898-2DEC-49ED-A574-02392532B970}"/>
+              </a:ext>
+            </a:extLst>
+          </p:cNvPr>
+          <p:cNvSpPr/>
+          <p:nvPr/>
+        </p:nvSpPr>
+        <p:spPr>
+          <a:xfrm>
+            <a:off x="4734536" y="4633239"/>
+            <a:ext cx="1277224" cy="603175"/>
+          </a:xfrm>
+          <a:prstGeom prst="roundRect">
+            <a:avLst/>
+          </a:prstGeom>
+          <a:solidFill>
+            <a:schemeClr val="accent3">
+              <a:lumMod val="50000"/>
+            </a:schemeClr>
+          </a:solidFill>
+          <a:ln>
+            <a:solidFill>
+              <a:schemeClr val="bg1"/>
+            </a:solidFill>
+          </a:ln>
+        </p:spPr>
+        <p:style>
+          <a:lnRef idx="2">
+            <a:schemeClr val="accent1">
+              <a:shade val="50000"/>
+            </a:schemeClr>
+          </a:lnRef>
+          <a:fillRef idx="1">
+            <a:schemeClr val="accent1"/>
+          </a:fillRef>
+          <a:effectRef idx="0">
+            <a:schemeClr val="accent1"/>
+          </a:effectRef>
+          <a:fontRef idx="minor">
+            <a:schemeClr val="lt1"/>
+          </a:fontRef>
+        </p:style>
+        <p:txBody>
+          <a:bodyPr rot="0" spcFirstLastPara="0" vertOverflow="overflow" horzOverflow="overflow" vert="horz" wrap="square" lIns="68580" tIns="34290" rIns="68580" bIns="34290" numCol="1" spcCol="0" rtlCol="0" fromWordArt="0" anchor="ctr" anchorCtr="0" forceAA="0" compatLnSpc="1">
+            <a:prstTxWarp prst="textNoShape">
+              <a:avLst/>
+            </a:prstTxWarp>
+            <a:noAutofit/>
+          </a:bodyPr>
+          <a:lstStyle/>
+          <a:p>
+            <a:pPr algn="ctr"/>
+            <a:endParaRPr lang="ko-KR" altLang="en-US" sz="1350"/>
+          </a:p>
+        </p:txBody>
+      </p:sp>
+      <p:sp>
+        <p:nvSpPr>
+          <p:cNvPr id="34" name="TextBox 33">
+            <a:extLst>
+              <a:ext uri="{FF2B5EF4-FFF2-40B4-BE49-F238E27FC236}">
+                <a16:creationId xmlns:a16="http://schemas.microsoft.com/office/drawing/2014/main" id="{F5293049-AA49-4555-B997-26831052FD2D}"/>
+              </a:ext>
+            </a:extLst>
+          </p:cNvPr>
+          <p:cNvSpPr txBox="1"/>
+          <p:nvPr/>
+        </p:nvSpPr>
+        <p:spPr>
+          <a:xfrm>
+            <a:off x="4734536" y="4809863"/>
+            <a:ext cx="1270932" cy="248002"/>
+          </a:xfrm>
+          <a:prstGeom prst="rect">
+            <a:avLst/>
+          </a:prstGeom>
+          <a:noFill/>
+        </p:spPr>
+        <p:txBody>
+          <a:bodyPr wrap="square" rtlCol="0">
+            <a:spAutoFit/>
+          </a:bodyPr>
+          <a:lstStyle/>
+          <a:p>
+            <a:pPr algn="ctr"/>
+            <a:r>
+              <a:rPr lang="en-US" altLang="ko-KR" sz="1350" b="1" dirty="0"/>
+              <a:t>Model</a:t>
+            </a:r>
+            <a:endParaRPr lang="ko-KR" altLang="en-US" sz="1350" b="1" dirty="0"/>
+          </a:p>
+        </p:txBody>
+      </p:sp>
+      <p:sp>
+        <p:nvSpPr>
+          <p:cNvPr id="35" name="사각형: 둥근 모서리 34">
+            <a:extLst>
+              <a:ext uri="{FF2B5EF4-FFF2-40B4-BE49-F238E27FC236}">
+                <a16:creationId xmlns:a16="http://schemas.microsoft.com/office/drawing/2014/main" id="{CA60C633-F743-4214-974E-83B1400BDB83}"/>
+              </a:ext>
+            </a:extLst>
+          </p:cNvPr>
+          <p:cNvSpPr/>
+          <p:nvPr/>
+        </p:nvSpPr>
+        <p:spPr>
+          <a:xfrm>
+            <a:off x="6610524" y="4633239"/>
+            <a:ext cx="1277224" cy="603175"/>
+          </a:xfrm>
+          <a:prstGeom prst="roundRect">
+            <a:avLst/>
+          </a:prstGeom>
+          <a:solidFill>
+            <a:schemeClr val="accent6"/>
+          </a:solidFill>
+          <a:ln>
+            <a:solidFill>
+              <a:schemeClr val="bg1"/>
+            </a:solidFill>
+          </a:ln>
+        </p:spPr>
+        <p:style>
+          <a:lnRef idx="2">
+            <a:schemeClr val="accent1">
+              <a:shade val="50000"/>
+            </a:schemeClr>
+          </a:lnRef>
+          <a:fillRef idx="1">
+            <a:schemeClr val="accent1"/>
+          </a:fillRef>
+          <a:effectRef idx="0">
+            <a:schemeClr val="accent1"/>
+          </a:effectRef>
+          <a:fontRef idx="minor">
+            <a:schemeClr val="lt1"/>
+          </a:fontRef>
+        </p:style>
+        <p:txBody>
+          <a:bodyPr rot="0" spcFirstLastPara="0" vertOverflow="overflow" horzOverflow="overflow" vert="horz" wrap="square" lIns="68580" tIns="34290" rIns="68580" bIns="34290" numCol="1" spcCol="0" rtlCol="0" fromWordArt="0" anchor="ctr" anchorCtr="0" forceAA="0" compatLnSpc="1">
+            <a:prstTxWarp prst="textNoShape">
+              <a:avLst/>
+            </a:prstTxWarp>
+            <a:noAutofit/>
+          </a:bodyPr>
+          <a:lstStyle/>
+          <a:p>
+            <a:pPr algn="ctr"/>
+            <a:endParaRPr lang="ko-KR" altLang="en-US" sz="1350"/>
+          </a:p>
+        </p:txBody>
+      </p:sp>
+      <p:sp>
+        <p:nvSpPr>
+          <p:cNvPr id="36" name="TextBox 35">
+            <a:extLst>
+              <a:ext uri="{FF2B5EF4-FFF2-40B4-BE49-F238E27FC236}">
+                <a16:creationId xmlns:a16="http://schemas.microsoft.com/office/drawing/2014/main" id="{30146B45-63F8-4CC1-9E4B-AC72BCBDE7AF}"/>
+              </a:ext>
+            </a:extLst>
+          </p:cNvPr>
+          <p:cNvSpPr txBox="1"/>
+          <p:nvPr/>
+        </p:nvSpPr>
+        <p:spPr>
+          <a:xfrm>
+            <a:off x="6610524" y="4809863"/>
+            <a:ext cx="1270932" cy="248002"/>
+          </a:xfrm>
+          <a:prstGeom prst="rect">
+            <a:avLst/>
+          </a:prstGeom>
+          <a:noFill/>
+        </p:spPr>
+        <p:txBody>
+          <a:bodyPr wrap="square" rtlCol="0">
+            <a:spAutoFit/>
+          </a:bodyPr>
+          <a:lstStyle/>
+          <a:p>
+            <a:pPr algn="ctr"/>
+            <a:r>
+              <a:rPr lang="en-US" altLang="ko-KR" sz="1350" b="1" dirty="0"/>
               <a:t>View</a:t>
             </a:r>
-          </a:p>
-          <a:p>
-            <a:pPr marL="1143000" lvl="2" indent="-228600">
-              <a:lnSpc>
-                <a:spcPct val="150000"/>
-              </a:lnSpc>
-              <a:buFont typeface="Arial" panose="020B0604020202020204" pitchFamily="34" charset="0"/>
-              <a:buChar char="•"/>
-            </a:pPr>
-            <a:r>
-              <a:rPr lang="en-US" altLang="ko-KR" sz="1050" b="1" dirty="0"/>
-              <a:t>Flux</a:t>
-            </a:r>
-            <a:r>
-              <a:rPr lang="ko-KR" altLang="en-US" sz="1050" b="1" dirty="0"/>
-              <a:t>의 </a:t>
-            </a:r>
-            <a:r>
-              <a:rPr lang="en-US" altLang="ko-KR" sz="1050" b="1" dirty="0"/>
+            <a:endParaRPr lang="ko-KR" altLang="en-US" sz="1350" b="1" dirty="0"/>
+          </a:p>
+        </p:txBody>
+      </p:sp>
+      <p:cxnSp>
+        <p:nvCxnSpPr>
+          <p:cNvPr id="37" name="직선 화살표 연결선 36">
+            <a:extLst>
+              <a:ext uri="{FF2B5EF4-FFF2-40B4-BE49-F238E27FC236}">
+                <a16:creationId xmlns:a16="http://schemas.microsoft.com/office/drawing/2014/main" id="{49C59882-F735-4A91-A90E-41FC407D4C0F}"/>
+              </a:ext>
+            </a:extLst>
+          </p:cNvPr>
+          <p:cNvCxnSpPr>
+            <a:stCxn id="33" idx="3"/>
+            <a:endCxn id="35" idx="1"/>
+          </p:cNvCxnSpPr>
+          <p:nvPr/>
+        </p:nvCxnSpPr>
+        <p:spPr>
+          <a:xfrm>
+            <a:off x="6011760" y="4934827"/>
+            <a:ext cx="598764" cy="0"/>
+          </a:xfrm>
+          <a:prstGeom prst="straightConnector1">
+            <a:avLst/>
+          </a:prstGeom>
+          <a:ln>
+            <a:solidFill>
+              <a:schemeClr val="accent4"/>
+            </a:solidFill>
+            <a:tailEnd type="triangle"/>
+          </a:ln>
+        </p:spPr>
+        <p:style>
+          <a:lnRef idx="1">
+            <a:schemeClr val="accent1"/>
+          </a:lnRef>
+          <a:fillRef idx="0">
+            <a:schemeClr val="accent1"/>
+          </a:fillRef>
+          <a:effectRef idx="0">
+            <a:schemeClr val="accent1"/>
+          </a:effectRef>
+          <a:fontRef idx="minor">
+            <a:schemeClr val="tx1"/>
+          </a:fontRef>
+        </p:style>
+      </p:cxnSp>
+      <p:sp>
+        <p:nvSpPr>
+          <p:cNvPr id="38" name="사각형: 둥근 모서리 37">
+            <a:extLst>
+              <a:ext uri="{FF2B5EF4-FFF2-40B4-BE49-F238E27FC236}">
+                <a16:creationId xmlns:a16="http://schemas.microsoft.com/office/drawing/2014/main" id="{C9A94465-7118-44BF-A136-7DFB691C9EB0}"/>
+              </a:ext>
+            </a:extLst>
+          </p:cNvPr>
+          <p:cNvSpPr/>
+          <p:nvPr/>
+        </p:nvSpPr>
+        <p:spPr>
+          <a:xfrm>
+            <a:off x="4748168" y="5156503"/>
+            <a:ext cx="1277224" cy="603175"/>
+          </a:xfrm>
+          <a:prstGeom prst="roundRect">
+            <a:avLst/>
+          </a:prstGeom>
+          <a:solidFill>
+            <a:schemeClr val="accent3">
+              <a:lumMod val="50000"/>
+            </a:schemeClr>
+          </a:solidFill>
+          <a:ln>
+            <a:solidFill>
+              <a:schemeClr val="bg1"/>
+            </a:solidFill>
+          </a:ln>
+        </p:spPr>
+        <p:style>
+          <a:lnRef idx="2">
+            <a:schemeClr val="accent1">
+              <a:shade val="50000"/>
+            </a:schemeClr>
+          </a:lnRef>
+          <a:fillRef idx="1">
+            <a:schemeClr val="accent1"/>
+          </a:fillRef>
+          <a:effectRef idx="0">
+            <a:schemeClr val="accent1"/>
+          </a:effectRef>
+          <a:fontRef idx="minor">
+            <a:schemeClr val="lt1"/>
+          </a:fontRef>
+        </p:style>
+        <p:txBody>
+          <a:bodyPr rot="0" spcFirstLastPara="0" vertOverflow="overflow" horzOverflow="overflow" vert="horz" wrap="square" lIns="68580" tIns="34290" rIns="68580" bIns="34290" numCol="1" spcCol="0" rtlCol="0" fromWordArt="0" anchor="ctr" anchorCtr="0" forceAA="0" compatLnSpc="1">
+            <a:prstTxWarp prst="textNoShape">
+              <a:avLst/>
+            </a:prstTxWarp>
+            <a:noAutofit/>
+          </a:bodyPr>
+          <a:lstStyle/>
+          <a:p>
+            <a:pPr algn="ctr"/>
+            <a:endParaRPr lang="ko-KR" altLang="en-US" sz="1350"/>
+          </a:p>
+        </p:txBody>
+      </p:sp>
+      <p:sp>
+        <p:nvSpPr>
+          <p:cNvPr id="39" name="TextBox 38">
+            <a:extLst>
+              <a:ext uri="{FF2B5EF4-FFF2-40B4-BE49-F238E27FC236}">
+                <a16:creationId xmlns:a16="http://schemas.microsoft.com/office/drawing/2014/main" id="{BB73BE69-6B80-4696-B852-0847BE21BB3E}"/>
+              </a:ext>
+            </a:extLst>
+          </p:cNvPr>
+          <p:cNvSpPr txBox="1"/>
+          <p:nvPr/>
+        </p:nvSpPr>
+        <p:spPr>
+          <a:xfrm>
+            <a:off x="4748168" y="5333127"/>
+            <a:ext cx="1270932" cy="248002"/>
+          </a:xfrm>
+          <a:prstGeom prst="rect">
+            <a:avLst/>
+          </a:prstGeom>
+          <a:noFill/>
+        </p:spPr>
+        <p:txBody>
+          <a:bodyPr wrap="square" rtlCol="0">
+            <a:spAutoFit/>
+          </a:bodyPr>
+          <a:lstStyle/>
+          <a:p>
+            <a:pPr algn="ctr"/>
+            <a:r>
+              <a:rPr lang="en-US" altLang="ko-KR" sz="1350" b="1" dirty="0"/>
+              <a:t>Model</a:t>
+            </a:r>
+            <a:endParaRPr lang="ko-KR" altLang="en-US" sz="1350" b="1" dirty="0"/>
+          </a:p>
+        </p:txBody>
+      </p:sp>
+      <p:sp>
+        <p:nvSpPr>
+          <p:cNvPr id="40" name="사각형: 둥근 모서리 39">
+            <a:extLst>
+              <a:ext uri="{FF2B5EF4-FFF2-40B4-BE49-F238E27FC236}">
+                <a16:creationId xmlns:a16="http://schemas.microsoft.com/office/drawing/2014/main" id="{83F6B637-C423-4E6D-93D6-2EE073CE993A}"/>
+              </a:ext>
+            </a:extLst>
+          </p:cNvPr>
+          <p:cNvSpPr/>
+          <p:nvPr/>
+        </p:nvSpPr>
+        <p:spPr>
+          <a:xfrm>
+            <a:off x="6624156" y="5156503"/>
+            <a:ext cx="1277224" cy="603175"/>
+          </a:xfrm>
+          <a:prstGeom prst="roundRect">
+            <a:avLst/>
+          </a:prstGeom>
+          <a:solidFill>
+            <a:schemeClr val="accent6"/>
+          </a:solidFill>
+          <a:ln>
+            <a:solidFill>
+              <a:schemeClr val="bg1"/>
+            </a:solidFill>
+          </a:ln>
+        </p:spPr>
+        <p:style>
+          <a:lnRef idx="2">
+            <a:schemeClr val="accent1">
+              <a:shade val="50000"/>
+            </a:schemeClr>
+          </a:lnRef>
+          <a:fillRef idx="1">
+            <a:schemeClr val="accent1"/>
+          </a:fillRef>
+          <a:effectRef idx="0">
+            <a:schemeClr val="accent1"/>
+          </a:effectRef>
+          <a:fontRef idx="minor">
+            <a:schemeClr val="lt1"/>
+          </a:fontRef>
+        </p:style>
+        <p:txBody>
+          <a:bodyPr rot="0" spcFirstLastPara="0" vertOverflow="overflow" horzOverflow="overflow" vert="horz" wrap="square" lIns="68580" tIns="34290" rIns="68580" bIns="34290" numCol="1" spcCol="0" rtlCol="0" fromWordArt="0" anchor="ctr" anchorCtr="0" forceAA="0" compatLnSpc="1">
+            <a:prstTxWarp prst="textNoShape">
+              <a:avLst/>
+            </a:prstTxWarp>
+            <a:noAutofit/>
+          </a:bodyPr>
+          <a:lstStyle/>
+          <a:p>
+            <a:pPr algn="ctr"/>
+            <a:endParaRPr lang="ko-KR" altLang="en-US" sz="1350"/>
+          </a:p>
+        </p:txBody>
+      </p:sp>
+      <p:sp>
+        <p:nvSpPr>
+          <p:cNvPr id="41" name="TextBox 40">
+            <a:extLst>
+              <a:ext uri="{FF2B5EF4-FFF2-40B4-BE49-F238E27FC236}">
+                <a16:creationId xmlns:a16="http://schemas.microsoft.com/office/drawing/2014/main" id="{C5F0696F-BA8F-489E-988A-D5338705CC6B}"/>
+              </a:ext>
+            </a:extLst>
+          </p:cNvPr>
+          <p:cNvSpPr txBox="1"/>
+          <p:nvPr/>
+        </p:nvSpPr>
+        <p:spPr>
+          <a:xfrm>
+            <a:off x="6624156" y="5333127"/>
+            <a:ext cx="1270932" cy="248002"/>
+          </a:xfrm>
+          <a:prstGeom prst="rect">
+            <a:avLst/>
+          </a:prstGeom>
+          <a:noFill/>
+        </p:spPr>
+        <p:txBody>
+          <a:bodyPr wrap="square" rtlCol="0">
+            <a:spAutoFit/>
+          </a:bodyPr>
+          <a:lstStyle/>
+          <a:p>
+            <a:pPr algn="ctr"/>
+            <a:r>
+              <a:rPr lang="en-US" altLang="ko-KR" sz="1350" b="1" dirty="0"/>
               <a:t>View</a:t>
             </a:r>
-            <a:r>
-              <a:rPr lang="ko-KR" altLang="en-US" sz="1050" b="1" dirty="0"/>
-              <a:t>는 화면에 나타내는 것 뿐만 아니라</a:t>
-            </a:r>
-            <a:r>
-              <a:rPr lang="en-US" altLang="ko-KR" sz="1050" b="1" dirty="0"/>
-              <a:t>, </a:t>
-            </a:r>
-            <a:r>
-              <a:rPr lang="ko-KR" altLang="en-US" sz="1050" b="1" dirty="0"/>
-              <a:t>자식 </a:t>
-            </a:r>
-            <a:r>
-              <a:rPr lang="en-US" altLang="ko-KR" sz="1050" b="1" dirty="0"/>
+            <a:endParaRPr lang="ko-KR" altLang="en-US" sz="1350" b="1" dirty="0"/>
+          </a:p>
+        </p:txBody>
+      </p:sp>
+      <p:cxnSp>
+        <p:nvCxnSpPr>
+          <p:cNvPr id="42" name="직선 화살표 연결선 41">
+            <a:extLst>
+              <a:ext uri="{FF2B5EF4-FFF2-40B4-BE49-F238E27FC236}">
+                <a16:creationId xmlns:a16="http://schemas.microsoft.com/office/drawing/2014/main" id="{8BCDFFF2-2C5F-45BA-B76F-479C120D3578}"/>
+              </a:ext>
+            </a:extLst>
+          </p:cNvPr>
+          <p:cNvCxnSpPr>
+            <a:stCxn id="38" idx="3"/>
+            <a:endCxn id="40" idx="1"/>
+          </p:cNvCxnSpPr>
+          <p:nvPr/>
+        </p:nvCxnSpPr>
+        <p:spPr>
+          <a:xfrm>
+            <a:off x="6025392" y="5458091"/>
+            <a:ext cx="598764" cy="0"/>
+          </a:xfrm>
+          <a:prstGeom prst="straightConnector1">
+            <a:avLst/>
+          </a:prstGeom>
+          <a:ln>
+            <a:solidFill>
+              <a:schemeClr val="accent4"/>
+            </a:solidFill>
+            <a:tailEnd type="triangle"/>
+          </a:ln>
+        </p:spPr>
+        <p:style>
+          <a:lnRef idx="1">
+            <a:schemeClr val="accent1"/>
+          </a:lnRef>
+          <a:fillRef idx="0">
+            <a:schemeClr val="accent1"/>
+          </a:fillRef>
+          <a:effectRef idx="0">
+            <a:schemeClr val="accent1"/>
+          </a:effectRef>
+          <a:fontRef idx="minor">
+            <a:schemeClr val="tx1"/>
+          </a:fontRef>
+        </p:style>
+      </p:cxnSp>
+      <p:sp>
+        <p:nvSpPr>
+          <p:cNvPr id="43" name="사각형: 둥근 모서리 42">
+            <a:extLst>
+              <a:ext uri="{FF2B5EF4-FFF2-40B4-BE49-F238E27FC236}">
+                <a16:creationId xmlns:a16="http://schemas.microsoft.com/office/drawing/2014/main" id="{D03C81E9-D0FE-4CDD-A224-5806882BC867}"/>
+              </a:ext>
+            </a:extLst>
+          </p:cNvPr>
+          <p:cNvSpPr/>
+          <p:nvPr/>
+        </p:nvSpPr>
+        <p:spPr>
+          <a:xfrm>
+            <a:off x="4748168" y="5647259"/>
+            <a:ext cx="1277224" cy="603175"/>
+          </a:xfrm>
+          <a:prstGeom prst="roundRect">
+            <a:avLst/>
+          </a:prstGeom>
+          <a:solidFill>
+            <a:schemeClr val="accent3">
+              <a:lumMod val="50000"/>
+            </a:schemeClr>
+          </a:solidFill>
+          <a:ln>
+            <a:solidFill>
+              <a:schemeClr val="bg1"/>
+            </a:solidFill>
+          </a:ln>
+        </p:spPr>
+        <p:style>
+          <a:lnRef idx="2">
+            <a:schemeClr val="accent1">
+              <a:shade val="50000"/>
+            </a:schemeClr>
+          </a:lnRef>
+          <a:fillRef idx="1">
+            <a:schemeClr val="accent1"/>
+          </a:fillRef>
+          <a:effectRef idx="0">
+            <a:schemeClr val="accent1"/>
+          </a:effectRef>
+          <a:fontRef idx="minor">
+            <a:schemeClr val="lt1"/>
+          </a:fontRef>
+        </p:style>
+        <p:txBody>
+          <a:bodyPr rot="0" spcFirstLastPara="0" vertOverflow="overflow" horzOverflow="overflow" vert="horz" wrap="square" lIns="68580" tIns="34290" rIns="68580" bIns="34290" numCol="1" spcCol="0" rtlCol="0" fromWordArt="0" anchor="ctr" anchorCtr="0" forceAA="0" compatLnSpc="1">
+            <a:prstTxWarp prst="textNoShape">
+              <a:avLst/>
+            </a:prstTxWarp>
+            <a:noAutofit/>
+          </a:bodyPr>
+          <a:lstStyle/>
+          <a:p>
+            <a:pPr algn="ctr"/>
+            <a:endParaRPr lang="ko-KR" altLang="en-US" sz="1350"/>
+          </a:p>
+        </p:txBody>
+      </p:sp>
+      <p:sp>
+        <p:nvSpPr>
+          <p:cNvPr id="44" name="TextBox 43">
+            <a:extLst>
+              <a:ext uri="{FF2B5EF4-FFF2-40B4-BE49-F238E27FC236}">
+                <a16:creationId xmlns:a16="http://schemas.microsoft.com/office/drawing/2014/main" id="{12BF4869-5C64-4029-B26C-615AF136413B}"/>
+              </a:ext>
+            </a:extLst>
+          </p:cNvPr>
+          <p:cNvSpPr txBox="1"/>
+          <p:nvPr/>
+        </p:nvSpPr>
+        <p:spPr>
+          <a:xfrm>
+            <a:off x="4748168" y="5823883"/>
+            <a:ext cx="1270932" cy="248002"/>
+          </a:xfrm>
+          <a:prstGeom prst="rect">
+            <a:avLst/>
+          </a:prstGeom>
+          <a:noFill/>
+        </p:spPr>
+        <p:txBody>
+          <a:bodyPr wrap="square" rtlCol="0">
+            <a:spAutoFit/>
+          </a:bodyPr>
+          <a:lstStyle/>
+          <a:p>
+            <a:pPr algn="ctr"/>
+            <a:r>
+              <a:rPr lang="en-US" altLang="ko-KR" sz="1350" b="1" dirty="0"/>
+              <a:t>Model</a:t>
+            </a:r>
+            <a:endParaRPr lang="ko-KR" altLang="en-US" sz="1350" b="1" dirty="0"/>
+          </a:p>
+        </p:txBody>
+      </p:sp>
+      <p:sp>
+        <p:nvSpPr>
+          <p:cNvPr id="45" name="사각형: 둥근 모서리 44">
+            <a:extLst>
+              <a:ext uri="{FF2B5EF4-FFF2-40B4-BE49-F238E27FC236}">
+                <a16:creationId xmlns:a16="http://schemas.microsoft.com/office/drawing/2014/main" id="{7DCBA47F-C317-4174-957D-2C0339CD20CB}"/>
+              </a:ext>
+            </a:extLst>
+          </p:cNvPr>
+          <p:cNvSpPr/>
+          <p:nvPr/>
+        </p:nvSpPr>
+        <p:spPr>
+          <a:xfrm>
+            <a:off x="6624156" y="5647259"/>
+            <a:ext cx="1277224" cy="603175"/>
+          </a:xfrm>
+          <a:prstGeom prst="roundRect">
+            <a:avLst/>
+          </a:prstGeom>
+          <a:solidFill>
+            <a:schemeClr val="accent6"/>
+          </a:solidFill>
+          <a:ln>
+            <a:solidFill>
+              <a:schemeClr val="bg1"/>
+            </a:solidFill>
+          </a:ln>
+        </p:spPr>
+        <p:style>
+          <a:lnRef idx="2">
+            <a:schemeClr val="accent1">
+              <a:shade val="50000"/>
+            </a:schemeClr>
+          </a:lnRef>
+          <a:fillRef idx="1">
+            <a:schemeClr val="accent1"/>
+          </a:fillRef>
+          <a:effectRef idx="0">
+            <a:schemeClr val="accent1"/>
+          </a:effectRef>
+          <a:fontRef idx="minor">
+            <a:schemeClr val="lt1"/>
+          </a:fontRef>
+        </p:style>
+        <p:txBody>
+          <a:bodyPr rot="0" spcFirstLastPara="0" vertOverflow="overflow" horzOverflow="overflow" vert="horz" wrap="square" lIns="68580" tIns="34290" rIns="68580" bIns="34290" numCol="1" spcCol="0" rtlCol="0" fromWordArt="0" anchor="ctr" anchorCtr="0" forceAA="0" compatLnSpc="1">
+            <a:prstTxWarp prst="textNoShape">
+              <a:avLst/>
+            </a:prstTxWarp>
+            <a:noAutofit/>
+          </a:bodyPr>
+          <a:lstStyle/>
+          <a:p>
+            <a:pPr algn="ctr"/>
+            <a:endParaRPr lang="ko-KR" altLang="en-US" sz="1350"/>
+          </a:p>
+        </p:txBody>
+      </p:sp>
+      <p:sp>
+        <p:nvSpPr>
+          <p:cNvPr id="46" name="TextBox 45">
+            <a:extLst>
+              <a:ext uri="{FF2B5EF4-FFF2-40B4-BE49-F238E27FC236}">
+                <a16:creationId xmlns:a16="http://schemas.microsoft.com/office/drawing/2014/main" id="{333C387E-39F0-434B-A7A9-5659BB43DC22}"/>
+              </a:ext>
+            </a:extLst>
+          </p:cNvPr>
+          <p:cNvSpPr txBox="1"/>
+          <p:nvPr/>
+        </p:nvSpPr>
+        <p:spPr>
+          <a:xfrm>
+            <a:off x="6624156" y="5823883"/>
+            <a:ext cx="1270932" cy="248002"/>
+          </a:xfrm>
+          <a:prstGeom prst="rect">
+            <a:avLst/>
+          </a:prstGeom>
+          <a:noFill/>
+        </p:spPr>
+        <p:txBody>
+          <a:bodyPr wrap="square" rtlCol="0">
+            <a:spAutoFit/>
+          </a:bodyPr>
+          <a:lstStyle/>
+          <a:p>
+            <a:pPr algn="ctr"/>
+            <a:r>
+              <a:rPr lang="en-US" altLang="ko-KR" sz="1350" b="1" dirty="0"/>
               <a:t>View</a:t>
             </a:r>
-            <a:r>
-              <a:rPr lang="ko-KR" altLang="en-US" sz="1050" b="1" dirty="0"/>
-              <a:t>로 데이터를 흘려 보내는 역할도 합니다</a:t>
-            </a:r>
-            <a:r>
-              <a:rPr lang="en-US" altLang="ko-KR" sz="1050" b="1" dirty="0"/>
-              <a:t>.</a:t>
-            </a:r>
-          </a:p>
-          <a:p>
-            <a:pPr marL="685800" lvl="1" indent="-228600">
-              <a:lnSpc>
-                <a:spcPct val="150000"/>
-              </a:lnSpc>
-              <a:buFont typeface="+mj-lt"/>
-              <a:buAutoNum type="arabicParenR"/>
-            </a:pPr>
-            <a:r>
-              <a:rPr lang="en-US" altLang="ko-KR" sz="1050" b="1" dirty="0"/>
+            <a:endParaRPr lang="ko-KR" altLang="en-US" sz="1350" b="1" dirty="0"/>
+          </a:p>
+        </p:txBody>
+      </p:sp>
+      <p:cxnSp>
+        <p:nvCxnSpPr>
+          <p:cNvPr id="47" name="직선 화살표 연결선 46">
+            <a:extLst>
+              <a:ext uri="{FF2B5EF4-FFF2-40B4-BE49-F238E27FC236}">
+                <a16:creationId xmlns:a16="http://schemas.microsoft.com/office/drawing/2014/main" id="{5D2A63BD-33F4-4FE0-BE2F-2756E33C0E34}"/>
+              </a:ext>
+            </a:extLst>
+          </p:cNvPr>
+          <p:cNvCxnSpPr>
+            <a:stCxn id="43" idx="3"/>
+            <a:endCxn id="45" idx="1"/>
+          </p:cNvCxnSpPr>
+          <p:nvPr/>
+        </p:nvCxnSpPr>
+        <p:spPr>
+          <a:xfrm>
+            <a:off x="6025392" y="5948847"/>
+            <a:ext cx="598764" cy="0"/>
+          </a:xfrm>
+          <a:prstGeom prst="straightConnector1">
+            <a:avLst/>
+          </a:prstGeom>
+          <a:ln>
+            <a:solidFill>
+              <a:schemeClr val="accent4"/>
+            </a:solidFill>
+            <a:tailEnd type="triangle"/>
+          </a:ln>
+        </p:spPr>
+        <p:style>
+          <a:lnRef idx="1">
+            <a:schemeClr val="accent1"/>
+          </a:lnRef>
+          <a:fillRef idx="0">
+            <a:schemeClr val="accent1"/>
+          </a:fillRef>
+          <a:effectRef idx="0">
+            <a:schemeClr val="accent1"/>
+          </a:effectRef>
+          <a:fontRef idx="minor">
+            <a:schemeClr val="tx1"/>
+          </a:fontRef>
+        </p:style>
+      </p:cxnSp>
+      <p:sp>
+        <p:nvSpPr>
+          <p:cNvPr id="48" name="사각형: 둥근 모서리 47">
+            <a:extLst>
+              <a:ext uri="{FF2B5EF4-FFF2-40B4-BE49-F238E27FC236}">
+                <a16:creationId xmlns:a16="http://schemas.microsoft.com/office/drawing/2014/main" id="{ED13CC81-3358-43DC-9926-4C09E02A4FD0}"/>
+              </a:ext>
+            </a:extLst>
+          </p:cNvPr>
+          <p:cNvSpPr/>
+          <p:nvPr/>
+        </p:nvSpPr>
+        <p:spPr>
+          <a:xfrm>
+            <a:off x="4761800" y="6183107"/>
+            <a:ext cx="1277224" cy="603175"/>
+          </a:xfrm>
+          <a:prstGeom prst="roundRect">
+            <a:avLst/>
+          </a:prstGeom>
+          <a:solidFill>
+            <a:schemeClr val="accent3">
+              <a:lumMod val="50000"/>
+            </a:schemeClr>
+          </a:solidFill>
+          <a:ln>
+            <a:solidFill>
+              <a:schemeClr val="bg1"/>
+            </a:solidFill>
+          </a:ln>
+        </p:spPr>
+        <p:style>
+          <a:lnRef idx="2">
+            <a:schemeClr val="accent1">
+              <a:shade val="50000"/>
+            </a:schemeClr>
+          </a:lnRef>
+          <a:fillRef idx="1">
+            <a:schemeClr val="accent1"/>
+          </a:fillRef>
+          <a:effectRef idx="0">
+            <a:schemeClr val="accent1"/>
+          </a:effectRef>
+          <a:fontRef idx="minor">
+            <a:schemeClr val="lt1"/>
+          </a:fontRef>
+        </p:style>
+        <p:txBody>
+          <a:bodyPr rot="0" spcFirstLastPara="0" vertOverflow="overflow" horzOverflow="overflow" vert="horz" wrap="square" lIns="68580" tIns="34290" rIns="68580" bIns="34290" numCol="1" spcCol="0" rtlCol="0" fromWordArt="0" anchor="ctr" anchorCtr="0" forceAA="0" compatLnSpc="1">
+            <a:prstTxWarp prst="textNoShape">
+              <a:avLst/>
+            </a:prstTxWarp>
+            <a:noAutofit/>
+          </a:bodyPr>
+          <a:lstStyle/>
+          <a:p>
+            <a:pPr algn="ctr"/>
+            <a:endParaRPr lang="ko-KR" altLang="en-US" sz="1350"/>
+          </a:p>
+        </p:txBody>
+      </p:sp>
+      <p:sp>
+        <p:nvSpPr>
+          <p:cNvPr id="49" name="TextBox 48">
+            <a:extLst>
+              <a:ext uri="{FF2B5EF4-FFF2-40B4-BE49-F238E27FC236}">
+                <a16:creationId xmlns:a16="http://schemas.microsoft.com/office/drawing/2014/main" id="{851ABCC0-F14E-49E1-BDF8-0F6D8B2509E2}"/>
+              </a:ext>
+            </a:extLst>
+          </p:cNvPr>
+          <p:cNvSpPr txBox="1"/>
+          <p:nvPr/>
+        </p:nvSpPr>
+        <p:spPr>
+          <a:xfrm>
+            <a:off x="4761800" y="6359731"/>
+            <a:ext cx="1270932" cy="248002"/>
+          </a:xfrm>
+          <a:prstGeom prst="rect">
+            <a:avLst/>
+          </a:prstGeom>
+          <a:noFill/>
+        </p:spPr>
+        <p:txBody>
+          <a:bodyPr wrap="square" rtlCol="0">
+            <a:spAutoFit/>
+          </a:bodyPr>
+          <a:lstStyle/>
+          <a:p>
+            <a:pPr algn="ctr"/>
+            <a:r>
+              <a:rPr lang="en-US" altLang="ko-KR" sz="1350" b="1" dirty="0"/>
+              <a:t>Model</a:t>
+            </a:r>
+            <a:endParaRPr lang="ko-KR" altLang="en-US" sz="1350" b="1" dirty="0"/>
+          </a:p>
+        </p:txBody>
+      </p:sp>
+      <p:sp>
+        <p:nvSpPr>
+          <p:cNvPr id="50" name="사각형: 둥근 모서리 49">
+            <a:extLst>
+              <a:ext uri="{FF2B5EF4-FFF2-40B4-BE49-F238E27FC236}">
+                <a16:creationId xmlns:a16="http://schemas.microsoft.com/office/drawing/2014/main" id="{C3FF8435-D28E-4A57-94E7-C379FEA0C791}"/>
+              </a:ext>
+            </a:extLst>
+          </p:cNvPr>
+          <p:cNvSpPr/>
+          <p:nvPr/>
+        </p:nvSpPr>
+        <p:spPr>
+          <a:xfrm>
+            <a:off x="6637788" y="6183107"/>
+            <a:ext cx="1277224" cy="603175"/>
+          </a:xfrm>
+          <a:prstGeom prst="roundRect">
+            <a:avLst/>
+          </a:prstGeom>
+          <a:solidFill>
+            <a:schemeClr val="accent6"/>
+          </a:solidFill>
+          <a:ln>
+            <a:solidFill>
+              <a:schemeClr val="bg1"/>
+            </a:solidFill>
+          </a:ln>
+        </p:spPr>
+        <p:style>
+          <a:lnRef idx="2">
+            <a:schemeClr val="accent1">
+              <a:shade val="50000"/>
+            </a:schemeClr>
+          </a:lnRef>
+          <a:fillRef idx="1">
+            <a:schemeClr val="accent1"/>
+          </a:fillRef>
+          <a:effectRef idx="0">
+            <a:schemeClr val="accent1"/>
+          </a:effectRef>
+          <a:fontRef idx="minor">
+            <a:schemeClr val="lt1"/>
+          </a:fontRef>
+        </p:style>
+        <p:txBody>
+          <a:bodyPr rot="0" spcFirstLastPara="0" vertOverflow="overflow" horzOverflow="overflow" vert="horz" wrap="square" lIns="68580" tIns="34290" rIns="68580" bIns="34290" numCol="1" spcCol="0" rtlCol="0" fromWordArt="0" anchor="ctr" anchorCtr="0" forceAA="0" compatLnSpc="1">
+            <a:prstTxWarp prst="textNoShape">
+              <a:avLst/>
+            </a:prstTxWarp>
+            <a:noAutofit/>
+          </a:bodyPr>
+          <a:lstStyle/>
+          <a:p>
+            <a:pPr algn="ctr"/>
+            <a:endParaRPr lang="ko-KR" altLang="en-US" sz="1350"/>
+          </a:p>
+        </p:txBody>
+      </p:sp>
+      <p:sp>
+        <p:nvSpPr>
+          <p:cNvPr id="51" name="TextBox 50">
+            <a:extLst>
+              <a:ext uri="{FF2B5EF4-FFF2-40B4-BE49-F238E27FC236}">
+                <a16:creationId xmlns:a16="http://schemas.microsoft.com/office/drawing/2014/main" id="{7CDF922E-B019-4916-BFA0-312AAA145619}"/>
+              </a:ext>
+            </a:extLst>
+          </p:cNvPr>
+          <p:cNvSpPr txBox="1"/>
+          <p:nvPr/>
+        </p:nvSpPr>
+        <p:spPr>
+          <a:xfrm>
+            <a:off x="6637788" y="6359731"/>
+            <a:ext cx="1270932" cy="248002"/>
+          </a:xfrm>
+          <a:prstGeom prst="rect">
+            <a:avLst/>
+          </a:prstGeom>
+          <a:noFill/>
+        </p:spPr>
+        <p:txBody>
+          <a:bodyPr wrap="square" rtlCol="0">
+            <a:spAutoFit/>
+          </a:bodyPr>
+          <a:lstStyle/>
+          <a:p>
+            <a:pPr algn="ctr"/>
+            <a:r>
+              <a:rPr lang="en-US" altLang="ko-KR" sz="1350" b="1" dirty="0"/>
+              <a:t>View</a:t>
+            </a:r>
+            <a:endParaRPr lang="ko-KR" altLang="en-US" sz="1350" b="1" dirty="0"/>
+          </a:p>
+        </p:txBody>
+      </p:sp>
+      <p:cxnSp>
+        <p:nvCxnSpPr>
+          <p:cNvPr id="52" name="직선 화살표 연결선 51">
+            <a:extLst>
+              <a:ext uri="{FF2B5EF4-FFF2-40B4-BE49-F238E27FC236}">
+                <a16:creationId xmlns:a16="http://schemas.microsoft.com/office/drawing/2014/main" id="{B8F72AC2-1289-4B71-A391-ECE1C35663EA}"/>
+              </a:ext>
+            </a:extLst>
+          </p:cNvPr>
+          <p:cNvCxnSpPr>
+            <a:stCxn id="48" idx="3"/>
+            <a:endCxn id="50" idx="1"/>
+          </p:cNvCxnSpPr>
+          <p:nvPr/>
+        </p:nvCxnSpPr>
+        <p:spPr>
+          <a:xfrm>
+            <a:off x="6039024" y="6484695"/>
+            <a:ext cx="598764" cy="0"/>
+          </a:xfrm>
+          <a:prstGeom prst="straightConnector1">
+            <a:avLst/>
+          </a:prstGeom>
+          <a:ln>
+            <a:solidFill>
+              <a:schemeClr val="accent4"/>
+            </a:solidFill>
+            <a:tailEnd type="triangle"/>
+          </a:ln>
+        </p:spPr>
+        <p:style>
+          <a:lnRef idx="1">
+            <a:schemeClr val="accent1"/>
+          </a:lnRef>
+          <a:fillRef idx="0">
+            <a:schemeClr val="accent1"/>
+          </a:fillRef>
+          <a:effectRef idx="0">
+            <a:schemeClr val="accent1"/>
+          </a:effectRef>
+          <a:fontRef idx="minor">
+            <a:schemeClr val="tx1"/>
+          </a:fontRef>
+        </p:style>
+      </p:cxnSp>
+      <p:cxnSp>
+        <p:nvCxnSpPr>
+          <p:cNvPr id="53" name="직선 화살표 연결선 52">
+            <a:extLst>
+              <a:ext uri="{FF2B5EF4-FFF2-40B4-BE49-F238E27FC236}">
+                <a16:creationId xmlns:a16="http://schemas.microsoft.com/office/drawing/2014/main" id="{CCC552A3-D642-463B-AB7C-8B4B0C2F3677}"/>
+              </a:ext>
+            </a:extLst>
+          </p:cNvPr>
+          <p:cNvCxnSpPr>
+            <a:stCxn id="12" idx="3"/>
+            <a:endCxn id="28" idx="1"/>
+          </p:cNvCxnSpPr>
+          <p:nvPr/>
+        </p:nvCxnSpPr>
+        <p:spPr>
+          <a:xfrm flipV="1">
+            <a:off x="4121092" y="4411563"/>
+            <a:ext cx="612395" cy="867213"/>
+          </a:xfrm>
+          <a:prstGeom prst="straightConnector1">
+            <a:avLst/>
+          </a:prstGeom>
+          <a:ln>
+            <a:solidFill>
+              <a:schemeClr val="accent4"/>
+            </a:solidFill>
+            <a:tailEnd type="triangle"/>
+          </a:ln>
+        </p:spPr>
+        <p:style>
+          <a:lnRef idx="1">
+            <a:schemeClr val="accent1"/>
+          </a:lnRef>
+          <a:fillRef idx="0">
+            <a:schemeClr val="accent1"/>
+          </a:fillRef>
+          <a:effectRef idx="0">
+            <a:schemeClr val="accent1"/>
+          </a:effectRef>
+          <a:fontRef idx="minor">
+            <a:schemeClr val="tx1"/>
+          </a:fontRef>
+        </p:style>
+      </p:cxnSp>
+      <p:cxnSp>
+        <p:nvCxnSpPr>
+          <p:cNvPr id="54" name="직선 화살표 연결선 53">
+            <a:extLst>
+              <a:ext uri="{FF2B5EF4-FFF2-40B4-BE49-F238E27FC236}">
+                <a16:creationId xmlns:a16="http://schemas.microsoft.com/office/drawing/2014/main" id="{5AC43C83-1CDA-4A07-97F8-02099CFF6994}"/>
+              </a:ext>
+            </a:extLst>
+          </p:cNvPr>
+          <p:cNvCxnSpPr>
+            <a:stCxn id="15" idx="3"/>
+            <a:endCxn id="33" idx="1"/>
+          </p:cNvCxnSpPr>
+          <p:nvPr/>
+        </p:nvCxnSpPr>
+        <p:spPr>
+          <a:xfrm flipV="1">
+            <a:off x="4114800" y="4934827"/>
+            <a:ext cx="619736" cy="342986"/>
+          </a:xfrm>
+          <a:prstGeom prst="straightConnector1">
+            <a:avLst/>
+          </a:prstGeom>
+          <a:ln>
+            <a:solidFill>
+              <a:schemeClr val="accent4"/>
+            </a:solidFill>
+            <a:tailEnd type="triangle"/>
+          </a:ln>
+        </p:spPr>
+        <p:style>
+          <a:lnRef idx="1">
+            <a:schemeClr val="accent1"/>
+          </a:lnRef>
+          <a:fillRef idx="0">
+            <a:schemeClr val="accent1"/>
+          </a:fillRef>
+          <a:effectRef idx="0">
+            <a:schemeClr val="accent1"/>
+          </a:effectRef>
+          <a:fontRef idx="minor">
+            <a:schemeClr val="tx1"/>
+          </a:fontRef>
+        </p:style>
+      </p:cxnSp>
+      <p:cxnSp>
+        <p:nvCxnSpPr>
+          <p:cNvPr id="55" name="직선 화살표 연결선 54">
+            <a:extLst>
+              <a:ext uri="{FF2B5EF4-FFF2-40B4-BE49-F238E27FC236}">
+                <a16:creationId xmlns:a16="http://schemas.microsoft.com/office/drawing/2014/main" id="{A3A7B578-D9DF-4B1B-BFFB-80A9468530B6}"/>
+              </a:ext>
+            </a:extLst>
+          </p:cNvPr>
+          <p:cNvCxnSpPr>
+            <a:stCxn id="12" idx="3"/>
+            <a:endCxn id="38" idx="1"/>
+          </p:cNvCxnSpPr>
+          <p:nvPr/>
+        </p:nvCxnSpPr>
+        <p:spPr>
+          <a:xfrm>
+            <a:off x="4121092" y="5278776"/>
+            <a:ext cx="627076" cy="179315"/>
+          </a:xfrm>
+          <a:prstGeom prst="straightConnector1">
+            <a:avLst/>
+          </a:prstGeom>
+          <a:ln>
+            <a:solidFill>
+              <a:schemeClr val="accent4"/>
+            </a:solidFill>
+            <a:tailEnd type="triangle"/>
+          </a:ln>
+        </p:spPr>
+        <p:style>
+          <a:lnRef idx="1">
+            <a:schemeClr val="accent1"/>
+          </a:lnRef>
+          <a:fillRef idx="0">
+            <a:schemeClr val="accent1"/>
+          </a:fillRef>
+          <a:effectRef idx="0">
+            <a:schemeClr val="accent1"/>
+          </a:effectRef>
+          <a:fontRef idx="minor">
+            <a:schemeClr val="tx1"/>
+          </a:fontRef>
+        </p:style>
+      </p:cxnSp>
+      <p:cxnSp>
+        <p:nvCxnSpPr>
+          <p:cNvPr id="56" name="직선 화살표 연결선 55">
+            <a:extLst>
+              <a:ext uri="{FF2B5EF4-FFF2-40B4-BE49-F238E27FC236}">
+                <a16:creationId xmlns:a16="http://schemas.microsoft.com/office/drawing/2014/main" id="{AB0C9606-FCDE-45A6-9BB8-93B8A9DA60E5}"/>
+              </a:ext>
+            </a:extLst>
+          </p:cNvPr>
+          <p:cNvCxnSpPr>
+            <a:stCxn id="12" idx="3"/>
+            <a:endCxn id="43" idx="1"/>
+          </p:cNvCxnSpPr>
+          <p:nvPr/>
+        </p:nvCxnSpPr>
+        <p:spPr>
+          <a:xfrm>
+            <a:off x="4121092" y="5278776"/>
+            <a:ext cx="627076" cy="670071"/>
+          </a:xfrm>
+          <a:prstGeom prst="straightConnector1">
+            <a:avLst/>
+          </a:prstGeom>
+          <a:ln>
+            <a:solidFill>
+              <a:schemeClr val="accent4"/>
+            </a:solidFill>
+            <a:tailEnd type="triangle"/>
+          </a:ln>
+        </p:spPr>
+        <p:style>
+          <a:lnRef idx="1">
+            <a:schemeClr val="accent1"/>
+          </a:lnRef>
+          <a:fillRef idx="0">
+            <a:schemeClr val="accent1"/>
+          </a:fillRef>
+          <a:effectRef idx="0">
+            <a:schemeClr val="accent1"/>
+          </a:effectRef>
+          <a:fontRef idx="minor">
+            <a:schemeClr val="tx1"/>
+          </a:fontRef>
+        </p:style>
+      </p:cxnSp>
+      <p:cxnSp>
+        <p:nvCxnSpPr>
+          <p:cNvPr id="57" name="직선 화살표 연결선 56">
+            <a:extLst>
+              <a:ext uri="{FF2B5EF4-FFF2-40B4-BE49-F238E27FC236}">
+                <a16:creationId xmlns:a16="http://schemas.microsoft.com/office/drawing/2014/main" id="{367EF5A8-4651-4FBF-9741-0EDA08F54A04}"/>
+              </a:ext>
+            </a:extLst>
+          </p:cNvPr>
+          <p:cNvCxnSpPr>
+            <a:stCxn id="12" idx="3"/>
+            <a:endCxn id="49" idx="1"/>
+          </p:cNvCxnSpPr>
+          <p:nvPr/>
+        </p:nvCxnSpPr>
+        <p:spPr>
+          <a:xfrm>
+            <a:off x="4121092" y="5278776"/>
+            <a:ext cx="640708" cy="1204956"/>
+          </a:xfrm>
+          <a:prstGeom prst="straightConnector1">
+            <a:avLst/>
+          </a:prstGeom>
+          <a:ln>
+            <a:solidFill>
+              <a:schemeClr val="accent4"/>
+            </a:solidFill>
+            <a:tailEnd type="triangle"/>
+          </a:ln>
+        </p:spPr>
+        <p:style>
+          <a:lnRef idx="1">
+            <a:schemeClr val="accent1"/>
+          </a:lnRef>
+          <a:fillRef idx="0">
+            <a:schemeClr val="accent1"/>
+          </a:fillRef>
+          <a:effectRef idx="0">
+            <a:schemeClr val="accent1"/>
+          </a:effectRef>
+          <a:fontRef idx="minor">
+            <a:schemeClr val="tx1"/>
+          </a:fontRef>
+        </p:style>
+      </p:cxnSp>
+      <p:cxnSp>
+        <p:nvCxnSpPr>
+          <p:cNvPr id="58" name="직선 화살표 연결선 57">
+            <a:extLst>
+              <a:ext uri="{FF2B5EF4-FFF2-40B4-BE49-F238E27FC236}">
+                <a16:creationId xmlns:a16="http://schemas.microsoft.com/office/drawing/2014/main" id="{64AFD01E-7F6F-4896-B8AC-38EF7771AA8D}"/>
+              </a:ext>
+            </a:extLst>
+          </p:cNvPr>
+          <p:cNvCxnSpPr>
+            <a:stCxn id="18" idx="3"/>
+            <a:endCxn id="35" idx="1"/>
+          </p:cNvCxnSpPr>
+          <p:nvPr/>
+        </p:nvCxnSpPr>
+        <p:spPr>
+          <a:xfrm>
+            <a:off x="5990788" y="3887337"/>
+            <a:ext cx="619736" cy="1047490"/>
+          </a:xfrm>
+          <a:prstGeom prst="straightConnector1">
+            <a:avLst/>
+          </a:prstGeom>
+          <a:ln>
+            <a:solidFill>
+              <a:schemeClr val="accent4"/>
+            </a:solidFill>
+            <a:tailEnd type="triangle"/>
+          </a:ln>
+        </p:spPr>
+        <p:style>
+          <a:lnRef idx="1">
+            <a:schemeClr val="accent1"/>
+          </a:lnRef>
+          <a:fillRef idx="0">
+            <a:schemeClr val="accent1"/>
+          </a:fillRef>
+          <a:effectRef idx="0">
+            <a:schemeClr val="accent1"/>
+          </a:effectRef>
+          <a:fontRef idx="minor">
+            <a:schemeClr val="tx1"/>
+          </a:fontRef>
+        </p:style>
+      </p:cxnSp>
+      <p:cxnSp>
+        <p:nvCxnSpPr>
+          <p:cNvPr id="59" name="직선 화살표 연결선 58">
+            <a:extLst>
+              <a:ext uri="{FF2B5EF4-FFF2-40B4-BE49-F238E27FC236}">
+                <a16:creationId xmlns:a16="http://schemas.microsoft.com/office/drawing/2014/main" id="{4E860EFE-CFFC-4613-8557-A0AAD184D371}"/>
+              </a:ext>
+            </a:extLst>
+          </p:cNvPr>
+          <p:cNvCxnSpPr>
+            <a:stCxn id="39" idx="3"/>
+            <a:endCxn id="19" idx="1"/>
+          </p:cNvCxnSpPr>
+          <p:nvPr/>
+        </p:nvCxnSpPr>
+        <p:spPr>
+          <a:xfrm flipV="1">
+            <a:off x="6019100" y="3888300"/>
+            <a:ext cx="576743" cy="1568828"/>
+          </a:xfrm>
+          <a:prstGeom prst="straightConnector1">
+            <a:avLst/>
+          </a:prstGeom>
+          <a:ln>
+            <a:solidFill>
+              <a:schemeClr val="accent4"/>
+            </a:solidFill>
+            <a:tailEnd type="triangle"/>
+          </a:ln>
+        </p:spPr>
+        <p:style>
+          <a:lnRef idx="1">
+            <a:schemeClr val="accent1"/>
+          </a:lnRef>
+          <a:fillRef idx="0">
+            <a:schemeClr val="accent1"/>
+          </a:fillRef>
+          <a:effectRef idx="0">
+            <a:schemeClr val="accent1"/>
+          </a:effectRef>
+          <a:fontRef idx="minor">
+            <a:schemeClr val="tx1"/>
+          </a:fontRef>
+        </p:style>
+      </p:cxnSp>
+      <p:cxnSp>
+        <p:nvCxnSpPr>
+          <p:cNvPr id="60" name="직선 화살표 연결선 59">
+            <a:extLst>
+              <a:ext uri="{FF2B5EF4-FFF2-40B4-BE49-F238E27FC236}">
+                <a16:creationId xmlns:a16="http://schemas.microsoft.com/office/drawing/2014/main" id="{8E110B93-C047-4E27-842B-805636B011E0}"/>
+              </a:ext>
+            </a:extLst>
+          </p:cNvPr>
+          <p:cNvCxnSpPr>
+            <a:stCxn id="34" idx="3"/>
+            <a:endCxn id="51" idx="1"/>
+          </p:cNvCxnSpPr>
+          <p:nvPr/>
+        </p:nvCxnSpPr>
+        <p:spPr>
+          <a:xfrm>
+            <a:off x="6005468" y="4933864"/>
+            <a:ext cx="632320" cy="1549868"/>
+          </a:xfrm>
+          <a:prstGeom prst="straightConnector1">
+            <a:avLst/>
+          </a:prstGeom>
+          <a:ln>
+            <a:solidFill>
+              <a:schemeClr val="accent4"/>
+            </a:solidFill>
+            <a:tailEnd type="triangle"/>
+          </a:ln>
+        </p:spPr>
+        <p:style>
+          <a:lnRef idx="1">
+            <a:schemeClr val="accent1"/>
+          </a:lnRef>
+          <a:fillRef idx="0">
+            <a:schemeClr val="accent1"/>
+          </a:fillRef>
+          <a:effectRef idx="0">
+            <a:schemeClr val="accent1"/>
+          </a:effectRef>
+          <a:fontRef idx="minor">
+            <a:schemeClr val="tx1"/>
+          </a:fontRef>
+        </p:style>
+      </p:cxnSp>
+      <p:sp>
+        <p:nvSpPr>
+          <p:cNvPr id="72" name="사각형: 둥근 모서리 71">
+            <a:extLst>
+              <a:ext uri="{FF2B5EF4-FFF2-40B4-BE49-F238E27FC236}">
+                <a16:creationId xmlns:a16="http://schemas.microsoft.com/office/drawing/2014/main" id="{DE54ADCB-1A25-4AFB-87D9-A47A8650E850}"/>
+              </a:ext>
+            </a:extLst>
+          </p:cNvPr>
+          <p:cNvSpPr/>
+          <p:nvPr/>
+        </p:nvSpPr>
+        <p:spPr>
+          <a:xfrm>
+            <a:off x="2827090" y="2737325"/>
+            <a:ext cx="1277224" cy="603175"/>
+          </a:xfrm>
+          <a:prstGeom prst="roundRect">
+            <a:avLst/>
+          </a:prstGeom>
+          <a:solidFill>
+            <a:schemeClr val="accent2">
+              <a:lumMod val="60000"/>
+              <a:lumOff val="40000"/>
+            </a:schemeClr>
+          </a:solidFill>
+          <a:ln>
+            <a:solidFill>
+              <a:schemeClr val="bg1"/>
+            </a:solidFill>
+          </a:ln>
+        </p:spPr>
+        <p:style>
+          <a:lnRef idx="2">
+            <a:schemeClr val="accent1">
+              <a:shade val="50000"/>
+            </a:schemeClr>
+          </a:lnRef>
+          <a:fillRef idx="1">
+            <a:schemeClr val="accent1"/>
+          </a:fillRef>
+          <a:effectRef idx="0">
+            <a:schemeClr val="accent1"/>
+          </a:effectRef>
+          <a:fontRef idx="minor">
+            <a:schemeClr val="lt1"/>
+          </a:fontRef>
+        </p:style>
+        <p:txBody>
+          <a:bodyPr rot="0" spcFirstLastPara="0" vertOverflow="overflow" horzOverflow="overflow" vert="horz" wrap="square" lIns="68580" tIns="34290" rIns="68580" bIns="34290" numCol="1" spcCol="0" rtlCol="0" fromWordArt="0" anchor="ctr" anchorCtr="0" forceAA="0" compatLnSpc="1">
+            <a:prstTxWarp prst="textNoShape">
+              <a:avLst/>
+            </a:prstTxWarp>
+            <a:noAutofit/>
+          </a:bodyPr>
+          <a:lstStyle/>
+          <a:p>
+            <a:pPr algn="ctr"/>
+            <a:endParaRPr lang="ko-KR" altLang="en-US" sz="1350"/>
+          </a:p>
+        </p:txBody>
+      </p:sp>
+      <p:sp>
+        <p:nvSpPr>
+          <p:cNvPr id="73" name="TextBox 72">
+            <a:extLst>
+              <a:ext uri="{FF2B5EF4-FFF2-40B4-BE49-F238E27FC236}">
+                <a16:creationId xmlns:a16="http://schemas.microsoft.com/office/drawing/2014/main" id="{9C26D026-0399-4743-A7FE-AD9B5015399D}"/>
+              </a:ext>
+            </a:extLst>
+          </p:cNvPr>
+          <p:cNvSpPr txBox="1"/>
+          <p:nvPr/>
+        </p:nvSpPr>
+        <p:spPr>
+          <a:xfrm>
+            <a:off x="2827090" y="2913949"/>
+            <a:ext cx="1270932" cy="248002"/>
+          </a:xfrm>
+          <a:prstGeom prst="rect">
+            <a:avLst/>
+          </a:prstGeom>
+          <a:noFill/>
+        </p:spPr>
+        <p:txBody>
+          <a:bodyPr wrap="square" rtlCol="0">
+            <a:spAutoFit/>
+          </a:bodyPr>
+          <a:lstStyle/>
+          <a:p>
+            <a:pPr algn="ctr"/>
+            <a:r>
+              <a:rPr lang="en-US" altLang="ko-KR" sz="1350" b="1" dirty="0"/>
+              <a:t>Controller</a:t>
+            </a:r>
+            <a:endParaRPr lang="ko-KR" altLang="en-US" sz="1350" b="1" dirty="0"/>
+          </a:p>
+        </p:txBody>
+      </p:sp>
+      <p:sp>
+        <p:nvSpPr>
+          <p:cNvPr id="74" name="사각형: 둥근 모서리 73">
+            <a:extLst>
+              <a:ext uri="{FF2B5EF4-FFF2-40B4-BE49-F238E27FC236}">
+                <a16:creationId xmlns:a16="http://schemas.microsoft.com/office/drawing/2014/main" id="{665CBE08-D67A-4BBA-B5C7-E86EC3C14BDE}"/>
+              </a:ext>
+            </a:extLst>
+          </p:cNvPr>
+          <p:cNvSpPr/>
+          <p:nvPr/>
+        </p:nvSpPr>
+        <p:spPr>
+          <a:xfrm>
+            <a:off x="4703077" y="2737325"/>
+            <a:ext cx="1277224" cy="603175"/>
+          </a:xfrm>
+          <a:prstGeom prst="roundRect">
+            <a:avLst/>
+          </a:prstGeom>
+          <a:solidFill>
+            <a:schemeClr val="accent3">
+              <a:lumMod val="50000"/>
+            </a:schemeClr>
+          </a:solidFill>
+          <a:ln>
+            <a:solidFill>
+              <a:schemeClr val="bg1"/>
+            </a:solidFill>
+          </a:ln>
+        </p:spPr>
+        <p:style>
+          <a:lnRef idx="2">
+            <a:schemeClr val="accent1">
+              <a:shade val="50000"/>
+            </a:schemeClr>
+          </a:lnRef>
+          <a:fillRef idx="1">
+            <a:schemeClr val="accent1"/>
+          </a:fillRef>
+          <a:effectRef idx="0">
+            <a:schemeClr val="accent1"/>
+          </a:effectRef>
+          <a:fontRef idx="minor">
+            <a:schemeClr val="lt1"/>
+          </a:fontRef>
+        </p:style>
+        <p:txBody>
+          <a:bodyPr rot="0" spcFirstLastPara="0" vertOverflow="overflow" horzOverflow="overflow" vert="horz" wrap="square" lIns="68580" tIns="34290" rIns="68580" bIns="34290" numCol="1" spcCol="0" rtlCol="0" fromWordArt="0" anchor="ctr" anchorCtr="0" forceAA="0" compatLnSpc="1">
+            <a:prstTxWarp prst="textNoShape">
+              <a:avLst/>
+            </a:prstTxWarp>
+            <a:noAutofit/>
+          </a:bodyPr>
+          <a:lstStyle/>
+          <a:p>
+            <a:pPr algn="ctr"/>
+            <a:endParaRPr lang="ko-KR" altLang="en-US" sz="1350"/>
+          </a:p>
+        </p:txBody>
+      </p:sp>
+      <p:sp>
+        <p:nvSpPr>
+          <p:cNvPr id="75" name="TextBox 74">
+            <a:extLst>
+              <a:ext uri="{FF2B5EF4-FFF2-40B4-BE49-F238E27FC236}">
+                <a16:creationId xmlns:a16="http://schemas.microsoft.com/office/drawing/2014/main" id="{0F467ECE-AF30-441E-A44B-7CED15B61674}"/>
+              </a:ext>
+            </a:extLst>
+          </p:cNvPr>
+          <p:cNvSpPr txBox="1"/>
+          <p:nvPr/>
+        </p:nvSpPr>
+        <p:spPr>
+          <a:xfrm>
+            <a:off x="4703078" y="2913949"/>
+            <a:ext cx="1270932" cy="248002"/>
+          </a:xfrm>
+          <a:prstGeom prst="rect">
+            <a:avLst/>
+          </a:prstGeom>
+          <a:noFill/>
+        </p:spPr>
+        <p:txBody>
+          <a:bodyPr wrap="square" rtlCol="0">
+            <a:spAutoFit/>
+          </a:bodyPr>
+          <a:lstStyle/>
+          <a:p>
+            <a:pPr algn="ctr"/>
+            <a:r>
+              <a:rPr lang="en-US" altLang="ko-KR" sz="1350" b="1" dirty="0"/>
+              <a:t>Model</a:t>
+            </a:r>
+            <a:endParaRPr lang="ko-KR" altLang="en-US" sz="1350" b="1" dirty="0"/>
+          </a:p>
+        </p:txBody>
+      </p:sp>
+      <p:sp>
+        <p:nvSpPr>
+          <p:cNvPr id="76" name="사각형: 둥근 모서리 75">
+            <a:extLst>
+              <a:ext uri="{FF2B5EF4-FFF2-40B4-BE49-F238E27FC236}">
+                <a16:creationId xmlns:a16="http://schemas.microsoft.com/office/drawing/2014/main" id="{B685EC49-C47A-4CB5-8BFE-92DC39660A26}"/>
+              </a:ext>
+            </a:extLst>
+          </p:cNvPr>
+          <p:cNvSpPr/>
+          <p:nvPr/>
+        </p:nvSpPr>
+        <p:spPr>
+          <a:xfrm>
+            <a:off x="6579065" y="2737325"/>
+            <a:ext cx="1277224" cy="603175"/>
+          </a:xfrm>
+          <a:prstGeom prst="roundRect">
+            <a:avLst/>
+          </a:prstGeom>
+          <a:solidFill>
+            <a:schemeClr val="accent6"/>
+          </a:solidFill>
+          <a:ln>
+            <a:solidFill>
+              <a:schemeClr val="bg1"/>
+            </a:solidFill>
+          </a:ln>
+        </p:spPr>
+        <p:style>
+          <a:lnRef idx="2">
+            <a:schemeClr val="accent1">
+              <a:shade val="50000"/>
+            </a:schemeClr>
+          </a:lnRef>
+          <a:fillRef idx="1">
+            <a:schemeClr val="accent1"/>
+          </a:fillRef>
+          <a:effectRef idx="0">
+            <a:schemeClr val="accent1"/>
+          </a:effectRef>
+          <a:fontRef idx="minor">
+            <a:schemeClr val="lt1"/>
+          </a:fontRef>
+        </p:style>
+        <p:txBody>
+          <a:bodyPr rot="0" spcFirstLastPara="0" vertOverflow="overflow" horzOverflow="overflow" vert="horz" wrap="square" lIns="68580" tIns="34290" rIns="68580" bIns="34290" numCol="1" spcCol="0" rtlCol="0" fromWordArt="0" anchor="ctr" anchorCtr="0" forceAA="0" compatLnSpc="1">
+            <a:prstTxWarp prst="textNoShape">
+              <a:avLst/>
+            </a:prstTxWarp>
+            <a:noAutofit/>
+          </a:bodyPr>
+          <a:lstStyle/>
+          <a:p>
+            <a:pPr algn="ctr"/>
+            <a:endParaRPr lang="ko-KR" altLang="en-US" sz="1350"/>
+          </a:p>
+        </p:txBody>
+      </p:sp>
+      <p:sp>
+        <p:nvSpPr>
+          <p:cNvPr id="77" name="TextBox 76">
+            <a:extLst>
+              <a:ext uri="{FF2B5EF4-FFF2-40B4-BE49-F238E27FC236}">
+                <a16:creationId xmlns:a16="http://schemas.microsoft.com/office/drawing/2014/main" id="{1CF0EE24-B144-495E-AE85-26D5CB19A2B4}"/>
+              </a:ext>
+            </a:extLst>
+          </p:cNvPr>
+          <p:cNvSpPr txBox="1"/>
+          <p:nvPr/>
+        </p:nvSpPr>
+        <p:spPr>
+          <a:xfrm>
+            <a:off x="6579066" y="2913949"/>
+            <a:ext cx="1270932" cy="248002"/>
+          </a:xfrm>
+          <a:prstGeom prst="rect">
+            <a:avLst/>
+          </a:prstGeom>
+          <a:noFill/>
+        </p:spPr>
+        <p:txBody>
+          <a:bodyPr wrap="square" rtlCol="0">
+            <a:spAutoFit/>
+          </a:bodyPr>
+          <a:lstStyle/>
+          <a:p>
+            <a:pPr algn="ctr"/>
+            <a:r>
+              <a:rPr lang="en-US" altLang="ko-KR" sz="1350" b="1" dirty="0"/>
+              <a:t>View</a:t>
+            </a:r>
+            <a:endParaRPr lang="ko-KR" altLang="en-US" sz="1350" b="1" dirty="0"/>
+          </a:p>
+        </p:txBody>
+      </p:sp>
+      <p:sp>
+        <p:nvSpPr>
+          <p:cNvPr id="78" name="사각형: 둥근 모서리 77">
+            <a:extLst>
+              <a:ext uri="{FF2B5EF4-FFF2-40B4-BE49-F238E27FC236}">
+                <a16:creationId xmlns:a16="http://schemas.microsoft.com/office/drawing/2014/main" id="{F8E45610-BF09-4C66-B692-8DCBDE4C9B4F}"/>
+              </a:ext>
+            </a:extLst>
+          </p:cNvPr>
+          <p:cNvSpPr/>
+          <p:nvPr/>
+        </p:nvSpPr>
+        <p:spPr>
+          <a:xfrm>
+            <a:off x="951102" y="2737325"/>
+            <a:ext cx="1277224" cy="603175"/>
+          </a:xfrm>
+          <a:prstGeom prst="roundRect">
+            <a:avLst/>
+          </a:prstGeom>
+          <a:solidFill>
+            <a:schemeClr val="accent5">
+              <a:lumMod val="60000"/>
+              <a:lumOff val="40000"/>
+            </a:schemeClr>
+          </a:solidFill>
+          <a:ln>
+            <a:solidFill>
+              <a:schemeClr val="bg1"/>
+            </a:solidFill>
+          </a:ln>
+        </p:spPr>
+        <p:style>
+          <a:lnRef idx="2">
+            <a:schemeClr val="accent1">
+              <a:shade val="50000"/>
+            </a:schemeClr>
+          </a:lnRef>
+          <a:fillRef idx="1">
+            <a:schemeClr val="accent1"/>
+          </a:fillRef>
+          <a:effectRef idx="0">
+            <a:schemeClr val="accent1"/>
+          </a:effectRef>
+          <a:fontRef idx="minor">
+            <a:schemeClr val="lt1"/>
+          </a:fontRef>
+        </p:style>
+        <p:txBody>
+          <a:bodyPr rot="0" spcFirstLastPara="0" vertOverflow="overflow" horzOverflow="overflow" vert="horz" wrap="square" lIns="68580" tIns="34290" rIns="68580" bIns="34290" numCol="1" spcCol="0" rtlCol="0" fromWordArt="0" anchor="ctr" anchorCtr="0" forceAA="0" compatLnSpc="1">
+            <a:prstTxWarp prst="textNoShape">
+              <a:avLst/>
+            </a:prstTxWarp>
+            <a:noAutofit/>
+          </a:bodyPr>
+          <a:lstStyle/>
+          <a:p>
+            <a:pPr algn="ctr"/>
+            <a:endParaRPr lang="ko-KR" altLang="en-US" sz="1350"/>
+          </a:p>
+        </p:txBody>
+      </p:sp>
+      <p:sp>
+        <p:nvSpPr>
+          <p:cNvPr id="79" name="TextBox 78">
+            <a:extLst>
+              <a:ext uri="{FF2B5EF4-FFF2-40B4-BE49-F238E27FC236}">
+                <a16:creationId xmlns:a16="http://schemas.microsoft.com/office/drawing/2014/main" id="{35331E79-918B-4755-AB34-03F52F6BADD8}"/>
+              </a:ext>
+            </a:extLst>
+          </p:cNvPr>
+          <p:cNvSpPr txBox="1"/>
+          <p:nvPr/>
+        </p:nvSpPr>
+        <p:spPr>
+          <a:xfrm>
+            <a:off x="951102" y="2913949"/>
+            <a:ext cx="1270932" cy="248002"/>
+          </a:xfrm>
+          <a:prstGeom prst="rect">
+            <a:avLst/>
+          </a:prstGeom>
+          <a:noFill/>
+        </p:spPr>
+        <p:txBody>
+          <a:bodyPr wrap="square" rtlCol="0">
+            <a:spAutoFit/>
+          </a:bodyPr>
+          <a:lstStyle/>
+          <a:p>
+            <a:pPr algn="ctr"/>
+            <a:r>
+              <a:rPr lang="en-US" altLang="ko-KR" sz="1350" b="1" dirty="0"/>
               <a:t>Action</a:t>
             </a:r>
-          </a:p>
-          <a:p>
-            <a:pPr marL="1143000" lvl="2" indent="-228600">
-              <a:lnSpc>
-                <a:spcPct val="150000"/>
-              </a:lnSpc>
-              <a:buFont typeface="Arial" panose="020B0604020202020204" pitchFamily="34" charset="0"/>
-              <a:buChar char="•"/>
-            </a:pPr>
-            <a:r>
-              <a:rPr lang="en-US" altLang="ko-KR" sz="1050" b="1" dirty="0"/>
-              <a:t>Dispatcher</a:t>
-            </a:r>
-            <a:r>
-              <a:rPr lang="ko-KR" altLang="en-US" sz="1050" b="1" dirty="0"/>
-              <a:t>에서 </a:t>
-            </a:r>
-            <a:r>
-              <a:rPr lang="ko-KR" altLang="en-US" sz="1050" b="1" dirty="0" err="1"/>
-              <a:t>콜백</a:t>
-            </a:r>
-            <a:r>
-              <a:rPr lang="ko-KR" altLang="en-US" sz="1050" b="1" dirty="0"/>
-              <a:t> 함수가 실행 되면 </a:t>
-            </a:r>
-            <a:r>
-              <a:rPr lang="en-US" altLang="ko-KR" sz="1050" b="1" dirty="0"/>
-              <a:t>Store</a:t>
-            </a:r>
-            <a:r>
-              <a:rPr lang="ko-KR" altLang="en-US" sz="1050" b="1" dirty="0"/>
-              <a:t>가 업데이트 되게 되는데</a:t>
-            </a:r>
-            <a:r>
-              <a:rPr lang="en-US" altLang="ko-KR" sz="1050" b="1" dirty="0"/>
-              <a:t>, </a:t>
-            </a:r>
-            <a:r>
-              <a:rPr lang="ko-KR" altLang="en-US" sz="1050" b="1" dirty="0"/>
-              <a:t>이 </a:t>
-            </a:r>
-            <a:r>
-              <a:rPr lang="ko-KR" altLang="en-US" sz="1050" b="1" dirty="0" err="1"/>
-              <a:t>콜백</a:t>
-            </a:r>
-            <a:r>
-              <a:rPr lang="ko-KR" altLang="en-US" sz="1050" b="1" dirty="0"/>
-              <a:t> 함수를 실행할 때 데이터가 담겨 있는 객체가 인수로 전달 되어야 합니다</a:t>
-            </a:r>
-            <a:r>
-              <a:rPr lang="en-US" altLang="ko-KR" sz="1050" b="1" dirty="0"/>
-              <a:t>. </a:t>
-            </a:r>
-            <a:r>
-              <a:rPr lang="ko-KR" altLang="en-US" sz="1050" b="1" dirty="0"/>
-              <a:t>이전달 되는 개체를 </a:t>
-            </a:r>
-            <a:r>
-              <a:rPr lang="en-US" altLang="ko-KR" sz="1050" b="1" dirty="0"/>
-              <a:t>Action</a:t>
-            </a:r>
-            <a:r>
-              <a:rPr lang="ko-KR" altLang="en-US" sz="1050" b="1" dirty="0"/>
-              <a:t>이라고 하는데</a:t>
-            </a:r>
-            <a:r>
-              <a:rPr lang="en-US" altLang="ko-KR" sz="1050" b="1" dirty="0"/>
-              <a:t>, Action</a:t>
-            </a:r>
-            <a:r>
-              <a:rPr lang="ko-KR" altLang="en-US" sz="1050" b="1" dirty="0"/>
-              <a:t>은 대체로 액션 생성자</a:t>
-            </a:r>
-            <a:r>
-              <a:rPr lang="en-US" altLang="ko-KR" sz="1050" b="1" dirty="0"/>
-              <a:t>(Action creator)</a:t>
-            </a:r>
-            <a:r>
-              <a:rPr lang="ko-KR" altLang="en-US" sz="1050" b="1" dirty="0"/>
-              <a:t>에서 만들어 집니다</a:t>
-            </a:r>
-            <a:r>
-              <a:rPr lang="en-US" altLang="ko-KR" sz="1050" b="1" dirty="0"/>
-              <a:t>.</a:t>
-            </a:r>
-          </a:p>
-        </p:txBody>
-      </p:sp>
+            <a:endParaRPr lang="ko-KR" altLang="en-US" sz="1350" b="1" dirty="0"/>
+          </a:p>
+        </p:txBody>
+      </p:sp>
+      <p:cxnSp>
+        <p:nvCxnSpPr>
+          <p:cNvPr id="80" name="직선 화살표 연결선 79">
+            <a:extLst>
+              <a:ext uri="{FF2B5EF4-FFF2-40B4-BE49-F238E27FC236}">
+                <a16:creationId xmlns:a16="http://schemas.microsoft.com/office/drawing/2014/main" id="{A7E67601-3E61-48BD-9CBB-157366EC0559}"/>
+              </a:ext>
+            </a:extLst>
+          </p:cNvPr>
+          <p:cNvCxnSpPr>
+            <a:stCxn id="78" idx="3"/>
+            <a:endCxn id="72" idx="1"/>
+          </p:cNvCxnSpPr>
+          <p:nvPr/>
+        </p:nvCxnSpPr>
+        <p:spPr>
+          <a:xfrm>
+            <a:off x="2228326" y="3038913"/>
+            <a:ext cx="598764" cy="0"/>
+          </a:xfrm>
+          <a:prstGeom prst="straightConnector1">
+            <a:avLst/>
+          </a:prstGeom>
+          <a:ln>
+            <a:solidFill>
+              <a:schemeClr val="accent4"/>
+            </a:solidFill>
+            <a:tailEnd type="triangle"/>
+          </a:ln>
+        </p:spPr>
+        <p:style>
+          <a:lnRef idx="1">
+            <a:schemeClr val="accent1"/>
+          </a:lnRef>
+          <a:fillRef idx="0">
+            <a:schemeClr val="accent1"/>
+          </a:fillRef>
+          <a:effectRef idx="0">
+            <a:schemeClr val="accent1"/>
+          </a:effectRef>
+          <a:fontRef idx="minor">
+            <a:schemeClr val="tx1"/>
+          </a:fontRef>
+        </p:style>
+      </p:cxnSp>
+      <p:cxnSp>
+        <p:nvCxnSpPr>
+          <p:cNvPr id="81" name="직선 화살표 연결선 80">
+            <a:extLst>
+              <a:ext uri="{FF2B5EF4-FFF2-40B4-BE49-F238E27FC236}">
+                <a16:creationId xmlns:a16="http://schemas.microsoft.com/office/drawing/2014/main" id="{471A405B-D354-4BD0-9CB5-9743F7CA4AAB}"/>
+              </a:ext>
+            </a:extLst>
+          </p:cNvPr>
+          <p:cNvCxnSpPr>
+            <a:stCxn id="72" idx="3"/>
+            <a:endCxn id="74" idx="1"/>
+          </p:cNvCxnSpPr>
+          <p:nvPr/>
+        </p:nvCxnSpPr>
+        <p:spPr>
+          <a:xfrm>
+            <a:off x="4104314" y="3038913"/>
+            <a:ext cx="598763" cy="0"/>
+          </a:xfrm>
+          <a:prstGeom prst="straightConnector1">
+            <a:avLst/>
+          </a:prstGeom>
+          <a:ln>
+            <a:solidFill>
+              <a:schemeClr val="accent4"/>
+            </a:solidFill>
+            <a:tailEnd type="triangle"/>
+          </a:ln>
+        </p:spPr>
+        <p:style>
+          <a:lnRef idx="1">
+            <a:schemeClr val="accent1"/>
+          </a:lnRef>
+          <a:fillRef idx="0">
+            <a:schemeClr val="accent1"/>
+          </a:fillRef>
+          <a:effectRef idx="0">
+            <a:schemeClr val="accent1"/>
+          </a:effectRef>
+          <a:fontRef idx="minor">
+            <a:schemeClr val="tx1"/>
+          </a:fontRef>
+        </p:style>
+      </p:cxnSp>
+      <p:cxnSp>
+        <p:nvCxnSpPr>
+          <p:cNvPr id="82" name="직선 화살표 연결선 81">
+            <a:extLst>
+              <a:ext uri="{FF2B5EF4-FFF2-40B4-BE49-F238E27FC236}">
+                <a16:creationId xmlns:a16="http://schemas.microsoft.com/office/drawing/2014/main" id="{5DAB4818-E202-4D70-A0C0-5A98D2D2ED15}"/>
+              </a:ext>
+            </a:extLst>
+          </p:cNvPr>
+          <p:cNvCxnSpPr>
+            <a:cxnSpLocks/>
+          </p:cNvCxnSpPr>
+          <p:nvPr/>
+        </p:nvCxnSpPr>
+        <p:spPr>
+          <a:xfrm>
+            <a:off x="5980301" y="2932825"/>
+            <a:ext cx="598764" cy="0"/>
+          </a:xfrm>
+          <a:prstGeom prst="straightConnector1">
+            <a:avLst/>
+          </a:prstGeom>
+          <a:ln>
+            <a:solidFill>
+              <a:schemeClr val="accent4"/>
+            </a:solidFill>
+            <a:tailEnd type="triangle"/>
+          </a:ln>
+        </p:spPr>
+        <p:style>
+          <a:lnRef idx="1">
+            <a:schemeClr val="accent1"/>
+          </a:lnRef>
+          <a:fillRef idx="0">
+            <a:schemeClr val="accent1"/>
+          </a:fillRef>
+          <a:effectRef idx="0">
+            <a:schemeClr val="accent1"/>
+          </a:effectRef>
+          <a:fontRef idx="minor">
+            <a:schemeClr val="tx1"/>
+          </a:fontRef>
+        </p:style>
+      </p:cxnSp>
+      <p:cxnSp>
+        <p:nvCxnSpPr>
+          <p:cNvPr id="3" name="직선 화살표 연결선 2">
+            <a:extLst>
+              <a:ext uri="{FF2B5EF4-FFF2-40B4-BE49-F238E27FC236}">
+                <a16:creationId xmlns:a16="http://schemas.microsoft.com/office/drawing/2014/main" id="{5F836F28-1405-4102-ABE4-CC8E68692C7A}"/>
+              </a:ext>
+            </a:extLst>
+          </p:cNvPr>
+          <p:cNvCxnSpPr>
+            <a:cxnSpLocks/>
+          </p:cNvCxnSpPr>
+          <p:nvPr/>
+        </p:nvCxnSpPr>
+        <p:spPr>
+          <a:xfrm flipH="1">
+            <a:off x="5974010" y="3146308"/>
+            <a:ext cx="605056" cy="0"/>
+          </a:xfrm>
+          <a:prstGeom prst="straightConnector1">
+            <a:avLst/>
+          </a:prstGeom>
+          <a:ln>
+            <a:solidFill>
+              <a:schemeClr val="accent4"/>
+            </a:solidFill>
+            <a:tailEnd type="triangle"/>
+          </a:ln>
+        </p:spPr>
+        <p:style>
+          <a:lnRef idx="1">
+            <a:schemeClr val="accent1"/>
+          </a:lnRef>
+          <a:fillRef idx="0">
+            <a:schemeClr val="accent1"/>
+          </a:fillRef>
+          <a:effectRef idx="0">
+            <a:schemeClr val="accent1"/>
+          </a:effectRef>
+          <a:fontRef idx="minor">
+            <a:schemeClr val="tx1"/>
+          </a:fontRef>
+        </p:style>
+      </p:cxnSp>
+      <p:cxnSp>
+        <p:nvCxnSpPr>
+          <p:cNvPr id="5" name="직선 화살표 연결선 4">
+            <a:extLst>
+              <a:ext uri="{FF2B5EF4-FFF2-40B4-BE49-F238E27FC236}">
+                <a16:creationId xmlns:a16="http://schemas.microsoft.com/office/drawing/2014/main" id="{36AC6207-C94B-449B-AAA3-97E5EB4BD753}"/>
+              </a:ext>
+            </a:extLst>
+          </p:cNvPr>
+          <p:cNvCxnSpPr/>
+          <p:nvPr/>
+        </p:nvCxnSpPr>
+        <p:spPr>
+          <a:xfrm flipH="1">
+            <a:off x="6001973" y="3763336"/>
+            <a:ext cx="594218" cy="0"/>
+          </a:xfrm>
+          <a:prstGeom prst="straightConnector1">
+            <a:avLst/>
+          </a:prstGeom>
+          <a:ln>
+            <a:solidFill>
+              <a:schemeClr val="accent4"/>
+            </a:solidFill>
+            <a:tailEnd type="triangle"/>
+          </a:ln>
+        </p:spPr>
+        <p:style>
+          <a:lnRef idx="1">
+            <a:schemeClr val="accent1"/>
+          </a:lnRef>
+          <a:fillRef idx="0">
+            <a:schemeClr val="accent1"/>
+          </a:fillRef>
+          <a:effectRef idx="0">
+            <a:schemeClr val="accent1"/>
+          </a:effectRef>
+          <a:fontRef idx="minor">
+            <a:schemeClr val="tx1"/>
+          </a:fontRef>
+        </p:style>
+      </p:cxnSp>
+      <p:cxnSp>
+        <p:nvCxnSpPr>
+          <p:cNvPr id="9" name="직선 화살표 연결선 8">
+            <a:extLst>
+              <a:ext uri="{FF2B5EF4-FFF2-40B4-BE49-F238E27FC236}">
+                <a16:creationId xmlns:a16="http://schemas.microsoft.com/office/drawing/2014/main" id="{823E7CEE-6B48-42EB-AE90-7E4075BA64F8}"/>
+              </a:ext>
+            </a:extLst>
+          </p:cNvPr>
+          <p:cNvCxnSpPr/>
+          <p:nvPr/>
+        </p:nvCxnSpPr>
+        <p:spPr>
+          <a:xfrm flipH="1">
+            <a:off x="6019100" y="4809863"/>
+            <a:ext cx="590375" cy="0"/>
+          </a:xfrm>
+          <a:prstGeom prst="straightConnector1">
+            <a:avLst/>
+          </a:prstGeom>
+          <a:ln>
+            <a:solidFill>
+              <a:schemeClr val="accent4"/>
+            </a:solidFill>
+            <a:tailEnd type="triangle"/>
+          </a:ln>
+        </p:spPr>
+        <p:style>
+          <a:lnRef idx="1">
+            <a:schemeClr val="accent1"/>
+          </a:lnRef>
+          <a:fillRef idx="0">
+            <a:schemeClr val="accent1"/>
+          </a:fillRef>
+          <a:effectRef idx="0">
+            <a:schemeClr val="accent1"/>
+          </a:effectRef>
+          <a:fontRef idx="minor">
+            <a:schemeClr val="tx1"/>
+          </a:fontRef>
+        </p:style>
+      </p:cxnSp>
+      <p:cxnSp>
+        <p:nvCxnSpPr>
+          <p:cNvPr id="16" name="직선 화살표 연결선 15">
+            <a:extLst>
+              <a:ext uri="{FF2B5EF4-FFF2-40B4-BE49-F238E27FC236}">
+                <a16:creationId xmlns:a16="http://schemas.microsoft.com/office/drawing/2014/main" id="{CDC35908-D567-4F40-A501-789BEEC3A198}"/>
+              </a:ext>
+            </a:extLst>
+          </p:cNvPr>
+          <p:cNvCxnSpPr/>
+          <p:nvPr/>
+        </p:nvCxnSpPr>
+        <p:spPr>
+          <a:xfrm flipH="1">
+            <a:off x="6001973" y="4286599"/>
+            <a:ext cx="593870" cy="0"/>
+          </a:xfrm>
+          <a:prstGeom prst="straightConnector1">
+            <a:avLst/>
+          </a:prstGeom>
+          <a:ln>
+            <a:solidFill>
+              <a:schemeClr val="accent4"/>
+            </a:solidFill>
+            <a:tailEnd type="triangle"/>
+          </a:ln>
+        </p:spPr>
+        <p:style>
+          <a:lnRef idx="1">
+            <a:schemeClr val="accent1"/>
+          </a:lnRef>
+          <a:fillRef idx="0">
+            <a:schemeClr val="accent1"/>
+          </a:fillRef>
+          <a:effectRef idx="0">
+            <a:schemeClr val="accent1"/>
+          </a:effectRef>
+          <a:fontRef idx="minor">
+            <a:schemeClr val="tx1"/>
+          </a:fontRef>
+        </p:style>
+      </p:cxnSp>
+      <p:cxnSp>
+        <p:nvCxnSpPr>
+          <p:cNvPr id="62" name="직선 화살표 연결선 61">
+            <a:extLst>
+              <a:ext uri="{FF2B5EF4-FFF2-40B4-BE49-F238E27FC236}">
+                <a16:creationId xmlns:a16="http://schemas.microsoft.com/office/drawing/2014/main" id="{C5D2929E-6A1C-4DE5-9C94-D0B6CA87DE90}"/>
+              </a:ext>
+            </a:extLst>
+          </p:cNvPr>
+          <p:cNvCxnSpPr>
+            <a:endCxn id="43" idx="3"/>
+          </p:cNvCxnSpPr>
+          <p:nvPr/>
+        </p:nvCxnSpPr>
+        <p:spPr>
+          <a:xfrm flipH="1" flipV="1">
+            <a:off x="6025392" y="5948847"/>
+            <a:ext cx="612396" cy="301587"/>
+          </a:xfrm>
+          <a:prstGeom prst="straightConnector1">
+            <a:avLst/>
+          </a:prstGeom>
+          <a:ln>
+            <a:solidFill>
+              <a:schemeClr val="accent4"/>
+            </a:solidFill>
+            <a:tailEnd type="triangle"/>
+          </a:ln>
+        </p:spPr>
+        <p:style>
+          <a:lnRef idx="1">
+            <a:schemeClr val="accent1"/>
+          </a:lnRef>
+          <a:fillRef idx="0">
+            <a:schemeClr val="accent1"/>
+          </a:fillRef>
+          <a:effectRef idx="0">
+            <a:schemeClr val="accent1"/>
+          </a:effectRef>
+          <a:fontRef idx="minor">
+            <a:schemeClr val="tx1"/>
+          </a:fontRef>
+        </p:style>
+      </p:cxnSp>
+      <p:cxnSp>
+        <p:nvCxnSpPr>
+          <p:cNvPr id="65" name="직선 화살표 연결선 64">
+            <a:extLst>
+              <a:ext uri="{FF2B5EF4-FFF2-40B4-BE49-F238E27FC236}">
+                <a16:creationId xmlns:a16="http://schemas.microsoft.com/office/drawing/2014/main" id="{FD2283FA-E28B-4D7A-97E6-82820473AC01}"/>
+              </a:ext>
+            </a:extLst>
+          </p:cNvPr>
+          <p:cNvCxnSpPr/>
+          <p:nvPr/>
+        </p:nvCxnSpPr>
+        <p:spPr>
+          <a:xfrm flipH="1">
+            <a:off x="6032732" y="5823883"/>
+            <a:ext cx="591424" cy="0"/>
+          </a:xfrm>
+          <a:prstGeom prst="straightConnector1">
+            <a:avLst/>
+          </a:prstGeom>
+          <a:ln>
+            <a:solidFill>
+              <a:schemeClr val="accent4"/>
+            </a:solidFill>
+            <a:tailEnd type="triangle"/>
+          </a:ln>
+        </p:spPr>
+        <p:style>
+          <a:lnRef idx="1">
+            <a:schemeClr val="accent1"/>
+          </a:lnRef>
+          <a:fillRef idx="0">
+            <a:schemeClr val="accent1"/>
+          </a:fillRef>
+          <a:effectRef idx="0">
+            <a:schemeClr val="accent1"/>
+          </a:effectRef>
+          <a:fontRef idx="minor">
+            <a:schemeClr val="tx1"/>
+          </a:fontRef>
+        </p:style>
+      </p:cxnSp>
+      <p:cxnSp>
+        <p:nvCxnSpPr>
+          <p:cNvPr id="67" name="직선 화살표 연결선 66">
+            <a:extLst>
+              <a:ext uri="{FF2B5EF4-FFF2-40B4-BE49-F238E27FC236}">
+                <a16:creationId xmlns:a16="http://schemas.microsoft.com/office/drawing/2014/main" id="{80EEE603-19D4-4123-A455-DF9E404DD9EB}"/>
+              </a:ext>
+            </a:extLst>
+          </p:cNvPr>
+          <p:cNvCxnSpPr>
+            <a:stCxn id="40" idx="1"/>
+            <a:endCxn id="29" idx="3"/>
+          </p:cNvCxnSpPr>
+          <p:nvPr/>
+        </p:nvCxnSpPr>
+        <p:spPr>
+          <a:xfrm flipH="1" flipV="1">
+            <a:off x="6004420" y="4410600"/>
+            <a:ext cx="619736" cy="1047491"/>
+          </a:xfrm>
+          <a:prstGeom prst="straightConnector1">
+            <a:avLst/>
+          </a:prstGeom>
+          <a:ln>
+            <a:solidFill>
+              <a:schemeClr val="accent4"/>
+            </a:solidFill>
+            <a:tailEnd type="triangle"/>
+          </a:ln>
+        </p:spPr>
+        <p:style>
+          <a:lnRef idx="1">
+            <a:schemeClr val="accent1"/>
+          </a:lnRef>
+          <a:fillRef idx="0">
+            <a:schemeClr val="accent1"/>
+          </a:fillRef>
+          <a:effectRef idx="0">
+            <a:schemeClr val="accent1"/>
+          </a:effectRef>
+          <a:fontRef idx="minor">
+            <a:schemeClr val="tx1"/>
+          </a:fontRef>
+        </p:style>
+      </p:cxnSp>
     </p:spTree>
     <p:extLst>
       <p:ext uri="{BB962C8B-B14F-4D97-AF65-F5344CB8AC3E}">
-        <p14:creationId xmlns:p14="http://schemas.microsoft.com/office/powerpoint/2010/main" val="1062799052"/>
+        <p14:creationId xmlns:p14="http://schemas.microsoft.com/office/powerpoint/2010/main" val="2363511161"/>
       </p:ext>
     </p:extLst>
   </p:cSld>

--- a/React발표자료.pptx
+++ b/React발표자료.pptx
@@ -10750,9 +10750,12 @@
             </a:pPr>
             <a:r>
               <a:rPr lang="ko-KR" altLang="en-US" sz="1050" b="1" dirty="0"/>
-              <a:t>상태에서 어떻게 변화를 일으킬 것인지 정의 하는 부분</a:t>
-            </a:r>
-            <a:endParaRPr lang="en-US" altLang="ko-KR" sz="1050" b="1" dirty="0"/>
+              <a:t>상태에서 어떻게 변화를 일으킬 것인지 정의 하는 부분입니다</a:t>
+            </a:r>
+            <a:r>
+              <a:rPr lang="en-US" altLang="ko-KR" sz="1050" b="1" dirty="0"/>
+              <a:t>.</a:t>
+            </a:r>
           </a:p>
           <a:p>
             <a:pPr marL="685800" lvl="1" indent="-228600">
@@ -10815,11 +10818,19 @@
             </a:r>
             <a:r>
               <a:rPr lang="ko-KR" altLang="en-US" sz="1050" b="1" dirty="0"/>
-              <a:t>변화에 따라서 새로운 연산 작업을 수행하게 된다</a:t>
+              <a:t>변화에 따라서 새로운 연산 작업을 </a:t>
+            </a:r>
+            <a:r>
+              <a:rPr lang="ko-KR" altLang="en-US" sz="1050" b="1"/>
+              <a:t>수행하게 됩니다</a:t>
+            </a:r>
+            <a:r>
+              <a:rPr lang="en-US" altLang="ko-KR" sz="1050" b="1"/>
+              <a:t>. </a:t>
             </a:r>
             <a:r>
               <a:rPr lang="en-US" altLang="ko-KR" sz="1050" b="1" dirty="0"/>
-              <a:t>. State</a:t>
+              <a:t>State</a:t>
             </a:r>
             <a:r>
               <a:rPr lang="ko-KR" altLang="en-US" sz="1050" b="1" dirty="0"/>
@@ -11854,7 +11865,7 @@
         <p:spPr>
           <a:xfrm>
             <a:off x="5267708" y="4092118"/>
-            <a:ext cx="1227667" cy="769441"/>
+            <a:ext cx="1227667" cy="938719"/>
           </a:xfrm>
           <a:prstGeom prst="rect">
             <a:avLst/>
@@ -11965,6 +11976,30 @@
                 </a:solidFill>
               </a:rPr>
               <a:t>- Redux</a:t>
+            </a:r>
+          </a:p>
+          <a:p>
+            <a:r>
+              <a:rPr lang="en-US" altLang="ko-KR" sz="1100" b="1" dirty="0">
+                <a:solidFill>
+                  <a:schemeClr val="tx1">
+                    <a:lumMod val="75000"/>
+                    <a:lumOff val="25000"/>
+                  </a:schemeClr>
+                </a:solidFill>
+              </a:rPr>
+              <a:t>- </a:t>
+            </a:r>
+            <a:r>
+              <a:rPr lang="en-US" altLang="ko-KR" sz="1100" b="1" dirty="0" err="1">
+                <a:solidFill>
+                  <a:schemeClr val="tx1">
+                    <a:lumMod val="75000"/>
+                    <a:lumOff val="25000"/>
+                  </a:schemeClr>
+                </a:solidFill>
+              </a:rPr>
+              <a:t>Mobx</a:t>
             </a:r>
             <a:endParaRPr lang="ko-KR" altLang="en-US" sz="1100" b="1" dirty="0">
               <a:solidFill>

--- a/React발표자료.pptx
+++ b/React발표자료.pptx
@@ -217,7 +217,7 @@
           <a:p>
             <a:fld id="{ED55F75E-F8D0-406E-84C8-446C7444F352}" type="datetimeFigureOut">
               <a:rPr lang="ko-KR" altLang="en-US" smtClean="0"/>
-              <a:t>2020-02-19</a:t>
+              <a:t>2020-02-20</a:t>
             </a:fld>
             <a:endParaRPr lang="ko-KR" altLang="en-US"/>
           </a:p>
@@ -615,7 +615,7 @@
           <a:p>
             <a:fld id="{5E0FEBB0-12E2-4577-9B14-145480F18E47}" type="datetimeFigureOut">
               <a:rPr lang="ko-KR" altLang="en-US" smtClean="0"/>
-              <a:t>2020-02-19</a:t>
+              <a:t>2020-02-20</a:t>
             </a:fld>
             <a:endParaRPr lang="ko-KR" altLang="en-US"/>
           </a:p>
@@ -785,7 +785,7 @@
           <a:p>
             <a:fld id="{5E0FEBB0-12E2-4577-9B14-145480F18E47}" type="datetimeFigureOut">
               <a:rPr lang="ko-KR" altLang="en-US" smtClean="0"/>
-              <a:t>2020-02-19</a:t>
+              <a:t>2020-02-20</a:t>
             </a:fld>
             <a:endParaRPr lang="ko-KR" altLang="en-US"/>
           </a:p>
@@ -965,7 +965,7 @@
           <a:p>
             <a:fld id="{5E0FEBB0-12E2-4577-9B14-145480F18E47}" type="datetimeFigureOut">
               <a:rPr lang="ko-KR" altLang="en-US" smtClean="0"/>
-              <a:t>2020-02-19</a:t>
+              <a:t>2020-02-20</a:t>
             </a:fld>
             <a:endParaRPr lang="ko-KR" altLang="en-US"/>
           </a:p>
@@ -1135,7 +1135,7 @@
           <a:p>
             <a:fld id="{5E0FEBB0-12E2-4577-9B14-145480F18E47}" type="datetimeFigureOut">
               <a:rPr lang="ko-KR" altLang="en-US" smtClean="0"/>
-              <a:t>2020-02-19</a:t>
+              <a:t>2020-02-20</a:t>
             </a:fld>
             <a:endParaRPr lang="ko-KR" altLang="en-US"/>
           </a:p>
@@ -1379,7 +1379,7 @@
           <a:p>
             <a:fld id="{5E0FEBB0-12E2-4577-9B14-145480F18E47}" type="datetimeFigureOut">
               <a:rPr lang="ko-KR" altLang="en-US" smtClean="0"/>
-              <a:t>2020-02-19</a:t>
+              <a:t>2020-02-20</a:t>
             </a:fld>
             <a:endParaRPr lang="ko-KR" altLang="en-US"/>
           </a:p>
@@ -1611,7 +1611,7 @@
           <a:p>
             <a:fld id="{5E0FEBB0-12E2-4577-9B14-145480F18E47}" type="datetimeFigureOut">
               <a:rPr lang="ko-KR" altLang="en-US" smtClean="0"/>
-              <a:t>2020-02-19</a:t>
+              <a:t>2020-02-20</a:t>
             </a:fld>
             <a:endParaRPr lang="ko-KR" altLang="en-US"/>
           </a:p>
@@ -1978,7 +1978,7 @@
           <a:p>
             <a:fld id="{5E0FEBB0-12E2-4577-9B14-145480F18E47}" type="datetimeFigureOut">
               <a:rPr lang="ko-KR" altLang="en-US" smtClean="0"/>
-              <a:t>2020-02-19</a:t>
+              <a:t>2020-02-20</a:t>
             </a:fld>
             <a:endParaRPr lang="ko-KR" altLang="en-US"/>
           </a:p>
@@ -2096,7 +2096,7 @@
           <a:p>
             <a:fld id="{5E0FEBB0-12E2-4577-9B14-145480F18E47}" type="datetimeFigureOut">
               <a:rPr lang="ko-KR" altLang="en-US" smtClean="0"/>
-              <a:t>2020-02-19</a:t>
+              <a:t>2020-02-20</a:t>
             </a:fld>
             <a:endParaRPr lang="ko-KR" altLang="en-US"/>
           </a:p>
@@ -2191,7 +2191,7 @@
           <a:p>
             <a:fld id="{5E0FEBB0-12E2-4577-9B14-145480F18E47}" type="datetimeFigureOut">
               <a:rPr lang="ko-KR" altLang="en-US" smtClean="0"/>
-              <a:t>2020-02-19</a:t>
+              <a:t>2020-02-20</a:t>
             </a:fld>
             <a:endParaRPr lang="ko-KR" altLang="en-US"/>
           </a:p>
@@ -2468,7 +2468,7 @@
           <a:p>
             <a:fld id="{5E0FEBB0-12E2-4577-9B14-145480F18E47}" type="datetimeFigureOut">
               <a:rPr lang="ko-KR" altLang="en-US" smtClean="0"/>
-              <a:t>2020-02-19</a:t>
+              <a:t>2020-02-20</a:t>
             </a:fld>
             <a:endParaRPr lang="ko-KR" altLang="en-US"/>
           </a:p>
@@ -2725,7 +2725,7 @@
           <a:p>
             <a:fld id="{5E0FEBB0-12E2-4577-9B14-145480F18E47}" type="datetimeFigureOut">
               <a:rPr lang="ko-KR" altLang="en-US" smtClean="0"/>
-              <a:t>2020-02-19</a:t>
+              <a:t>2020-02-20</a:t>
             </a:fld>
             <a:endParaRPr lang="ko-KR" altLang="en-US"/>
           </a:p>
@@ -2938,7 +2938,7 @@
           <a:p>
             <a:fld id="{5E0FEBB0-12E2-4577-9B14-145480F18E47}" type="datetimeFigureOut">
               <a:rPr lang="ko-KR" altLang="en-US" smtClean="0"/>
-              <a:t>2020-02-19</a:t>
+              <a:t>2020-02-20</a:t>
             </a:fld>
             <a:endParaRPr lang="ko-KR" altLang="en-US"/>
           </a:p>
@@ -15594,279 +15594,6 @@
           </a:p>
         </p:txBody>
       </p:sp>
-      <p:grpSp>
-        <p:nvGrpSpPr>
-          <p:cNvPr id="35" name="그룹 34">
-            <a:extLst>
-              <a:ext uri="{FF2B5EF4-FFF2-40B4-BE49-F238E27FC236}">
-                <a16:creationId xmlns:a16="http://schemas.microsoft.com/office/drawing/2014/main" id="{84193F44-1356-483D-92D8-9651EAEAFE46}"/>
-              </a:ext>
-            </a:extLst>
-          </p:cNvPr>
-          <p:cNvGrpSpPr/>
-          <p:nvPr/>
-        </p:nvGrpSpPr>
-        <p:grpSpPr>
-          <a:xfrm>
-            <a:off x="2162974" y="2992647"/>
-            <a:ext cx="4818052" cy="2698109"/>
-            <a:chOff x="2230086" y="2079945"/>
-            <a:chExt cx="4818052" cy="2698109"/>
-          </a:xfrm>
-        </p:grpSpPr>
-        <p:pic>
-          <p:nvPicPr>
-            <p:cNvPr id="36" name="그림 35" descr="스크린샷이(가) 표시된 사진&#10;&#10;자동 생성된 설명">
-              <a:extLst>
-                <a:ext uri="{FF2B5EF4-FFF2-40B4-BE49-F238E27FC236}">
-                  <a16:creationId xmlns:a16="http://schemas.microsoft.com/office/drawing/2014/main" id="{AB01C090-B05C-4329-8571-D5E657DD3F32}"/>
-                </a:ext>
-              </a:extLst>
-            </p:cNvPr>
-            <p:cNvPicPr>
-              <a:picLocks noChangeAspect="1"/>
-            </p:cNvPicPr>
-            <p:nvPr/>
-          </p:nvPicPr>
-          <p:blipFill>
-            <a:blip r:embed="rId2">
-              <a:extLst>
-                <a:ext uri="{28A0092B-C50C-407E-A947-70E740481C1C}">
-                  <a14:useLocalDpi xmlns:a14="http://schemas.microsoft.com/office/drawing/2010/main" val="0"/>
-                </a:ext>
-              </a:extLst>
-            </a:blip>
-            <a:stretch>
-              <a:fillRect/>
-            </a:stretch>
-          </p:blipFill>
-          <p:spPr>
-            <a:xfrm>
-              <a:off x="2230086" y="2079945"/>
-              <a:ext cx="4818052" cy="2698109"/>
-            </a:xfrm>
-            <a:prstGeom prst="rect">
-              <a:avLst/>
-            </a:prstGeom>
-          </p:spPr>
-        </p:pic>
-        <p:sp>
-          <p:nvSpPr>
-            <p:cNvPr id="37" name="화살표: 오른쪽 36">
-              <a:extLst>
-                <a:ext uri="{FF2B5EF4-FFF2-40B4-BE49-F238E27FC236}">
-                  <a16:creationId xmlns:a16="http://schemas.microsoft.com/office/drawing/2014/main" id="{9B061371-AD07-433D-96F5-7FD37781ABF8}"/>
-                </a:ext>
-              </a:extLst>
-            </p:cNvPr>
-            <p:cNvSpPr/>
-            <p:nvPr/>
-          </p:nvSpPr>
-          <p:spPr>
-            <a:xfrm>
-              <a:off x="6157519" y="2079945"/>
-              <a:ext cx="302004" cy="184558"/>
-            </a:xfrm>
-            <a:prstGeom prst="rightArrow">
-              <a:avLst/>
-            </a:prstGeom>
-            <a:solidFill>
-              <a:srgbClr val="FF0000"/>
-            </a:solidFill>
-            <a:ln>
-              <a:solidFill>
-                <a:srgbClr val="FF0000"/>
-              </a:solidFill>
-            </a:ln>
-          </p:spPr>
-          <p:style>
-            <a:lnRef idx="2">
-              <a:schemeClr val="accent1">
-                <a:shade val="50000"/>
-              </a:schemeClr>
-            </a:lnRef>
-            <a:fillRef idx="1">
-              <a:schemeClr val="accent1"/>
-            </a:fillRef>
-            <a:effectRef idx="0">
-              <a:schemeClr val="accent1"/>
-            </a:effectRef>
-            <a:fontRef idx="minor">
-              <a:schemeClr val="lt1"/>
-            </a:fontRef>
-          </p:style>
-          <p:txBody>
-            <a:bodyPr rtlCol="0" anchor="ctr"/>
-            <a:lstStyle/>
-            <a:p>
-              <a:pPr algn="ctr"/>
-              <a:endParaRPr lang="ko-KR" altLang="en-US"/>
-            </a:p>
-          </p:txBody>
-        </p:sp>
-        <p:sp>
-          <p:nvSpPr>
-            <p:cNvPr id="38" name="화살표: 오른쪽 37">
-              <a:extLst>
-                <a:ext uri="{FF2B5EF4-FFF2-40B4-BE49-F238E27FC236}">
-                  <a16:creationId xmlns:a16="http://schemas.microsoft.com/office/drawing/2014/main" id="{3D7CDFB3-D141-4BDE-B392-0630393372BA}"/>
-                </a:ext>
-              </a:extLst>
-            </p:cNvPr>
-            <p:cNvSpPr/>
-            <p:nvPr/>
-          </p:nvSpPr>
-          <p:spPr>
-            <a:xfrm rot="2971804">
-              <a:off x="5403907" y="3692028"/>
-              <a:ext cx="302004" cy="184558"/>
-            </a:xfrm>
-            <a:prstGeom prst="rightArrow">
-              <a:avLst/>
-            </a:prstGeom>
-            <a:solidFill>
-              <a:srgbClr val="FF0000"/>
-            </a:solidFill>
-            <a:ln>
-              <a:solidFill>
-                <a:srgbClr val="FF0000"/>
-              </a:solidFill>
-            </a:ln>
-          </p:spPr>
-          <p:style>
-            <a:lnRef idx="2">
-              <a:schemeClr val="accent1">
-                <a:shade val="50000"/>
-              </a:schemeClr>
-            </a:lnRef>
-            <a:fillRef idx="1">
-              <a:schemeClr val="accent1"/>
-            </a:fillRef>
-            <a:effectRef idx="0">
-              <a:schemeClr val="accent1"/>
-            </a:effectRef>
-            <a:fontRef idx="minor">
-              <a:schemeClr val="lt1"/>
-            </a:fontRef>
-          </p:style>
-          <p:txBody>
-            <a:bodyPr rtlCol="0" anchor="ctr"/>
-            <a:lstStyle/>
-            <a:p>
-              <a:pPr algn="ctr"/>
-              <a:endParaRPr lang="ko-KR" altLang="en-US"/>
-            </a:p>
-          </p:txBody>
-        </p:sp>
-        <p:sp>
-          <p:nvSpPr>
-            <p:cNvPr id="39" name="화살표: 오른쪽 38">
-              <a:extLst>
-                <a:ext uri="{FF2B5EF4-FFF2-40B4-BE49-F238E27FC236}">
-                  <a16:creationId xmlns:a16="http://schemas.microsoft.com/office/drawing/2014/main" id="{E9D03F62-81E5-4B4C-8500-BA66385547EF}"/>
-                </a:ext>
-              </a:extLst>
-            </p:cNvPr>
-            <p:cNvSpPr/>
-            <p:nvPr/>
-          </p:nvSpPr>
-          <p:spPr>
-            <a:xfrm rot="7987157">
-              <a:off x="2952925" y="3431971"/>
-              <a:ext cx="302004" cy="184558"/>
-            </a:xfrm>
-            <a:prstGeom prst="rightArrow">
-              <a:avLst/>
-            </a:prstGeom>
-            <a:solidFill>
-              <a:srgbClr val="FF0000"/>
-            </a:solidFill>
-            <a:ln>
-              <a:solidFill>
-                <a:srgbClr val="FF0000"/>
-              </a:solidFill>
-            </a:ln>
-          </p:spPr>
-          <p:style>
-            <a:lnRef idx="2">
-              <a:schemeClr val="accent1">
-                <a:shade val="50000"/>
-              </a:schemeClr>
-            </a:lnRef>
-            <a:fillRef idx="1">
-              <a:schemeClr val="accent1"/>
-            </a:fillRef>
-            <a:effectRef idx="0">
-              <a:schemeClr val="accent1"/>
-            </a:effectRef>
-            <a:fontRef idx="minor">
-              <a:schemeClr val="lt1"/>
-            </a:fontRef>
-          </p:style>
-          <p:txBody>
-            <a:bodyPr rtlCol="0" anchor="ctr"/>
-            <a:lstStyle/>
-            <a:p>
-              <a:pPr algn="ctr"/>
-              <a:endParaRPr lang="ko-KR" altLang="en-US"/>
-            </a:p>
-          </p:txBody>
-        </p:sp>
-        <p:sp>
-          <p:nvSpPr>
-            <p:cNvPr id="40" name="화살표: 오른쪽 39">
-              <a:extLst>
-                <a:ext uri="{FF2B5EF4-FFF2-40B4-BE49-F238E27FC236}">
-                  <a16:creationId xmlns:a16="http://schemas.microsoft.com/office/drawing/2014/main" id="{9BB1DE0B-932A-4BF6-832D-4904801BFD99}"/>
-                </a:ext>
-              </a:extLst>
-            </p:cNvPr>
-            <p:cNvSpPr/>
-            <p:nvPr/>
-          </p:nvSpPr>
-          <p:spPr>
-            <a:xfrm>
-              <a:off x="3061982" y="2324624"/>
-              <a:ext cx="302004" cy="184558"/>
-            </a:xfrm>
-            <a:prstGeom prst="rightArrow">
-              <a:avLst/>
-            </a:prstGeom>
-            <a:solidFill>
-              <a:srgbClr val="FF0000"/>
-            </a:solidFill>
-            <a:ln>
-              <a:solidFill>
-                <a:srgbClr val="FF0000"/>
-              </a:solidFill>
-            </a:ln>
-          </p:spPr>
-          <p:style>
-            <a:lnRef idx="2">
-              <a:schemeClr val="accent1">
-                <a:shade val="50000"/>
-              </a:schemeClr>
-            </a:lnRef>
-            <a:fillRef idx="1">
-              <a:schemeClr val="accent1"/>
-            </a:fillRef>
-            <a:effectRef idx="0">
-              <a:schemeClr val="accent1"/>
-            </a:effectRef>
-            <a:fontRef idx="minor">
-              <a:schemeClr val="lt1"/>
-            </a:fontRef>
-          </p:style>
-          <p:txBody>
-            <a:bodyPr rtlCol="0" anchor="ctr"/>
-            <a:lstStyle/>
-            <a:p>
-              <a:pPr algn="ctr"/>
-              <a:endParaRPr lang="ko-KR" altLang="en-US"/>
-            </a:p>
-          </p:txBody>
-        </p:sp>
-      </p:grpSp>
       <p:sp>
         <p:nvSpPr>
           <p:cNvPr id="41" name="TextBox 40">
@@ -15918,6 +15645,248 @@
               <a:rPr lang="en-US" altLang="ko-KR" sz="1050" b="1" dirty="0"/>
               <a:t>.</a:t>
             </a:r>
+          </a:p>
+        </p:txBody>
+      </p:sp>
+      <p:pic>
+        <p:nvPicPr>
+          <p:cNvPr id="3" name="그림 2" descr="스크린샷이(가) 표시된 사진&#10;&#10;자동 생성된 설명">
+            <a:extLst>
+              <a:ext uri="{FF2B5EF4-FFF2-40B4-BE49-F238E27FC236}">
+                <a16:creationId xmlns:a16="http://schemas.microsoft.com/office/drawing/2014/main" id="{D8DB7DAC-610D-4907-BE7B-EFA851C07D9C}"/>
+              </a:ext>
+            </a:extLst>
+          </p:cNvPr>
+          <p:cNvPicPr>
+            <a:picLocks noChangeAspect="1"/>
+          </p:cNvPicPr>
+          <p:nvPr/>
+        </p:nvPicPr>
+        <p:blipFill>
+          <a:blip r:embed="rId2" cstate="print">
+            <a:extLst>
+              <a:ext uri="{28A0092B-C50C-407E-A947-70E740481C1C}">
+                <a14:useLocalDpi xmlns:a14="http://schemas.microsoft.com/office/drawing/2010/main" val="0"/>
+              </a:ext>
+            </a:extLst>
+          </a:blip>
+          <a:stretch>
+            <a:fillRect/>
+          </a:stretch>
+        </p:blipFill>
+        <p:spPr>
+          <a:xfrm>
+            <a:off x="1188117" y="2697462"/>
+            <a:ext cx="6245475" cy="3468075"/>
+          </a:xfrm>
+          <a:prstGeom prst="rect">
+            <a:avLst/>
+          </a:prstGeom>
+        </p:spPr>
+      </p:pic>
+      <p:sp>
+        <p:nvSpPr>
+          <p:cNvPr id="40" name="화살표: 오른쪽 39">
+            <a:extLst>
+              <a:ext uri="{FF2B5EF4-FFF2-40B4-BE49-F238E27FC236}">
+                <a16:creationId xmlns:a16="http://schemas.microsoft.com/office/drawing/2014/main" id="{9BB1DE0B-932A-4BF6-832D-4904801BFD99}"/>
+              </a:ext>
+            </a:extLst>
+          </p:cNvPr>
+          <p:cNvSpPr/>
+          <p:nvPr/>
+        </p:nvSpPr>
+        <p:spPr>
+          <a:xfrm>
+            <a:off x="5023426" y="4431499"/>
+            <a:ext cx="302004" cy="184558"/>
+          </a:xfrm>
+          <a:prstGeom prst="rightArrow">
+            <a:avLst/>
+          </a:prstGeom>
+          <a:solidFill>
+            <a:srgbClr val="FF0000"/>
+          </a:solidFill>
+          <a:ln>
+            <a:solidFill>
+              <a:srgbClr val="FF0000"/>
+            </a:solidFill>
+          </a:ln>
+        </p:spPr>
+        <p:style>
+          <a:lnRef idx="2">
+            <a:schemeClr val="accent1">
+              <a:shade val="50000"/>
+            </a:schemeClr>
+          </a:lnRef>
+          <a:fillRef idx="1">
+            <a:schemeClr val="accent1"/>
+          </a:fillRef>
+          <a:effectRef idx="0">
+            <a:schemeClr val="accent1"/>
+          </a:effectRef>
+          <a:fontRef idx="minor">
+            <a:schemeClr val="lt1"/>
+          </a:fontRef>
+        </p:style>
+        <p:txBody>
+          <a:bodyPr rtlCol="0" anchor="ctr"/>
+          <a:lstStyle/>
+          <a:p>
+            <a:pPr algn="ctr"/>
+            <a:endParaRPr lang="ko-KR" altLang="en-US"/>
+          </a:p>
+        </p:txBody>
+      </p:sp>
+      <p:sp>
+        <p:nvSpPr>
+          <p:cNvPr id="37" name="화살표: 오른쪽 36">
+            <a:extLst>
+              <a:ext uri="{FF2B5EF4-FFF2-40B4-BE49-F238E27FC236}">
+                <a16:creationId xmlns:a16="http://schemas.microsoft.com/office/drawing/2014/main" id="{9B061371-AD07-433D-96F5-7FD37781ABF8}"/>
+              </a:ext>
+            </a:extLst>
+          </p:cNvPr>
+          <p:cNvSpPr/>
+          <p:nvPr/>
+        </p:nvSpPr>
+        <p:spPr>
+          <a:xfrm>
+            <a:off x="5023426" y="2789740"/>
+            <a:ext cx="302004" cy="184558"/>
+          </a:xfrm>
+          <a:prstGeom prst="rightArrow">
+            <a:avLst/>
+          </a:prstGeom>
+          <a:solidFill>
+            <a:srgbClr val="FF0000"/>
+          </a:solidFill>
+          <a:ln>
+            <a:solidFill>
+              <a:srgbClr val="FF0000"/>
+            </a:solidFill>
+          </a:ln>
+        </p:spPr>
+        <p:style>
+          <a:lnRef idx="2">
+            <a:schemeClr val="accent1">
+              <a:shade val="50000"/>
+            </a:schemeClr>
+          </a:lnRef>
+          <a:fillRef idx="1">
+            <a:schemeClr val="accent1"/>
+          </a:fillRef>
+          <a:effectRef idx="0">
+            <a:schemeClr val="accent1"/>
+          </a:effectRef>
+          <a:fontRef idx="minor">
+            <a:schemeClr val="lt1"/>
+          </a:fontRef>
+        </p:style>
+        <p:txBody>
+          <a:bodyPr rtlCol="0" anchor="ctr"/>
+          <a:lstStyle/>
+          <a:p>
+            <a:pPr algn="ctr"/>
+            <a:endParaRPr lang="ko-KR" altLang="en-US"/>
+          </a:p>
+        </p:txBody>
+      </p:sp>
+      <p:sp>
+        <p:nvSpPr>
+          <p:cNvPr id="4" name="말풍선: 모서리가 둥근 사각형 3">
+            <a:extLst>
+              <a:ext uri="{FF2B5EF4-FFF2-40B4-BE49-F238E27FC236}">
+                <a16:creationId xmlns:a16="http://schemas.microsoft.com/office/drawing/2014/main" id="{566B6CEF-4204-4518-83E6-F030257E7628}"/>
+              </a:ext>
+            </a:extLst>
+          </p:cNvPr>
+          <p:cNvSpPr/>
+          <p:nvPr/>
+        </p:nvSpPr>
+        <p:spPr>
+          <a:xfrm>
+            <a:off x="5519956" y="2564403"/>
+            <a:ext cx="260059" cy="225337"/>
+          </a:xfrm>
+          <a:prstGeom prst="wedgeRoundRectCallout">
+            <a:avLst/>
+          </a:prstGeom>
+          <a:solidFill>
+            <a:srgbClr val="FF0000"/>
+          </a:solidFill>
+          <a:ln>
+            <a:solidFill>
+              <a:srgbClr val="FF0000"/>
+            </a:solidFill>
+          </a:ln>
+        </p:spPr>
+        <p:style>
+          <a:lnRef idx="2">
+            <a:schemeClr val="accent1">
+              <a:shade val="50000"/>
+            </a:schemeClr>
+          </a:lnRef>
+          <a:fillRef idx="1">
+            <a:schemeClr val="accent1"/>
+          </a:fillRef>
+          <a:effectRef idx="0">
+            <a:schemeClr val="accent1"/>
+          </a:effectRef>
+          <a:fontRef idx="minor">
+            <a:schemeClr val="lt1"/>
+          </a:fontRef>
+        </p:style>
+        <p:txBody>
+          <a:bodyPr rtlCol="0" anchor="ctr"/>
+          <a:lstStyle/>
+          <a:p>
+            <a:pPr algn="ctr"/>
+            <a:endParaRPr lang="ko-KR" altLang="en-US"/>
+          </a:p>
+        </p:txBody>
+      </p:sp>
+      <p:sp>
+        <p:nvSpPr>
+          <p:cNvPr id="5" name="TextBox 4">
+            <a:extLst>
+              <a:ext uri="{FF2B5EF4-FFF2-40B4-BE49-F238E27FC236}">
+                <a16:creationId xmlns:a16="http://schemas.microsoft.com/office/drawing/2014/main" id="{ADA4F59E-F63D-458D-8B4A-1D9DCB31C05A}"/>
+              </a:ext>
+            </a:extLst>
+          </p:cNvPr>
+          <p:cNvSpPr txBox="1"/>
+          <p:nvPr/>
+        </p:nvSpPr>
+        <p:spPr>
+          <a:xfrm>
+            <a:off x="5519956" y="2547625"/>
+            <a:ext cx="260059" cy="276999"/>
+          </a:xfrm>
+          <a:prstGeom prst="rect">
+            <a:avLst/>
+          </a:prstGeom>
+          <a:noFill/>
+        </p:spPr>
+        <p:txBody>
+          <a:bodyPr wrap="square" rtlCol="0">
+            <a:spAutoFit/>
+          </a:bodyPr>
+          <a:lstStyle/>
+          <a:p>
+            <a:r>
+              <a:rPr lang="en-US" altLang="ko-KR" sz="1200" dirty="0">
+                <a:solidFill>
+                  <a:schemeClr val="bg1"/>
+                </a:solidFill>
+              </a:rPr>
+              <a:t>1</a:t>
+            </a:r>
+            <a:endParaRPr lang="ko-KR" altLang="en-US" sz="1200" dirty="0">
+              <a:solidFill>
+                <a:schemeClr val="bg1"/>
+              </a:solidFill>
+            </a:endParaRPr>
           </a:p>
         </p:txBody>
       </p:sp>

--- a/React발표자료.pptx
+++ b/React발표자료.pptx
@@ -5845,49 +5845,6 @@
           <a:chExt cx="0" cy="0"/>
         </a:xfrm>
       </p:grpSpPr>
-      <p:sp>
-        <p:nvSpPr>
-          <p:cNvPr id="16" name="직사각형 15"/>
-          <p:cNvSpPr/>
-          <p:nvPr/>
-        </p:nvSpPr>
-        <p:spPr>
-          <a:xfrm>
-            <a:off x="1926967" y="210672"/>
-            <a:ext cx="1364752" cy="177800"/>
-          </a:xfrm>
-          <a:prstGeom prst="rect">
-            <a:avLst/>
-          </a:prstGeom>
-          <a:ln>
-            <a:noFill/>
-          </a:ln>
-        </p:spPr>
-        <p:style>
-          <a:lnRef idx="2">
-            <a:schemeClr val="accent4">
-              <a:shade val="50000"/>
-            </a:schemeClr>
-          </a:lnRef>
-          <a:fillRef idx="1">
-            <a:schemeClr val="accent4"/>
-          </a:fillRef>
-          <a:effectRef idx="0">
-            <a:schemeClr val="accent4"/>
-          </a:effectRef>
-          <a:fontRef idx="minor">
-            <a:schemeClr val="lt1"/>
-          </a:fontRef>
-        </p:style>
-        <p:txBody>
-          <a:bodyPr rtlCol="0" anchor="ctr"/>
-          <a:lstStyle/>
-          <a:p>
-            <a:pPr algn="ctr"/>
-            <a:endParaRPr lang="ko-KR" altLang="en-US"/>
-          </a:p>
-        </p:txBody>
-      </p:sp>
       <p:cxnSp>
         <p:nvCxnSpPr>
           <p:cNvPr id="6" name="직선 연결선 5"/>
@@ -6401,49 +6358,6 @@
           <a:chExt cx="0" cy="0"/>
         </a:xfrm>
       </p:grpSpPr>
-      <p:sp>
-        <p:nvSpPr>
-          <p:cNvPr id="16" name="직사각형 15"/>
-          <p:cNvSpPr/>
-          <p:nvPr/>
-        </p:nvSpPr>
-        <p:spPr>
-          <a:xfrm>
-            <a:off x="1926967" y="210672"/>
-            <a:ext cx="1364752" cy="177800"/>
-          </a:xfrm>
-          <a:prstGeom prst="rect">
-            <a:avLst/>
-          </a:prstGeom>
-          <a:ln>
-            <a:noFill/>
-          </a:ln>
-        </p:spPr>
-        <p:style>
-          <a:lnRef idx="2">
-            <a:schemeClr val="accent4">
-              <a:shade val="50000"/>
-            </a:schemeClr>
-          </a:lnRef>
-          <a:fillRef idx="1">
-            <a:schemeClr val="accent4"/>
-          </a:fillRef>
-          <a:effectRef idx="0">
-            <a:schemeClr val="accent4"/>
-          </a:effectRef>
-          <a:fontRef idx="minor">
-            <a:schemeClr val="lt1"/>
-          </a:fontRef>
-        </p:style>
-        <p:txBody>
-          <a:bodyPr rtlCol="0" anchor="ctr"/>
-          <a:lstStyle/>
-          <a:p>
-            <a:pPr algn="ctr"/>
-            <a:endParaRPr lang="ko-KR" altLang="en-US"/>
-          </a:p>
-        </p:txBody>
-      </p:sp>
       <p:cxnSp>
         <p:nvCxnSpPr>
           <p:cNvPr id="6" name="직선 연결선 5"/>
@@ -7157,49 +7071,6 @@
           <a:chExt cx="0" cy="0"/>
         </a:xfrm>
       </p:grpSpPr>
-      <p:sp>
-        <p:nvSpPr>
-          <p:cNvPr id="16" name="직사각형 15"/>
-          <p:cNvSpPr/>
-          <p:nvPr/>
-        </p:nvSpPr>
-        <p:spPr>
-          <a:xfrm>
-            <a:off x="1926967" y="210672"/>
-            <a:ext cx="1364752" cy="177800"/>
-          </a:xfrm>
-          <a:prstGeom prst="rect">
-            <a:avLst/>
-          </a:prstGeom>
-          <a:ln>
-            <a:noFill/>
-          </a:ln>
-        </p:spPr>
-        <p:style>
-          <a:lnRef idx="2">
-            <a:schemeClr val="accent4">
-              <a:shade val="50000"/>
-            </a:schemeClr>
-          </a:lnRef>
-          <a:fillRef idx="1">
-            <a:schemeClr val="accent4"/>
-          </a:fillRef>
-          <a:effectRef idx="0">
-            <a:schemeClr val="accent4"/>
-          </a:effectRef>
-          <a:fontRef idx="minor">
-            <a:schemeClr val="lt1"/>
-          </a:fontRef>
-        </p:style>
-        <p:txBody>
-          <a:bodyPr rtlCol="0" anchor="ctr"/>
-          <a:lstStyle/>
-          <a:p>
-            <a:pPr algn="ctr"/>
-            <a:endParaRPr lang="ko-KR" altLang="en-US"/>
-          </a:p>
-        </p:txBody>
-      </p:sp>
       <p:cxnSp>
         <p:nvCxnSpPr>
           <p:cNvPr id="6" name="직선 연결선 5"/>
@@ -7930,49 +7801,6 @@
           <a:chExt cx="0" cy="0"/>
         </a:xfrm>
       </p:grpSpPr>
-      <p:sp>
-        <p:nvSpPr>
-          <p:cNvPr id="16" name="직사각형 15"/>
-          <p:cNvSpPr/>
-          <p:nvPr/>
-        </p:nvSpPr>
-        <p:spPr>
-          <a:xfrm>
-            <a:off x="1926967" y="210672"/>
-            <a:ext cx="1364752" cy="177800"/>
-          </a:xfrm>
-          <a:prstGeom prst="rect">
-            <a:avLst/>
-          </a:prstGeom>
-          <a:ln>
-            <a:noFill/>
-          </a:ln>
-        </p:spPr>
-        <p:style>
-          <a:lnRef idx="2">
-            <a:schemeClr val="accent4">
-              <a:shade val="50000"/>
-            </a:schemeClr>
-          </a:lnRef>
-          <a:fillRef idx="1">
-            <a:schemeClr val="accent4"/>
-          </a:fillRef>
-          <a:effectRef idx="0">
-            <a:schemeClr val="accent4"/>
-          </a:effectRef>
-          <a:fontRef idx="minor">
-            <a:schemeClr val="lt1"/>
-          </a:fontRef>
-        </p:style>
-        <p:txBody>
-          <a:bodyPr rtlCol="0" anchor="ctr"/>
-          <a:lstStyle/>
-          <a:p>
-            <a:pPr algn="ctr"/>
-            <a:endParaRPr lang="ko-KR" altLang="en-US"/>
-          </a:p>
-        </p:txBody>
-      </p:sp>
       <p:cxnSp>
         <p:nvCxnSpPr>
           <p:cNvPr id="6" name="직선 연결선 5"/>
@@ -9361,49 +9189,6 @@
           <a:chExt cx="0" cy="0"/>
         </a:xfrm>
       </p:grpSpPr>
-      <p:sp>
-        <p:nvSpPr>
-          <p:cNvPr id="16" name="직사각형 15"/>
-          <p:cNvSpPr/>
-          <p:nvPr/>
-        </p:nvSpPr>
-        <p:spPr>
-          <a:xfrm>
-            <a:off x="1926967" y="210672"/>
-            <a:ext cx="1364752" cy="177800"/>
-          </a:xfrm>
-          <a:prstGeom prst="rect">
-            <a:avLst/>
-          </a:prstGeom>
-          <a:ln>
-            <a:noFill/>
-          </a:ln>
-        </p:spPr>
-        <p:style>
-          <a:lnRef idx="2">
-            <a:schemeClr val="accent4">
-              <a:shade val="50000"/>
-            </a:schemeClr>
-          </a:lnRef>
-          <a:fillRef idx="1">
-            <a:schemeClr val="accent4"/>
-          </a:fillRef>
-          <a:effectRef idx="0">
-            <a:schemeClr val="accent4"/>
-          </a:effectRef>
-          <a:fontRef idx="minor">
-            <a:schemeClr val="lt1"/>
-          </a:fontRef>
-        </p:style>
-        <p:txBody>
-          <a:bodyPr rtlCol="0" anchor="ctr"/>
-          <a:lstStyle/>
-          <a:p>
-            <a:pPr algn="ctr"/>
-            <a:endParaRPr lang="ko-KR" altLang="en-US"/>
-          </a:p>
-        </p:txBody>
-      </p:sp>
       <p:cxnSp>
         <p:nvCxnSpPr>
           <p:cNvPr id="6" name="직선 연결선 5"/>
@@ -10176,49 +9961,6 @@
           <a:chExt cx="0" cy="0"/>
         </a:xfrm>
       </p:grpSpPr>
-      <p:sp>
-        <p:nvSpPr>
-          <p:cNvPr id="16" name="직사각형 15"/>
-          <p:cNvSpPr/>
-          <p:nvPr/>
-        </p:nvSpPr>
-        <p:spPr>
-          <a:xfrm>
-            <a:off x="1926967" y="210672"/>
-            <a:ext cx="1364752" cy="177800"/>
-          </a:xfrm>
-          <a:prstGeom prst="rect">
-            <a:avLst/>
-          </a:prstGeom>
-          <a:ln>
-            <a:noFill/>
-          </a:ln>
-        </p:spPr>
-        <p:style>
-          <a:lnRef idx="2">
-            <a:schemeClr val="accent4">
-              <a:shade val="50000"/>
-            </a:schemeClr>
-          </a:lnRef>
-          <a:fillRef idx="1">
-            <a:schemeClr val="accent4"/>
-          </a:fillRef>
-          <a:effectRef idx="0">
-            <a:schemeClr val="accent4"/>
-          </a:effectRef>
-          <a:fontRef idx="minor">
-            <a:schemeClr val="lt1"/>
-          </a:fontRef>
-        </p:style>
-        <p:txBody>
-          <a:bodyPr rtlCol="0" anchor="ctr"/>
-          <a:lstStyle/>
-          <a:p>
-            <a:pPr algn="ctr"/>
-            <a:endParaRPr lang="ko-KR" altLang="en-US"/>
-          </a:p>
-        </p:txBody>
-      </p:sp>
       <p:cxnSp>
         <p:nvCxnSpPr>
           <p:cNvPr id="6" name="직선 연결선 5"/>
